--- a/Report/Figures.pptx
+++ b/Report/Figures.pptx
@@ -5,13 +5,14 @@
     <p:sldMasterId id="2147483648" r:id="rId1"/>
   </p:sldMasterIdLst>
   <p:notesMasterIdLst>
-    <p:notesMasterId r:id="rId6"/>
+    <p:notesMasterId r:id="rId7"/>
   </p:notesMasterIdLst>
   <p:sldIdLst>
     <p:sldId id="257" r:id="rId2"/>
     <p:sldId id="256" r:id="rId3"/>
-    <p:sldId id="259" r:id="rId4"/>
-    <p:sldId id="258" r:id="rId5"/>
+    <p:sldId id="260" r:id="rId4"/>
+    <p:sldId id="259" r:id="rId5"/>
+    <p:sldId id="258" r:id="rId6"/>
   </p:sldIdLst>
   <p:sldSz cx="12192000" cy="6858000"/>
   <p:notesSz cx="6858000" cy="9144000"/>
@@ -211,7 +212,7 @@
           <a:p>
             <a:fld id="{F7E24024-7208-4C27-A85E-1E5E7BE4FB4A}" type="datetimeFigureOut">
               <a:rPr lang="en-AU" smtClean="0"/>
-              <a:t>20/05/2019</a:t>
+              <a:t>22/05/2019</a:t>
             </a:fld>
             <a:endParaRPr lang="en-AU"/>
           </a:p>
@@ -761,7 +762,7 @@
           <a:p>
             <a:fld id="{987506CF-122D-4467-8BA1-1049E0D76801}" type="slidenum">
               <a:rPr lang="en-AU" smtClean="0"/>
-              <a:t>3</a:t>
+              <a:t>4</a:t>
             </a:fld>
             <a:endParaRPr lang="en-AU"/>
           </a:p>
@@ -868,7 +869,7 @@
           <a:p>
             <a:fld id="{987506CF-122D-4467-8BA1-1049E0D76801}" type="slidenum">
               <a:rPr lang="en-AU" smtClean="0"/>
-              <a:t>4</a:t>
+              <a:t>5</a:t>
             </a:fld>
             <a:endParaRPr lang="en-AU"/>
           </a:p>
@@ -1036,7 +1037,7 @@
           <a:p>
             <a:fld id="{E3D6D929-E2D6-447B-B87F-832AE6C7B448}" type="datetimeFigureOut">
               <a:rPr lang="en-AU" smtClean="0"/>
-              <a:t>20/05/2019</a:t>
+              <a:t>22/05/2019</a:t>
             </a:fld>
             <a:endParaRPr lang="en-AU"/>
           </a:p>
@@ -1236,7 +1237,7 @@
           <a:p>
             <a:fld id="{E3D6D929-E2D6-447B-B87F-832AE6C7B448}" type="datetimeFigureOut">
               <a:rPr lang="en-AU" smtClean="0"/>
-              <a:t>20/05/2019</a:t>
+              <a:t>22/05/2019</a:t>
             </a:fld>
             <a:endParaRPr lang="en-AU"/>
           </a:p>
@@ -1446,7 +1447,7 @@
           <a:p>
             <a:fld id="{E3D6D929-E2D6-447B-B87F-832AE6C7B448}" type="datetimeFigureOut">
               <a:rPr lang="en-AU" smtClean="0"/>
-              <a:t>20/05/2019</a:t>
+              <a:t>22/05/2019</a:t>
             </a:fld>
             <a:endParaRPr lang="en-AU"/>
           </a:p>
@@ -1646,7 +1647,7 @@
           <a:p>
             <a:fld id="{E3D6D929-E2D6-447B-B87F-832AE6C7B448}" type="datetimeFigureOut">
               <a:rPr lang="en-AU" smtClean="0"/>
-              <a:t>20/05/2019</a:t>
+              <a:t>22/05/2019</a:t>
             </a:fld>
             <a:endParaRPr lang="en-AU"/>
           </a:p>
@@ -1922,7 +1923,7 @@
           <a:p>
             <a:fld id="{E3D6D929-E2D6-447B-B87F-832AE6C7B448}" type="datetimeFigureOut">
               <a:rPr lang="en-AU" smtClean="0"/>
-              <a:t>20/05/2019</a:t>
+              <a:t>22/05/2019</a:t>
             </a:fld>
             <a:endParaRPr lang="en-AU"/>
           </a:p>
@@ -2190,7 +2191,7 @@
           <a:p>
             <a:fld id="{E3D6D929-E2D6-447B-B87F-832AE6C7B448}" type="datetimeFigureOut">
               <a:rPr lang="en-AU" smtClean="0"/>
-              <a:t>20/05/2019</a:t>
+              <a:t>22/05/2019</a:t>
             </a:fld>
             <a:endParaRPr lang="en-AU"/>
           </a:p>
@@ -2605,7 +2606,7 @@
           <a:p>
             <a:fld id="{E3D6D929-E2D6-447B-B87F-832AE6C7B448}" type="datetimeFigureOut">
               <a:rPr lang="en-AU" smtClean="0"/>
-              <a:t>20/05/2019</a:t>
+              <a:t>22/05/2019</a:t>
             </a:fld>
             <a:endParaRPr lang="en-AU"/>
           </a:p>
@@ -2747,7 +2748,7 @@
           <a:p>
             <a:fld id="{E3D6D929-E2D6-447B-B87F-832AE6C7B448}" type="datetimeFigureOut">
               <a:rPr lang="en-AU" smtClean="0"/>
-              <a:t>20/05/2019</a:t>
+              <a:t>22/05/2019</a:t>
             </a:fld>
             <a:endParaRPr lang="en-AU"/>
           </a:p>
@@ -2860,7 +2861,7 @@
           <a:p>
             <a:fld id="{E3D6D929-E2D6-447B-B87F-832AE6C7B448}" type="datetimeFigureOut">
               <a:rPr lang="en-AU" smtClean="0"/>
-              <a:t>20/05/2019</a:t>
+              <a:t>22/05/2019</a:t>
             </a:fld>
             <a:endParaRPr lang="en-AU"/>
           </a:p>
@@ -3173,7 +3174,7 @@
           <a:p>
             <a:fld id="{E3D6D929-E2D6-447B-B87F-832AE6C7B448}" type="datetimeFigureOut">
               <a:rPr lang="en-AU" smtClean="0"/>
-              <a:t>20/05/2019</a:t>
+              <a:t>22/05/2019</a:t>
             </a:fld>
             <a:endParaRPr lang="en-AU"/>
           </a:p>
@@ -3462,7 +3463,7 @@
           <a:p>
             <a:fld id="{E3D6D929-E2D6-447B-B87F-832AE6C7B448}" type="datetimeFigureOut">
               <a:rPr lang="en-AU" smtClean="0"/>
-              <a:t>20/05/2019</a:t>
+              <a:t>22/05/2019</a:t>
             </a:fld>
             <a:endParaRPr lang="en-AU"/>
           </a:p>
@@ -3705,7 +3706,7 @@
           <a:p>
             <a:fld id="{E3D6D929-E2D6-447B-B87F-832AE6C7B448}" type="datetimeFigureOut">
               <a:rPr lang="en-AU" smtClean="0"/>
-              <a:t>20/05/2019</a:t>
+              <a:t>22/05/2019</a:t>
             </a:fld>
             <a:endParaRPr lang="en-AU"/>
           </a:p>
@@ -4628,8 +4629,8 @@
               </a:fontRef>
             </p:style>
           </p:cxnSp>
-          <mc:AlternateContent xmlns:mc="http://schemas.openxmlformats.org/markup-compatibility/2006">
-            <mc:Choice xmlns:a14="http://schemas.microsoft.com/office/drawing/2010/main" Requires="a14">
+          <mc:AlternateContent xmlns:mc="http://schemas.openxmlformats.org/markup-compatibility/2006" xmlns:a14="http://schemas.microsoft.com/office/drawing/2010/main">
+            <mc:Choice Requires="a14">
               <p:sp>
                 <p:nvSpPr>
                   <p:cNvPr id="70" name="TextBox 69">
@@ -4679,7 +4680,7 @@
                 </p:txBody>
               </p:sp>
             </mc:Choice>
-            <mc:Fallback>
+            <mc:Fallback xmlns="">
               <p:sp>
                 <p:nvSpPr>
                   <p:cNvPr id="70" name="TextBox 69">
@@ -4947,8 +4948,8 @@
               </a:fontRef>
             </p:style>
           </p:cxnSp>
-          <mc:AlternateContent xmlns:mc="http://schemas.openxmlformats.org/markup-compatibility/2006">
-            <mc:Choice xmlns:a14="http://schemas.microsoft.com/office/drawing/2010/main" Requires="a14">
+          <mc:AlternateContent xmlns:mc="http://schemas.openxmlformats.org/markup-compatibility/2006" xmlns:a14="http://schemas.microsoft.com/office/drawing/2010/main">
+            <mc:Choice Requires="a14">
               <p:sp>
                 <p:nvSpPr>
                   <p:cNvPr id="113" name="TextBox 112">
@@ -4998,7 +4999,7 @@
                 </p:txBody>
               </p:sp>
             </mc:Choice>
-            <mc:Fallback>
+            <mc:Fallback xmlns="">
               <p:sp>
                 <p:nvSpPr>
                   <p:cNvPr id="113" name="TextBox 112">
@@ -5043,8 +5044,8 @@
               </p:sp>
             </mc:Fallback>
           </mc:AlternateContent>
-          <mc:AlternateContent xmlns:mc="http://schemas.openxmlformats.org/markup-compatibility/2006">
-            <mc:Choice xmlns:a14="http://schemas.microsoft.com/office/drawing/2010/main" Requires="a14">
+          <mc:AlternateContent xmlns:mc="http://schemas.openxmlformats.org/markup-compatibility/2006" xmlns:a14="http://schemas.microsoft.com/office/drawing/2010/main">
+            <mc:Choice Requires="a14">
               <p:sp>
                 <p:nvSpPr>
                   <p:cNvPr id="114" name="TextBox 113">
@@ -5094,7 +5095,7 @@
                 </p:txBody>
               </p:sp>
             </mc:Choice>
-            <mc:Fallback>
+            <mc:Fallback xmlns="">
               <p:sp>
                 <p:nvSpPr>
                   <p:cNvPr id="114" name="TextBox 113">
@@ -5674,8 +5675,8 @@
             </p:style>
           </p:cxnSp>
         </p:grpSp>
-        <mc:AlternateContent xmlns:mc="http://schemas.openxmlformats.org/markup-compatibility/2006">
-          <mc:Choice xmlns:a14="http://schemas.microsoft.com/office/drawing/2010/main" Requires="a14">
+        <mc:AlternateContent xmlns:mc="http://schemas.openxmlformats.org/markup-compatibility/2006" xmlns:a14="http://schemas.microsoft.com/office/drawing/2010/main">
+          <mc:Choice Requires="a14">
             <p:sp>
               <p:nvSpPr>
                 <p:cNvPr id="147" name="TextBox 146">
@@ -5725,7 +5726,7 @@
               </p:txBody>
             </p:sp>
           </mc:Choice>
-          <mc:Fallback>
+          <mc:Fallback xmlns="">
             <p:sp>
               <p:nvSpPr>
                 <p:cNvPr id="147" name="TextBox 146">
@@ -5801,55 +5802,12 @@
           <a:chExt cx="0" cy="0"/>
         </a:xfrm>
       </p:grpSpPr>
-      <p:cxnSp>
-        <p:nvCxnSpPr>
-          <p:cNvPr id="58" name="Straight Connector 57">
+      <p:grpSp>
+        <p:nvGrpSpPr>
+          <p:cNvPr id="33" name="Group 32">
             <a:extLst>
               <a:ext uri="{FF2B5EF4-FFF2-40B4-BE49-F238E27FC236}">
-                <a16:creationId xmlns:a16="http://schemas.microsoft.com/office/drawing/2014/main" id="{E83EBC5B-A15A-489D-A4ED-32BBF460F3DE}"/>
-              </a:ext>
-            </a:extLst>
-          </p:cNvPr>
-          <p:cNvCxnSpPr>
-            <a:cxnSpLocks/>
-          </p:cNvCxnSpPr>
-          <p:nvPr/>
-        </p:nvCxnSpPr>
-        <p:spPr>
-          <a:xfrm flipH="1">
-            <a:off x="1741477" y="2716268"/>
-            <a:ext cx="8306343" cy="1662120"/>
-          </a:xfrm>
-          <a:prstGeom prst="line">
-            <a:avLst/>
-          </a:prstGeom>
-          <a:ln w="19050">
-            <a:solidFill>
-              <a:srgbClr val="FF0000"/>
-            </a:solidFill>
-          </a:ln>
-        </p:spPr>
-        <p:style>
-          <a:lnRef idx="1">
-            <a:schemeClr val="accent1"/>
-          </a:lnRef>
-          <a:fillRef idx="0">
-            <a:schemeClr val="accent1"/>
-          </a:fillRef>
-          <a:effectRef idx="0">
-            <a:schemeClr val="accent1"/>
-          </a:effectRef>
-          <a:fontRef idx="minor">
-            <a:schemeClr val="tx1"/>
-          </a:fontRef>
-        </p:style>
-      </p:cxnSp>
-      <p:grpSp>
-        <p:nvGrpSpPr>
-          <p:cNvPr id="7" name="Group 6">
-            <a:extLst>
-              <a:ext uri="{FF2B5EF4-FFF2-40B4-BE49-F238E27FC236}">
-                <a16:creationId xmlns:a16="http://schemas.microsoft.com/office/drawing/2014/main" id="{137467C6-77F3-48BD-9B2F-8DD73A85211A}"/>
+                <a16:creationId xmlns:a16="http://schemas.microsoft.com/office/drawing/2014/main" id="{C221E305-B0F1-48E8-83A3-AA505C9F0594}"/>
               </a:ext>
             </a:extLst>
           </p:cNvPr>
@@ -5858,18 +5816,2429 @@
         </p:nvGrpSpPr>
         <p:grpSpPr>
           <a:xfrm>
-            <a:off x="1079474" y="620331"/>
-            <a:ext cx="9305335" cy="5729872"/>
-            <a:chOff x="1079474" y="620331"/>
-            <a:chExt cx="9305335" cy="5729872"/>
+            <a:off x="879553" y="0"/>
+            <a:ext cx="10491616" cy="6223361"/>
+            <a:chOff x="3435351" y="748939"/>
+            <a:chExt cx="9625111" cy="5709372"/>
           </a:xfrm>
         </p:grpSpPr>
+        <p:grpSp>
+          <p:nvGrpSpPr>
+            <p:cNvPr id="3" name="Group 2">
+              <a:extLst>
+                <a:ext uri="{FF2B5EF4-FFF2-40B4-BE49-F238E27FC236}">
+                  <a16:creationId xmlns:a16="http://schemas.microsoft.com/office/drawing/2014/main" id="{C7B3DDA4-C35F-4A22-912E-FF4FF4D796B8}"/>
+                </a:ext>
+              </a:extLst>
+            </p:cNvPr>
+            <p:cNvGrpSpPr/>
+            <p:nvPr/>
+          </p:nvGrpSpPr>
+          <p:grpSpPr>
+            <a:xfrm>
+              <a:off x="3435351" y="748939"/>
+              <a:ext cx="9625111" cy="5709372"/>
+              <a:chOff x="1062337" y="735846"/>
+              <a:chExt cx="9221894" cy="5470195"/>
+            </a:xfrm>
+          </p:grpSpPr>
+          <p:grpSp>
+            <p:nvGrpSpPr>
+              <p:cNvPr id="2" name="Group 1">
+                <a:extLst>
+                  <a:ext uri="{FF2B5EF4-FFF2-40B4-BE49-F238E27FC236}">
+                    <a16:creationId xmlns:a16="http://schemas.microsoft.com/office/drawing/2014/main" id="{972677C2-02C7-467A-946F-F12CF312EA46}"/>
+                  </a:ext>
+                </a:extLst>
+              </p:cNvPr>
+              <p:cNvGrpSpPr/>
+              <p:nvPr/>
+            </p:nvGrpSpPr>
+            <p:grpSpPr>
+              <a:xfrm>
+                <a:off x="1062337" y="735846"/>
+                <a:ext cx="9221894" cy="5470195"/>
+                <a:chOff x="1054386" y="902824"/>
+                <a:chExt cx="9221894" cy="5470195"/>
+              </a:xfrm>
+            </p:grpSpPr>
+            <p:cxnSp>
+              <p:nvCxnSpPr>
+                <p:cNvPr id="58" name="Straight Connector 57">
+                  <a:extLst>
+                    <a:ext uri="{FF2B5EF4-FFF2-40B4-BE49-F238E27FC236}">
+                      <a16:creationId xmlns:a16="http://schemas.microsoft.com/office/drawing/2014/main" id="{E83EBC5B-A15A-489D-A4ED-32BBF460F3DE}"/>
+                    </a:ext>
+                  </a:extLst>
+                </p:cNvPr>
+                <p:cNvCxnSpPr>
+                  <a:cxnSpLocks/>
+                </p:cNvCxnSpPr>
+                <p:nvPr/>
+              </p:nvCxnSpPr>
+              <p:spPr>
+                <a:xfrm flipH="1">
+                  <a:off x="1741478" y="3777632"/>
+                  <a:ext cx="3002240" cy="600756"/>
+                </a:xfrm>
+                <a:prstGeom prst="line">
+                  <a:avLst/>
+                </a:prstGeom>
+                <a:ln w="19050">
+                  <a:solidFill>
+                    <a:srgbClr val="FF0000"/>
+                  </a:solidFill>
+                </a:ln>
+              </p:spPr>
+              <p:style>
+                <a:lnRef idx="1">
+                  <a:schemeClr val="accent1"/>
+                </a:lnRef>
+                <a:fillRef idx="0">
+                  <a:schemeClr val="accent1"/>
+                </a:fillRef>
+                <a:effectRef idx="0">
+                  <a:schemeClr val="accent1"/>
+                </a:effectRef>
+                <a:fontRef idx="minor">
+                  <a:schemeClr val="tx1"/>
+                </a:fontRef>
+              </p:style>
+            </p:cxnSp>
+            <p:grpSp>
+              <p:nvGrpSpPr>
+                <p:cNvPr id="7" name="Group 6">
+                  <a:extLst>
+                    <a:ext uri="{FF2B5EF4-FFF2-40B4-BE49-F238E27FC236}">
+                      <a16:creationId xmlns:a16="http://schemas.microsoft.com/office/drawing/2014/main" id="{137467C6-77F3-48BD-9B2F-8DD73A85211A}"/>
+                    </a:ext>
+                  </a:extLst>
+                </p:cNvPr>
+                <p:cNvGrpSpPr/>
+                <p:nvPr/>
+              </p:nvGrpSpPr>
+              <p:grpSpPr>
+                <a:xfrm>
+                  <a:off x="1054386" y="1712339"/>
+                  <a:ext cx="9221894" cy="4660680"/>
+                  <a:chOff x="1054386" y="1712339"/>
+                  <a:chExt cx="9221894" cy="4660680"/>
+                </a:xfrm>
+              </p:grpSpPr>
+              <p:sp>
+                <p:nvSpPr>
+                  <p:cNvPr id="5" name="Rectangle 4">
+                    <a:extLst>
+                      <a:ext uri="{FF2B5EF4-FFF2-40B4-BE49-F238E27FC236}">
+                        <a16:creationId xmlns:a16="http://schemas.microsoft.com/office/drawing/2014/main" id="{7AFCB67D-73A0-42B7-934A-A96230B53A72}"/>
+                      </a:ext>
+                    </a:extLst>
+                  </p:cNvPr>
+                  <p:cNvSpPr/>
+                  <p:nvPr/>
+                </p:nvSpPr>
+                <p:spPr>
+                  <a:xfrm>
+                    <a:off x="3650461" y="1873423"/>
+                    <a:ext cx="5115480" cy="4062296"/>
+                  </a:xfrm>
+                  <a:prstGeom prst="rect">
+                    <a:avLst/>
+                  </a:prstGeom>
+                  <a:solidFill>
+                    <a:schemeClr val="accent1">
+                      <a:lumMod val="40000"/>
+                      <a:lumOff val="60000"/>
+                    </a:schemeClr>
+                  </a:solidFill>
+                  <a:ln>
+                    <a:solidFill>
+                      <a:schemeClr val="tx1"/>
+                    </a:solidFill>
+                  </a:ln>
+                  <a:scene3d>
+                    <a:camera prst="orthographicFront">
+                      <a:rot lat="20099999" lon="3299974" rev="0"/>
+                    </a:camera>
+                    <a:lightRig rig="threePt" dir="t"/>
+                  </a:scene3d>
+                </p:spPr>
+                <p:style>
+                  <a:lnRef idx="2">
+                    <a:schemeClr val="accent1">
+                      <a:shade val="50000"/>
+                    </a:schemeClr>
+                  </a:lnRef>
+                  <a:fillRef idx="1">
+                    <a:schemeClr val="accent1"/>
+                  </a:fillRef>
+                  <a:effectRef idx="0">
+                    <a:schemeClr val="accent1"/>
+                  </a:effectRef>
+                  <a:fontRef idx="minor">
+                    <a:schemeClr val="lt1"/>
+                  </a:fontRef>
+                </p:style>
+                <p:txBody>
+                  <a:bodyPr rtlCol="0" anchor="ctr"/>
+                  <a:lstStyle/>
+                  <a:p>
+                    <a:pPr algn="ctr"/>
+                    <a:endParaRPr lang="en-AU"/>
+                  </a:p>
+                </p:txBody>
+              </p:sp>
+              <p:grpSp>
+                <p:nvGrpSpPr>
+                  <p:cNvPr id="135" name="Group 134">
+                    <a:extLst>
+                      <a:ext uri="{FF2B5EF4-FFF2-40B4-BE49-F238E27FC236}">
+                        <a16:creationId xmlns:a16="http://schemas.microsoft.com/office/drawing/2014/main" id="{46D4B202-B2E9-439A-A222-22EB8DC37664}"/>
+                      </a:ext>
+                    </a:extLst>
+                  </p:cNvPr>
+                  <p:cNvGrpSpPr/>
+                  <p:nvPr/>
+                </p:nvGrpSpPr>
+                <p:grpSpPr>
+                  <a:xfrm>
+                    <a:off x="1054386" y="1712339"/>
+                    <a:ext cx="9221894" cy="4660680"/>
+                    <a:chOff x="3373027" y="1460217"/>
+                    <a:chExt cx="5847251" cy="2955160"/>
+                  </a:xfrm>
+                </p:grpSpPr>
+                <p:cxnSp>
+                  <p:nvCxnSpPr>
+                    <p:cNvPr id="75" name="Straight Connector 74">
+                      <a:extLst>
+                        <a:ext uri="{FF2B5EF4-FFF2-40B4-BE49-F238E27FC236}">
+                          <a16:creationId xmlns:a16="http://schemas.microsoft.com/office/drawing/2014/main" id="{16E5140C-0D94-404E-80C3-D510DBC76C42}"/>
+                        </a:ext>
+                      </a:extLst>
+                    </p:cNvPr>
+                    <p:cNvCxnSpPr>
+                      <a:cxnSpLocks/>
+                    </p:cNvCxnSpPr>
+                    <p:nvPr/>
+                  </p:nvCxnSpPr>
+                  <p:spPr>
+                    <a:xfrm>
+                      <a:off x="3817257" y="1460217"/>
+                      <a:ext cx="0" cy="1883346"/>
+                    </a:xfrm>
+                    <a:prstGeom prst="line">
+                      <a:avLst/>
+                    </a:prstGeom>
+                    <a:ln w="19050">
+                      <a:solidFill>
+                        <a:schemeClr val="tx1"/>
+                      </a:solidFill>
+                      <a:headEnd type="arrow" w="med" len="med"/>
+                      <a:tailEnd type="none" w="med" len="med"/>
+                    </a:ln>
+                  </p:spPr>
+                  <p:style>
+                    <a:lnRef idx="1">
+                      <a:schemeClr val="accent1"/>
+                    </a:lnRef>
+                    <a:fillRef idx="0">
+                      <a:schemeClr val="accent1"/>
+                    </a:fillRef>
+                    <a:effectRef idx="0">
+                      <a:schemeClr val="accent1"/>
+                    </a:effectRef>
+                    <a:fontRef idx="minor">
+                      <a:schemeClr val="tx1"/>
+                    </a:fontRef>
+                  </p:style>
+                </p:cxnSp>
+                <p:cxnSp>
+                  <p:nvCxnSpPr>
+                    <p:cNvPr id="77" name="Straight Connector 76">
+                      <a:extLst>
+                        <a:ext uri="{FF2B5EF4-FFF2-40B4-BE49-F238E27FC236}">
+                          <a16:creationId xmlns:a16="http://schemas.microsoft.com/office/drawing/2014/main" id="{597F6260-3BCB-41FE-8E15-7492488A429B}"/>
+                        </a:ext>
+                      </a:extLst>
+                    </p:cNvPr>
+                    <p:cNvCxnSpPr>
+                      <a:cxnSpLocks/>
+                    </p:cNvCxnSpPr>
+                    <p:nvPr/>
+                  </p:nvCxnSpPr>
+                  <p:spPr>
+                    <a:xfrm flipH="1">
+                      <a:off x="3594103" y="3149601"/>
+                      <a:ext cx="5133303" cy="0"/>
+                    </a:xfrm>
+                    <a:prstGeom prst="line">
+                      <a:avLst/>
+                    </a:prstGeom>
+                    <a:ln w="19050">
+                      <a:solidFill>
+                        <a:schemeClr val="tx1"/>
+                      </a:solidFill>
+                      <a:headEnd type="arrow" w="med" len="med"/>
+                      <a:tailEnd type="none" w="med" len="med"/>
+                    </a:ln>
+                  </p:spPr>
+                  <p:style>
+                    <a:lnRef idx="1">
+                      <a:schemeClr val="accent1"/>
+                    </a:lnRef>
+                    <a:fillRef idx="0">
+                      <a:schemeClr val="accent1"/>
+                    </a:fillRef>
+                    <a:effectRef idx="0">
+                      <a:schemeClr val="accent1"/>
+                    </a:effectRef>
+                    <a:fontRef idx="minor">
+                      <a:schemeClr val="tx1"/>
+                    </a:fontRef>
+                  </p:style>
+                </p:cxnSp>
+                <p:cxnSp>
+                  <p:nvCxnSpPr>
+                    <p:cNvPr id="81" name="Straight Connector 80">
+                      <a:extLst>
+                        <a:ext uri="{FF2B5EF4-FFF2-40B4-BE49-F238E27FC236}">
+                          <a16:creationId xmlns:a16="http://schemas.microsoft.com/office/drawing/2014/main" id="{13D9105B-106C-482F-A21D-8D101D052E4E}"/>
+                        </a:ext>
+                      </a:extLst>
+                    </p:cNvPr>
+                    <p:cNvCxnSpPr>
+                      <a:cxnSpLocks/>
+                    </p:cNvCxnSpPr>
+                    <p:nvPr/>
+                  </p:nvCxnSpPr>
+                  <p:spPr>
+                    <a:xfrm flipH="1">
+                      <a:off x="4131582" y="3149600"/>
+                      <a:ext cx="2147298" cy="0"/>
+                    </a:xfrm>
+                    <a:prstGeom prst="line">
+                      <a:avLst/>
+                    </a:prstGeom>
+                    <a:ln w="19050">
+                      <a:solidFill>
+                        <a:schemeClr val="tx1"/>
+                      </a:solidFill>
+                      <a:prstDash val="dash"/>
+                    </a:ln>
+                  </p:spPr>
+                  <p:style>
+                    <a:lnRef idx="1">
+                      <a:schemeClr val="accent1"/>
+                    </a:lnRef>
+                    <a:fillRef idx="0">
+                      <a:schemeClr val="accent1"/>
+                    </a:fillRef>
+                    <a:effectRef idx="0">
+                      <a:schemeClr val="accent1"/>
+                    </a:effectRef>
+                    <a:fontRef idx="minor">
+                      <a:schemeClr val="tx1"/>
+                    </a:fontRef>
+                  </p:style>
+                </p:cxnSp>
+                <p:cxnSp>
+                  <p:nvCxnSpPr>
+                    <p:cNvPr id="84" name="Straight Connector 83">
+                      <a:extLst>
+                        <a:ext uri="{FF2B5EF4-FFF2-40B4-BE49-F238E27FC236}">
+                          <a16:creationId xmlns:a16="http://schemas.microsoft.com/office/drawing/2014/main" id="{6F921739-3CA9-4260-9CA0-52A095159E58}"/>
+                        </a:ext>
+                      </a:extLst>
+                    </p:cNvPr>
+                    <p:cNvCxnSpPr>
+                      <a:cxnSpLocks/>
+                    </p:cNvCxnSpPr>
+                    <p:nvPr/>
+                  </p:nvCxnSpPr>
+                  <p:spPr>
+                    <a:xfrm flipH="1">
+                      <a:off x="3609428" y="1679943"/>
+                      <a:ext cx="2660122" cy="1596477"/>
+                    </a:xfrm>
+                    <a:prstGeom prst="line">
+                      <a:avLst/>
+                    </a:prstGeom>
+                    <a:ln w="19050">
+                      <a:solidFill>
+                        <a:schemeClr val="tx1"/>
+                      </a:solidFill>
+                      <a:headEnd type="arrow" w="med" len="med"/>
+                      <a:tailEnd type="none" w="med" len="med"/>
+                    </a:ln>
+                  </p:spPr>
+                  <p:style>
+                    <a:lnRef idx="1">
+                      <a:schemeClr val="accent1"/>
+                    </a:lnRef>
+                    <a:fillRef idx="0">
+                      <a:schemeClr val="accent1"/>
+                    </a:fillRef>
+                    <a:effectRef idx="0">
+                      <a:schemeClr val="accent1"/>
+                    </a:effectRef>
+                    <a:fontRef idx="minor">
+                      <a:schemeClr val="tx1"/>
+                    </a:fontRef>
+                  </p:style>
+                </p:cxnSp>
+                <p:cxnSp>
+                  <p:nvCxnSpPr>
+                    <p:cNvPr id="90" name="Straight Connector 89">
+                      <a:extLst>
+                        <a:ext uri="{FF2B5EF4-FFF2-40B4-BE49-F238E27FC236}">
+                          <a16:creationId xmlns:a16="http://schemas.microsoft.com/office/drawing/2014/main" id="{88F6C5F8-953C-4104-B5B5-A373426F3896}"/>
+                        </a:ext>
+                      </a:extLst>
+                    </p:cNvPr>
+                    <p:cNvCxnSpPr>
+                      <a:cxnSpLocks/>
+                    </p:cNvCxnSpPr>
+                    <p:nvPr/>
+                  </p:nvCxnSpPr>
+                  <p:spPr>
+                    <a:xfrm flipH="1">
+                      <a:off x="6289595" y="3149600"/>
+                      <a:ext cx="1783081" cy="0"/>
+                    </a:xfrm>
+                    <a:prstGeom prst="line">
+                      <a:avLst/>
+                    </a:prstGeom>
+                    <a:ln w="19050">
+                      <a:solidFill>
+                        <a:schemeClr val="tx1"/>
+                      </a:solidFill>
+                    </a:ln>
+                  </p:spPr>
+                  <p:style>
+                    <a:lnRef idx="1">
+                      <a:schemeClr val="accent1"/>
+                    </a:lnRef>
+                    <a:fillRef idx="0">
+                      <a:schemeClr val="accent1"/>
+                    </a:fillRef>
+                    <a:effectRef idx="0">
+                      <a:schemeClr val="accent1"/>
+                    </a:effectRef>
+                    <a:fontRef idx="minor">
+                      <a:schemeClr val="tx1"/>
+                    </a:fontRef>
+                  </p:style>
+                </p:cxnSp>
+                <p:sp>
+                  <p:nvSpPr>
+                    <p:cNvPr id="93" name="Oval 92">
+                      <a:extLst>
+                        <a:ext uri="{FF2B5EF4-FFF2-40B4-BE49-F238E27FC236}">
+                          <a16:creationId xmlns:a16="http://schemas.microsoft.com/office/drawing/2014/main" id="{5EA2D8D4-E1DD-49FC-9DAB-772788AEDA85}"/>
+                        </a:ext>
+                      </a:extLst>
+                    </p:cNvPr>
+                    <p:cNvSpPr/>
+                    <p:nvPr/>
+                  </p:nvSpPr>
+                  <p:spPr>
+                    <a:xfrm>
+                      <a:off x="6546739" y="3110897"/>
+                      <a:ext cx="34825" cy="61114"/>
+                    </a:xfrm>
+                    <a:prstGeom prst="ellipse">
+                      <a:avLst/>
+                    </a:prstGeom>
+                    <a:solidFill>
+                      <a:schemeClr val="tx1"/>
+                    </a:solidFill>
+                    <a:ln>
+                      <a:solidFill>
+                        <a:schemeClr val="tx1"/>
+                      </a:solidFill>
+                    </a:ln>
+                  </p:spPr>
+                  <p:style>
+                    <a:lnRef idx="2">
+                      <a:schemeClr val="accent1">
+                        <a:shade val="50000"/>
+                      </a:schemeClr>
+                    </a:lnRef>
+                    <a:fillRef idx="1">
+                      <a:schemeClr val="accent1"/>
+                    </a:fillRef>
+                    <a:effectRef idx="0">
+                      <a:schemeClr val="accent1"/>
+                    </a:effectRef>
+                    <a:fontRef idx="minor">
+                      <a:schemeClr val="lt1"/>
+                    </a:fontRef>
+                  </p:style>
+                  <p:txBody>
+                    <a:bodyPr rtlCol="0" anchor="ctr"/>
+                    <a:lstStyle/>
+                    <a:p>
+                      <a:pPr algn="ctr"/>
+                      <a:endParaRPr lang="en-AU"/>
+                    </a:p>
+                  </p:txBody>
+                </p:sp>
+                <p:cxnSp>
+                  <p:nvCxnSpPr>
+                    <p:cNvPr id="103" name="Straight Connector 102">
+                      <a:extLst>
+                        <a:ext uri="{FF2B5EF4-FFF2-40B4-BE49-F238E27FC236}">
+                          <a16:creationId xmlns:a16="http://schemas.microsoft.com/office/drawing/2014/main" id="{6126AA25-A6E5-415D-9799-A9DC6777C64F}"/>
+                        </a:ext>
+                      </a:extLst>
+                    </p:cNvPr>
+                    <p:cNvCxnSpPr>
+                      <a:cxnSpLocks/>
+                    </p:cNvCxnSpPr>
+                    <p:nvPr/>
+                  </p:nvCxnSpPr>
+                  <p:spPr>
+                    <a:xfrm>
+                      <a:off x="3817256" y="3228923"/>
+                      <a:ext cx="2729483" cy="0"/>
+                    </a:xfrm>
+                    <a:prstGeom prst="line">
+                      <a:avLst/>
+                    </a:prstGeom>
+                    <a:ln w="12700">
+                      <a:prstDash val="dash"/>
+                      <a:headEnd type="arrow" w="med" len="med"/>
+                      <a:tailEnd type="arrow" w="med" len="med"/>
+                    </a:ln>
+                  </p:spPr>
+                  <p:style>
+                    <a:lnRef idx="1">
+                      <a:schemeClr val="dk1"/>
+                    </a:lnRef>
+                    <a:fillRef idx="0">
+                      <a:schemeClr val="dk1"/>
+                    </a:fillRef>
+                    <a:effectRef idx="0">
+                      <a:schemeClr val="dk1"/>
+                    </a:effectRef>
+                    <a:fontRef idx="minor">
+                      <a:schemeClr val="tx1"/>
+                    </a:fontRef>
+                  </p:style>
+                </p:cxnSp>
+                <p:cxnSp>
+                  <p:nvCxnSpPr>
+                    <p:cNvPr id="107" name="Straight Connector 106">
+                      <a:extLst>
+                        <a:ext uri="{FF2B5EF4-FFF2-40B4-BE49-F238E27FC236}">
+                          <a16:creationId xmlns:a16="http://schemas.microsoft.com/office/drawing/2014/main" id="{C26F600A-89CA-4F34-AA1D-3231D5B71691}"/>
+                        </a:ext>
+                      </a:extLst>
+                    </p:cNvPr>
+                    <p:cNvCxnSpPr>
+                      <a:cxnSpLocks/>
+                    </p:cNvCxnSpPr>
+                    <p:nvPr/>
+                  </p:nvCxnSpPr>
+                  <p:spPr>
+                    <a:xfrm>
+                      <a:off x="6565524" y="3133673"/>
+                      <a:ext cx="0" cy="190500"/>
+                    </a:xfrm>
+                    <a:prstGeom prst="line">
+                      <a:avLst/>
+                    </a:prstGeom>
+                    <a:ln w="9525">
+                      <a:solidFill>
+                        <a:schemeClr val="tx1"/>
+                      </a:solidFill>
+                    </a:ln>
+                  </p:spPr>
+                  <p:style>
+                    <a:lnRef idx="1">
+                      <a:schemeClr val="accent1"/>
+                    </a:lnRef>
+                    <a:fillRef idx="0">
+                      <a:schemeClr val="accent1"/>
+                    </a:fillRef>
+                    <a:effectRef idx="0">
+                      <a:schemeClr val="accent1"/>
+                    </a:effectRef>
+                    <a:fontRef idx="minor">
+                      <a:schemeClr val="tx1"/>
+                    </a:fontRef>
+                  </p:style>
+                </p:cxnSp>
+                <p:cxnSp>
+                  <p:nvCxnSpPr>
+                    <p:cNvPr id="118" name="Straight Connector 117">
+                      <a:extLst>
+                        <a:ext uri="{FF2B5EF4-FFF2-40B4-BE49-F238E27FC236}">
+                          <a16:creationId xmlns:a16="http://schemas.microsoft.com/office/drawing/2014/main" id="{BF3EE4D2-6576-482C-9ECC-D64E1F3BA6C3}"/>
+                        </a:ext>
+                      </a:extLst>
+                    </p:cNvPr>
+                    <p:cNvCxnSpPr>
+                      <a:cxnSpLocks/>
+                    </p:cNvCxnSpPr>
+                    <p:nvPr/>
+                  </p:nvCxnSpPr>
+                  <p:spPr>
+                    <a:xfrm flipH="1">
+                      <a:off x="4876815" y="2449908"/>
+                      <a:ext cx="2441104" cy="485344"/>
+                    </a:xfrm>
+                    <a:prstGeom prst="line">
+                      <a:avLst/>
+                    </a:prstGeom>
+                    <a:ln w="19050">
+                      <a:solidFill>
+                        <a:srgbClr val="FF0000"/>
+                      </a:solidFill>
+                      <a:prstDash val="dash"/>
+                    </a:ln>
+                  </p:spPr>
+                  <p:style>
+                    <a:lnRef idx="1">
+                      <a:schemeClr val="accent1"/>
+                    </a:lnRef>
+                    <a:fillRef idx="0">
+                      <a:schemeClr val="accent1"/>
+                    </a:fillRef>
+                    <a:effectRef idx="0">
+                      <a:schemeClr val="accent1"/>
+                    </a:effectRef>
+                    <a:fontRef idx="minor">
+                      <a:schemeClr val="tx1"/>
+                    </a:fontRef>
+                  </p:style>
+                </p:cxnSp>
+                <p:cxnSp>
+                  <p:nvCxnSpPr>
+                    <p:cNvPr id="120" name="Straight Connector 119">
+                      <a:extLst>
+                        <a:ext uri="{FF2B5EF4-FFF2-40B4-BE49-F238E27FC236}">
+                          <a16:creationId xmlns:a16="http://schemas.microsoft.com/office/drawing/2014/main" id="{0B926A79-129A-426F-A24C-24D47DB2ABBA}"/>
+                        </a:ext>
+                      </a:extLst>
+                    </p:cNvPr>
+                    <p:cNvCxnSpPr>
+                      <a:cxnSpLocks/>
+                    </p:cNvCxnSpPr>
+                    <p:nvPr/>
+                  </p:nvCxnSpPr>
+                  <p:spPr>
+                    <a:xfrm flipH="1">
+                      <a:off x="7189462" y="2208182"/>
+                      <a:ext cx="1330298" cy="266731"/>
+                    </a:xfrm>
+                    <a:prstGeom prst="line">
+                      <a:avLst/>
+                    </a:prstGeom>
+                    <a:ln w="19050">
+                      <a:solidFill>
+                        <a:srgbClr val="FF0000"/>
+                      </a:solidFill>
+                      <a:headEnd type="arrow" w="med" len="med"/>
+                      <a:tailEnd type="none" w="med" len="med"/>
+                    </a:ln>
+                  </p:spPr>
+                  <p:style>
+                    <a:lnRef idx="1">
+                      <a:schemeClr val="accent1"/>
+                    </a:lnRef>
+                    <a:fillRef idx="0">
+                      <a:schemeClr val="accent1"/>
+                    </a:fillRef>
+                    <a:effectRef idx="0">
+                      <a:schemeClr val="accent1"/>
+                    </a:effectRef>
+                    <a:fontRef idx="minor">
+                      <a:schemeClr val="tx1"/>
+                    </a:fontRef>
+                  </p:style>
+                </p:cxnSp>
+                <p:sp>
+                  <p:nvSpPr>
+                    <p:cNvPr id="128" name="Oval 127">
+                      <a:extLst>
+                        <a:ext uri="{FF2B5EF4-FFF2-40B4-BE49-F238E27FC236}">
+                          <a16:creationId xmlns:a16="http://schemas.microsoft.com/office/drawing/2014/main" id="{2A0F17CB-F1E1-496F-B415-63ED154EF228}"/>
+                        </a:ext>
+                      </a:extLst>
+                    </p:cNvPr>
+                    <p:cNvSpPr/>
+                    <p:nvPr/>
+                  </p:nvSpPr>
+                  <p:spPr>
+                    <a:xfrm>
+                      <a:off x="7172048" y="2444356"/>
+                      <a:ext cx="34825" cy="61114"/>
+                    </a:xfrm>
+                    <a:prstGeom prst="ellipse">
+                      <a:avLst/>
+                    </a:prstGeom>
+                    <a:solidFill>
+                      <a:srgbClr val="FF0000"/>
+                    </a:solidFill>
+                    <a:ln>
+                      <a:solidFill>
+                        <a:srgbClr val="FF0000"/>
+                      </a:solidFill>
+                    </a:ln>
+                  </p:spPr>
+                  <p:style>
+                    <a:lnRef idx="2">
+                      <a:schemeClr val="accent1">
+                        <a:shade val="50000"/>
+                      </a:schemeClr>
+                    </a:lnRef>
+                    <a:fillRef idx="1">
+                      <a:schemeClr val="accent1"/>
+                    </a:fillRef>
+                    <a:effectRef idx="0">
+                      <a:schemeClr val="accent1"/>
+                    </a:effectRef>
+                    <a:fontRef idx="minor">
+                      <a:schemeClr val="lt1"/>
+                    </a:fontRef>
+                  </p:style>
+                  <p:txBody>
+                    <a:bodyPr rtlCol="0" anchor="ctr"/>
+                    <a:lstStyle/>
+                    <a:p>
+                      <a:pPr algn="ctr"/>
+                      <a:endParaRPr lang="en-AU"/>
+                    </a:p>
+                  </p:txBody>
+                </p:sp>
+                <mc:AlternateContent xmlns:mc="http://schemas.openxmlformats.org/markup-compatibility/2006" xmlns:a14="http://schemas.microsoft.com/office/drawing/2010/main">
+                  <mc:Choice Requires="a14">
+                    <p:sp>
+                      <p:nvSpPr>
+                        <p:cNvPr id="129" name="TextBox 128">
+                          <a:extLst>
+                            <a:ext uri="{FF2B5EF4-FFF2-40B4-BE49-F238E27FC236}">
+                              <a16:creationId xmlns:a16="http://schemas.microsoft.com/office/drawing/2014/main" id="{4EC40DAA-5777-45AD-B05F-4D861D1D430E}"/>
+                            </a:ext>
+                          </a:extLst>
+                        </p:cNvPr>
+                        <p:cNvSpPr txBox="1"/>
+                        <p:nvPr/>
+                      </p:nvSpPr>
+                      <p:spPr>
+                        <a:xfrm>
+                          <a:off x="4745029" y="3262465"/>
+                          <a:ext cx="376233" cy="415210"/>
+                        </a:xfrm>
+                        <a:prstGeom prst="rect">
+                          <a:avLst/>
+                        </a:prstGeom>
+                        <a:noFill/>
+                      </p:spPr>
+                      <p:txBody>
+                        <a:bodyPr wrap="none" rtlCol="0">
+                          <a:spAutoFit/>
+                        </a:bodyPr>
+                        <a:lstStyle/>
+                        <a:p>
+                          <a:pPr/>
+                          <a14:m>
+                            <m:oMathPara xmlns:m="http://schemas.openxmlformats.org/officeDocument/2006/math">
+                              <m:oMathParaPr>
+                                <m:jc m:val="centerGroup"/>
+                              </m:oMathParaPr>
+                              <m:oMath xmlns:m="http://schemas.openxmlformats.org/officeDocument/2006/math">
+                                <m:r>
+                                  <a:rPr lang="en-AU" sz="2800" b="0" i="1" smtClean="0">
+                                    <a:latin typeface="Cambria Math" panose="02040503050406030204" pitchFamily="18" charset="0"/>
+                                  </a:rPr>
+                                  <m:t>𝑓</m:t>
+                                </m:r>
+                              </m:oMath>
+                            </m:oMathPara>
+                          </a14:m>
+                          <a:endParaRPr lang="en-AU" sz="2800" dirty="0"/>
+                        </a:p>
+                      </p:txBody>
+                    </p:sp>
+                  </mc:Choice>
+                  <mc:Fallback xmlns="">
+                    <p:sp>
+                      <p:nvSpPr>
+                        <p:cNvPr id="129" name="TextBox 128">
+                          <a:extLst>
+                            <a:ext uri="{FF2B5EF4-FFF2-40B4-BE49-F238E27FC236}">
+                              <a16:creationId xmlns:a16="http://schemas.microsoft.com/office/drawing/2014/main" id="{4EC40DAA-5777-45AD-B05F-4D861D1D430E}"/>
+                            </a:ext>
+                          </a:extLst>
+                        </p:cNvPr>
+                        <p:cNvSpPr txBox="1">
+                          <a:spLocks noRot="1" noChangeAspect="1" noMove="1" noResize="1" noEditPoints="1" noAdjustHandles="1" noChangeArrowheads="1" noChangeShapeType="1" noTextEdit="1"/>
+                        </p:cNvSpPr>
+                        <p:nvPr/>
+                      </p:nvSpPr>
+                      <p:spPr>
+                        <a:xfrm>
+                          <a:off x="4745029" y="3262465"/>
+                          <a:ext cx="376233" cy="415210"/>
+                        </a:xfrm>
+                        <a:prstGeom prst="rect">
+                          <a:avLst/>
+                        </a:prstGeom>
+                        <a:blipFill>
+                          <a:blip r:embed="rId3"/>
+                          <a:stretch>
+                            <a:fillRect/>
+                          </a:stretch>
+                        </a:blipFill>
+                      </p:spPr>
+                      <p:txBody>
+                        <a:bodyPr/>
+                        <a:lstStyle/>
+                        <a:p>
+                          <a:r>
+                            <a:rPr lang="en-AU">
+                              <a:noFill/>
+                            </a:rPr>
+                            <a:t> </a:t>
+                          </a:r>
+                        </a:p>
+                      </p:txBody>
+                    </p:sp>
+                  </mc:Fallback>
+                </mc:AlternateContent>
+                <mc:AlternateContent xmlns:mc="http://schemas.openxmlformats.org/markup-compatibility/2006">
+                  <mc:Choice xmlns:a14="http://schemas.microsoft.com/office/drawing/2010/main" Requires="a14">
+                    <p:sp>
+                      <p:nvSpPr>
+                        <p:cNvPr id="130" name="TextBox 129">
+                          <a:extLst>
+                            <a:ext uri="{FF2B5EF4-FFF2-40B4-BE49-F238E27FC236}">
+                              <a16:creationId xmlns:a16="http://schemas.microsoft.com/office/drawing/2014/main" id="{6B8F8035-5C47-4E1B-A789-B3055B700AF7}"/>
+                            </a:ext>
+                          </a:extLst>
+                        </p:cNvPr>
+                        <p:cNvSpPr txBox="1"/>
+                        <p:nvPr/>
+                      </p:nvSpPr>
+                      <p:spPr>
+                        <a:xfrm>
+                          <a:off x="3373027" y="2774052"/>
+                          <a:ext cx="480213" cy="415210"/>
+                        </a:xfrm>
+                        <a:prstGeom prst="rect">
+                          <a:avLst/>
+                        </a:prstGeom>
+                        <a:noFill/>
+                      </p:spPr>
+                      <p:txBody>
+                        <a:bodyPr wrap="square" rtlCol="0">
+                          <a:spAutoFit/>
+                        </a:bodyPr>
+                        <a:lstStyle/>
+                        <a:p>
+                          <a:pPr/>
+                          <a14:m>
+                            <m:oMathPara xmlns:m="http://schemas.openxmlformats.org/officeDocument/2006/math">
+                              <m:oMathParaPr>
+                                <m:jc m:val="centerGroup"/>
+                              </m:oMathParaPr>
+                              <m:oMath xmlns:m="http://schemas.openxmlformats.org/officeDocument/2006/math">
+                                <m:r>
+                                  <a:rPr lang="en-AU" sz="2800" b="0" i="1" dirty="0" smtClean="0">
+                                    <a:latin typeface="Cambria Math" panose="02040503050406030204" pitchFamily="18" charset="0"/>
+                                  </a:rPr>
+                                  <m:t>𝐶</m:t>
+                                </m:r>
+                              </m:oMath>
+                            </m:oMathPara>
+                          </a14:m>
+                          <a:endParaRPr lang="en-AU" sz="2800" dirty="0"/>
+                        </a:p>
+                      </p:txBody>
+                    </p:sp>
+                  </mc:Choice>
+                  <mc:Fallback>
+                    <p:sp>
+                      <p:nvSpPr>
+                        <p:cNvPr id="130" name="TextBox 129">
+                          <a:extLst>
+                            <a:ext uri="{FF2B5EF4-FFF2-40B4-BE49-F238E27FC236}">
+                              <a16:creationId xmlns:a16="http://schemas.microsoft.com/office/drawing/2014/main" id="{6B8F8035-5C47-4E1B-A789-B3055B700AF7}"/>
+                            </a:ext>
+                          </a:extLst>
+                        </p:cNvPr>
+                        <p:cNvSpPr txBox="1">
+                          <a:spLocks noRot="1" noChangeAspect="1" noMove="1" noResize="1" noEditPoints="1" noAdjustHandles="1" noChangeArrowheads="1" noChangeShapeType="1" noTextEdit="1"/>
+                        </p:cNvSpPr>
+                        <p:nvPr/>
+                      </p:nvSpPr>
+                      <p:spPr>
+                        <a:xfrm>
+                          <a:off x="3373027" y="2774052"/>
+                          <a:ext cx="480213" cy="415210"/>
+                        </a:xfrm>
+                        <a:prstGeom prst="rect">
+                          <a:avLst/>
+                        </a:prstGeom>
+                        <a:blipFill>
+                          <a:blip r:embed="rId4"/>
+                          <a:stretch>
+                            <a:fillRect/>
+                          </a:stretch>
+                        </a:blipFill>
+                      </p:spPr>
+                      <p:txBody>
+                        <a:bodyPr/>
+                        <a:lstStyle/>
+                        <a:p>
+                          <a:r>
+                            <a:rPr lang="en-AU">
+                              <a:noFill/>
+                            </a:rPr>
+                            <a:t> </a:t>
+                          </a:r>
+                        </a:p>
+                      </p:txBody>
+                    </p:sp>
+                  </mc:Fallback>
+                </mc:AlternateContent>
+                <mc:AlternateContent xmlns:mc="http://schemas.openxmlformats.org/markup-compatibility/2006">
+                  <mc:Choice xmlns:a14="http://schemas.microsoft.com/office/drawing/2010/main" Requires="a14">
+                    <p:sp>
+                      <p:nvSpPr>
+                        <p:cNvPr id="131" name="TextBox 130">
+                          <a:extLst>
+                            <a:ext uri="{FF2B5EF4-FFF2-40B4-BE49-F238E27FC236}">
+                              <a16:creationId xmlns:a16="http://schemas.microsoft.com/office/drawing/2014/main" id="{D771C70B-8D65-4523-B961-6CB9E4B9BC99}"/>
+                            </a:ext>
+                          </a:extLst>
+                        </p:cNvPr>
+                        <p:cNvSpPr txBox="1"/>
+                        <p:nvPr/>
+                      </p:nvSpPr>
+                      <p:spPr>
+                        <a:xfrm>
+                          <a:off x="8358443" y="1875522"/>
+                          <a:ext cx="861835" cy="328377"/>
+                        </a:xfrm>
+                        <a:prstGeom prst="rect">
+                          <a:avLst/>
+                        </a:prstGeom>
+                        <a:noFill/>
+                      </p:spPr>
+                      <p:txBody>
+                        <a:bodyPr wrap="square" rtlCol="0">
+                          <a:spAutoFit/>
+                        </a:bodyPr>
+                        <a:lstStyle/>
+                        <a:p>
+                          <a:pPr/>
+                          <a14:m>
+                            <m:oMathPara xmlns:m="http://schemas.openxmlformats.org/officeDocument/2006/math">
+                              <m:oMathParaPr>
+                                <m:jc m:val="centerGroup"/>
+                              </m:oMathParaPr>
+                              <m:oMath xmlns:m="http://schemas.openxmlformats.org/officeDocument/2006/math">
+                                <m:sSub>
+                                  <m:sSubPr>
+                                    <m:ctrlPr>
+                                      <a:rPr lang="en-AU" sz="2800" b="0" i="1" smtClean="0">
+                                        <a:latin typeface="Cambria Math" panose="02040503050406030204" pitchFamily="18" charset="0"/>
+                                      </a:rPr>
+                                    </m:ctrlPr>
+                                  </m:sSubPr>
+                                  <m:e>
+                                    <m:r>
+                                      <a:rPr lang="en-AU" sz="2800" b="0" i="1" smtClean="0">
+                                        <a:latin typeface="Cambria Math" panose="02040503050406030204" pitchFamily="18" charset="0"/>
+                                      </a:rPr>
+                                      <m:t>𝑃</m:t>
+                                    </m:r>
+                                  </m:e>
+                                  <m:sub>
+                                    <m:r>
+                                      <a:rPr lang="en-AU" sz="2800" b="0" i="1" smtClean="0">
+                                        <a:latin typeface="Cambria Math" panose="02040503050406030204" pitchFamily="18" charset="0"/>
+                                      </a:rPr>
+                                      <m:t>(</m:t>
+                                    </m:r>
+                                    <m:sSub>
+                                      <m:sSubPr>
+                                        <m:ctrlPr>
+                                          <a:rPr lang="en-AU" sz="2800" b="0" i="1" smtClean="0">
+                                            <a:latin typeface="Cambria Math" panose="02040503050406030204" pitchFamily="18" charset="0"/>
+                                          </a:rPr>
+                                        </m:ctrlPr>
+                                      </m:sSubPr>
+                                      <m:e>
+                                        <m:r>
+                                          <a:rPr lang="en-AU" sz="2800" b="0" i="1" smtClean="0">
+                                            <a:latin typeface="Cambria Math" panose="02040503050406030204" pitchFamily="18" charset="0"/>
+                                          </a:rPr>
+                                          <m:t>𝑐</m:t>
+                                        </m:r>
+                                      </m:e>
+                                      <m:sub>
+                                        <m:r>
+                                          <a:rPr lang="en-AU" sz="2800" b="0" i="1" smtClean="0">
+                                            <a:latin typeface="Cambria Math" panose="02040503050406030204" pitchFamily="18" charset="0"/>
+                                          </a:rPr>
+                                          <m:t>1</m:t>
+                                        </m:r>
+                                      </m:sub>
+                                    </m:sSub>
+                                    <m:r>
+                                      <a:rPr lang="en-AU" sz="2800" b="0" i="1" smtClean="0">
+                                        <a:latin typeface="Cambria Math" panose="02040503050406030204" pitchFamily="18" charset="0"/>
+                                      </a:rPr>
+                                      <m:t>,</m:t>
+                                    </m:r>
+                                    <m:sSub>
+                                      <m:sSubPr>
+                                        <m:ctrlPr>
+                                          <a:rPr lang="en-AU" sz="2800" i="1">
+                                            <a:latin typeface="Cambria Math" panose="02040503050406030204" pitchFamily="18" charset="0"/>
+                                          </a:rPr>
+                                        </m:ctrlPr>
+                                      </m:sSubPr>
+                                      <m:e>
+                                        <m:r>
+                                          <a:rPr lang="en-AU" sz="2800" i="1">
+                                            <a:latin typeface="Cambria Math" panose="02040503050406030204" pitchFamily="18" charset="0"/>
+                                          </a:rPr>
+                                          <m:t>𝑐</m:t>
+                                        </m:r>
+                                      </m:e>
+                                      <m:sub>
+                                        <m:r>
+                                          <a:rPr lang="en-AU" sz="2800" b="0" i="1" smtClean="0">
+                                            <a:latin typeface="Cambria Math" panose="02040503050406030204" pitchFamily="18" charset="0"/>
+                                          </a:rPr>
+                                          <m:t>2,</m:t>
+                                        </m:r>
+                                      </m:sub>
+                                    </m:sSub>
+                                    <m:sSub>
+                                      <m:sSubPr>
+                                        <m:ctrlPr>
+                                          <a:rPr lang="en-AU" sz="2800" i="1">
+                                            <a:latin typeface="Cambria Math" panose="02040503050406030204" pitchFamily="18" charset="0"/>
+                                          </a:rPr>
+                                        </m:ctrlPr>
+                                      </m:sSubPr>
+                                      <m:e>
+                                        <m:r>
+                                          <a:rPr lang="en-AU" sz="2800" i="1">
+                                            <a:latin typeface="Cambria Math" panose="02040503050406030204" pitchFamily="18" charset="0"/>
+                                          </a:rPr>
+                                          <m:t>𝑐</m:t>
+                                        </m:r>
+                                      </m:e>
+                                      <m:sub>
+                                        <m:r>
+                                          <a:rPr lang="en-AU" sz="2800" b="0" i="1" smtClean="0">
+                                            <a:latin typeface="Cambria Math" panose="02040503050406030204" pitchFamily="18" charset="0"/>
+                                          </a:rPr>
+                                          <m:t>3</m:t>
+                                        </m:r>
+                                      </m:sub>
+                                    </m:sSub>
+                                    <m:r>
+                                      <a:rPr lang="en-AU" sz="2800" b="0" i="1" smtClean="0">
+                                        <a:latin typeface="Cambria Math" panose="02040503050406030204" pitchFamily="18" charset="0"/>
+                                      </a:rPr>
+                                      <m:t>)</m:t>
+                                    </m:r>
+                                  </m:sub>
+                                </m:sSub>
+                              </m:oMath>
+                            </m:oMathPara>
+                          </a14:m>
+                          <a:endParaRPr lang="en-AU" sz="2800" dirty="0"/>
+                        </a:p>
+                      </p:txBody>
+                    </p:sp>
+                  </mc:Choice>
+                  <mc:Fallback>
+                    <p:sp>
+                      <p:nvSpPr>
+                        <p:cNvPr id="131" name="TextBox 130">
+                          <a:extLst>
+                            <a:ext uri="{FF2B5EF4-FFF2-40B4-BE49-F238E27FC236}">
+                              <a16:creationId xmlns:a16="http://schemas.microsoft.com/office/drawing/2014/main" id="{D771C70B-8D65-4523-B961-6CB9E4B9BC99}"/>
+                            </a:ext>
+                          </a:extLst>
+                        </p:cNvPr>
+                        <p:cNvSpPr txBox="1">
+                          <a:spLocks noRot="1" noChangeAspect="1" noMove="1" noResize="1" noEditPoints="1" noAdjustHandles="1" noChangeArrowheads="1" noChangeShapeType="1" noTextEdit="1"/>
+                        </p:cNvSpPr>
+                        <p:nvPr/>
+                      </p:nvSpPr>
+                      <p:spPr>
+                        <a:xfrm>
+                          <a:off x="8358443" y="1875522"/>
+                          <a:ext cx="861835" cy="328377"/>
+                        </a:xfrm>
+                        <a:prstGeom prst="rect">
+                          <a:avLst/>
+                        </a:prstGeom>
+                        <a:blipFill>
+                          <a:blip r:embed="rId5"/>
+                          <a:stretch>
+                            <a:fillRect/>
+                          </a:stretch>
+                        </a:blipFill>
+                      </p:spPr>
+                      <p:txBody>
+                        <a:bodyPr/>
+                        <a:lstStyle/>
+                        <a:p>
+                          <a:r>
+                            <a:rPr lang="en-AU">
+                              <a:noFill/>
+                            </a:rPr>
+                            <a:t> </a:t>
+                          </a:r>
+                        </a:p>
+                      </p:txBody>
+                    </p:sp>
+                  </mc:Fallback>
+                </mc:AlternateContent>
+                <mc:AlternateContent xmlns:mc="http://schemas.openxmlformats.org/markup-compatibility/2006">
+                  <mc:Choice xmlns:a14="http://schemas.microsoft.com/office/drawing/2010/main" Requires="a14">
+                    <p:sp>
+                      <p:nvSpPr>
+                        <p:cNvPr id="133" name="TextBox 132">
+                          <a:extLst>
+                            <a:ext uri="{FF2B5EF4-FFF2-40B4-BE49-F238E27FC236}">
+                              <a16:creationId xmlns:a16="http://schemas.microsoft.com/office/drawing/2014/main" id="{19E04E5A-861A-499F-AA80-166E8A7B76A6}"/>
+                            </a:ext>
+                          </a:extLst>
+                        </p:cNvPr>
+                        <p:cNvSpPr txBox="1"/>
+                        <p:nvPr/>
+                      </p:nvSpPr>
+                      <p:spPr>
+                        <a:xfrm>
+                          <a:off x="5712292" y="4000167"/>
+                          <a:ext cx="328607" cy="415210"/>
+                        </a:xfrm>
+                        <a:prstGeom prst="rect">
+                          <a:avLst/>
+                        </a:prstGeom>
+                        <a:noFill/>
+                      </p:spPr>
+                      <p:txBody>
+                        <a:bodyPr wrap="none" rtlCol="0">
+                          <a:spAutoFit/>
+                        </a:bodyPr>
+                        <a:lstStyle/>
+                        <a:p>
+                          <a:pPr/>
+                          <a14:m>
+                            <m:oMathPara xmlns:m="http://schemas.openxmlformats.org/officeDocument/2006/math">
+                              <m:oMathParaPr>
+                                <m:jc m:val="centerGroup"/>
+                              </m:oMathParaPr>
+                              <m:oMath xmlns:m="http://schemas.openxmlformats.org/officeDocument/2006/math">
+                                <m:r>
+                                  <a:rPr lang="en-AU" sz="2800" b="0" i="1" smtClean="0">
+                                    <a:latin typeface="Cambria Math" panose="02040503050406030204" pitchFamily="18" charset="0"/>
+                                  </a:rPr>
+                                  <m:t>𝐼</m:t>
+                                </m:r>
+                              </m:oMath>
+                            </m:oMathPara>
+                          </a14:m>
+                          <a:endParaRPr lang="en-AU" sz="2800" dirty="0"/>
+                        </a:p>
+                      </p:txBody>
+                    </p:sp>
+                  </mc:Choice>
+                  <mc:Fallback>
+                    <p:sp>
+                      <p:nvSpPr>
+                        <p:cNvPr id="133" name="TextBox 132">
+                          <a:extLst>
+                            <a:ext uri="{FF2B5EF4-FFF2-40B4-BE49-F238E27FC236}">
+                              <a16:creationId xmlns:a16="http://schemas.microsoft.com/office/drawing/2014/main" id="{19E04E5A-861A-499F-AA80-166E8A7B76A6}"/>
+                            </a:ext>
+                          </a:extLst>
+                        </p:cNvPr>
+                        <p:cNvSpPr txBox="1">
+                          <a:spLocks noRot="1" noChangeAspect="1" noMove="1" noResize="1" noEditPoints="1" noAdjustHandles="1" noChangeArrowheads="1" noChangeShapeType="1" noTextEdit="1"/>
+                        </p:cNvSpPr>
+                        <p:nvPr/>
+                      </p:nvSpPr>
+                      <p:spPr>
+                        <a:xfrm>
+                          <a:off x="5712292" y="4000167"/>
+                          <a:ext cx="328607" cy="415210"/>
+                        </a:xfrm>
+                        <a:prstGeom prst="rect">
+                          <a:avLst/>
+                        </a:prstGeom>
+                        <a:blipFill>
+                          <a:blip r:embed="rId6"/>
+                          <a:stretch>
+                            <a:fillRect/>
+                          </a:stretch>
+                        </a:blipFill>
+                      </p:spPr>
+                      <p:txBody>
+                        <a:bodyPr/>
+                        <a:lstStyle/>
+                        <a:p>
+                          <a:r>
+                            <a:rPr lang="en-AU">
+                              <a:noFill/>
+                            </a:rPr>
+                            <a:t> </a:t>
+                          </a:r>
+                        </a:p>
+                      </p:txBody>
+                    </p:sp>
+                  </mc:Fallback>
+                </mc:AlternateContent>
+                <p:sp>
+                  <p:nvSpPr>
+                    <p:cNvPr id="134" name="Oval 133">
+                      <a:extLst>
+                        <a:ext uri="{FF2B5EF4-FFF2-40B4-BE49-F238E27FC236}">
+                          <a16:creationId xmlns:a16="http://schemas.microsoft.com/office/drawing/2014/main" id="{A1C96AE6-50F9-4804-BF8C-A3CD7DCBFF85}"/>
+                        </a:ext>
+                      </a:extLst>
+                    </p:cNvPr>
+                    <p:cNvSpPr/>
+                    <p:nvPr/>
+                  </p:nvSpPr>
+                  <p:spPr>
+                    <a:xfrm>
+                      <a:off x="3778016" y="3116059"/>
+                      <a:ext cx="72335" cy="72335"/>
+                    </a:xfrm>
+                    <a:prstGeom prst="ellipse">
+                      <a:avLst/>
+                    </a:prstGeom>
+                    <a:solidFill>
+                      <a:schemeClr val="tx1"/>
+                    </a:solidFill>
+                    <a:ln>
+                      <a:solidFill>
+                        <a:schemeClr val="tx1"/>
+                      </a:solidFill>
+                    </a:ln>
+                  </p:spPr>
+                  <p:style>
+                    <a:lnRef idx="2">
+                      <a:schemeClr val="accent1">
+                        <a:shade val="50000"/>
+                      </a:schemeClr>
+                    </a:lnRef>
+                    <a:fillRef idx="1">
+                      <a:schemeClr val="accent1"/>
+                    </a:fillRef>
+                    <a:effectRef idx="0">
+                      <a:schemeClr val="accent1"/>
+                    </a:effectRef>
+                    <a:fontRef idx="minor">
+                      <a:schemeClr val="lt1"/>
+                    </a:fontRef>
+                  </p:style>
+                  <p:txBody>
+                    <a:bodyPr rtlCol="0" anchor="ctr"/>
+                    <a:lstStyle/>
+                    <a:p>
+                      <a:pPr algn="ctr"/>
+                      <a:endParaRPr lang="en-AU"/>
+                    </a:p>
+                  </p:txBody>
+                </p:sp>
+              </p:grpSp>
+            </p:grpSp>
+            <mc:AlternateContent xmlns:mc="http://schemas.openxmlformats.org/markup-compatibility/2006">
+              <mc:Choice xmlns:a14="http://schemas.microsoft.com/office/drawing/2010/main" Requires="a14">
+                <p:sp>
+                  <p:nvSpPr>
+                    <p:cNvPr id="57" name="TextBox 56">
+                      <a:extLst>
+                        <a:ext uri="{FF2B5EF4-FFF2-40B4-BE49-F238E27FC236}">
+                          <a16:creationId xmlns:a16="http://schemas.microsoft.com/office/drawing/2014/main" id="{3DB68EF8-5BEE-4D5C-BDFC-E2F33B86A5D1}"/>
+                        </a:ext>
+                      </a:extLst>
+                    </p:cNvPr>
+                    <p:cNvSpPr txBox="1"/>
+                    <p:nvPr/>
+                  </p:nvSpPr>
+                  <p:spPr>
+                    <a:xfrm>
+                      <a:off x="6524666" y="2706912"/>
+                      <a:ext cx="1133854" cy="496364"/>
+                    </a:xfrm>
+                    <a:prstGeom prst="rect">
+                      <a:avLst/>
+                    </a:prstGeom>
+                    <a:noFill/>
+                  </p:spPr>
+                  <p:txBody>
+                    <a:bodyPr wrap="none" rtlCol="0">
+                      <a:spAutoFit/>
+                    </a:bodyPr>
+                    <a:lstStyle/>
+                    <a:p>
+                      <a:pPr/>
+                      <a14:m>
+                        <m:oMathPara xmlns:m="http://schemas.openxmlformats.org/officeDocument/2006/math">
+                          <m:oMathParaPr>
+                            <m:jc m:val="centerGroup"/>
+                          </m:oMathParaPr>
+                          <m:oMath xmlns:m="http://schemas.openxmlformats.org/officeDocument/2006/math">
+                            <m:sSub>
+                              <m:sSubPr>
+                                <m:ctrlPr>
+                                  <a:rPr lang="en-AU" sz="2800" i="1" smtClean="0">
+                                    <a:latin typeface="Cambria Math" panose="02040503050406030204" pitchFamily="18" charset="0"/>
+                                  </a:rPr>
+                                </m:ctrlPr>
+                              </m:sSubPr>
+                              <m:e>
+                                <m:r>
+                                  <a:rPr lang="en-AU" sz="2800" b="0" i="1" smtClean="0">
+                                    <a:latin typeface="Cambria Math" panose="02040503050406030204" pitchFamily="18" charset="0"/>
+                                  </a:rPr>
+                                  <m:t>𝑝</m:t>
+                                </m:r>
+                              </m:e>
+                              <m:sub>
+                                <m:r>
+                                  <a:rPr lang="en-AU" sz="2800" i="1">
+                                    <a:latin typeface="Cambria Math" panose="02040503050406030204" pitchFamily="18" charset="0"/>
+                                  </a:rPr>
+                                  <m:t>(</m:t>
+                                </m:r>
+                                <m:r>
+                                  <a:rPr lang="en-AU" sz="2800" b="0" i="1" smtClean="0">
+                                    <a:latin typeface="Cambria Math" panose="02040503050406030204" pitchFamily="18" charset="0"/>
+                                  </a:rPr>
+                                  <m:t>𝑢</m:t>
+                                </m:r>
+                                <m:r>
+                                  <a:rPr lang="en-AU" sz="2800" b="0" i="1" smtClean="0">
+                                    <a:latin typeface="Cambria Math" panose="02040503050406030204" pitchFamily="18" charset="0"/>
+                                  </a:rPr>
+                                  <m:t>, </m:t>
+                                </m:r>
+                                <m:r>
+                                  <a:rPr lang="en-AU" sz="2800" b="0" i="1" smtClean="0">
+                                    <a:latin typeface="Cambria Math" panose="02040503050406030204" pitchFamily="18" charset="0"/>
+                                  </a:rPr>
+                                  <m:t>𝑣</m:t>
+                                </m:r>
+                                <m:r>
+                                  <a:rPr lang="en-AU" sz="2800" b="0" i="1" smtClean="0">
+                                    <a:latin typeface="Cambria Math" panose="02040503050406030204" pitchFamily="18" charset="0"/>
+                                  </a:rPr>
+                                  <m:t>, </m:t>
+                                </m:r>
+                                <m:r>
+                                  <a:rPr lang="en-AU" sz="2800" b="0" i="1" smtClean="0">
+                                    <a:latin typeface="Cambria Math" panose="02040503050406030204" pitchFamily="18" charset="0"/>
+                                  </a:rPr>
+                                  <m:t>𝑓</m:t>
+                                </m:r>
+                                <m:r>
+                                  <a:rPr lang="en-AU" sz="2800" i="1">
+                                    <a:latin typeface="Cambria Math" panose="02040503050406030204" pitchFamily="18" charset="0"/>
+                                  </a:rPr>
+                                  <m:t>)</m:t>
+                                </m:r>
+                              </m:sub>
+                            </m:sSub>
+                          </m:oMath>
+                        </m:oMathPara>
+                      </a14:m>
+                      <a:endParaRPr lang="en-AU" sz="2800" dirty="0"/>
+                    </a:p>
+                  </p:txBody>
+                </p:sp>
+              </mc:Choice>
+              <mc:Fallback>
+                <p:sp>
+                  <p:nvSpPr>
+                    <p:cNvPr id="57" name="TextBox 56">
+                      <a:extLst>
+                        <a:ext uri="{FF2B5EF4-FFF2-40B4-BE49-F238E27FC236}">
+                          <a16:creationId xmlns:a16="http://schemas.microsoft.com/office/drawing/2014/main" id="{3DB68EF8-5BEE-4D5C-BDFC-E2F33B86A5D1}"/>
+                        </a:ext>
+                      </a:extLst>
+                    </p:cNvPr>
+                    <p:cNvSpPr txBox="1">
+                      <a:spLocks noRot="1" noChangeAspect="1" noMove="1" noResize="1" noEditPoints="1" noAdjustHandles="1" noChangeArrowheads="1" noChangeShapeType="1" noTextEdit="1"/>
+                    </p:cNvSpPr>
+                    <p:nvPr/>
+                  </p:nvSpPr>
+                  <p:spPr>
+                    <a:xfrm>
+                      <a:off x="6524666" y="2706912"/>
+                      <a:ext cx="1133854" cy="496364"/>
+                    </a:xfrm>
+                    <a:prstGeom prst="rect">
+                      <a:avLst/>
+                    </a:prstGeom>
+                    <a:blipFill>
+                      <a:blip r:embed="rId7"/>
+                      <a:stretch>
+                        <a:fillRect/>
+                      </a:stretch>
+                    </a:blipFill>
+                  </p:spPr>
+                  <p:txBody>
+                    <a:bodyPr/>
+                    <a:lstStyle/>
+                    <a:p>
+                      <a:r>
+                        <a:rPr lang="en-AU">
+                          <a:noFill/>
+                        </a:rPr>
+                        <a:t> </a:t>
+                      </a:r>
+                    </a:p>
+                  </p:txBody>
+                </p:sp>
+              </mc:Fallback>
+            </mc:AlternateContent>
+            <mc:AlternateContent xmlns:mc="http://schemas.openxmlformats.org/markup-compatibility/2006">
+              <mc:Choice xmlns:a14="http://schemas.microsoft.com/office/drawing/2010/main" Requires="a14">
+                <p:sp>
+                  <p:nvSpPr>
+                    <p:cNvPr id="59" name="TextBox 58">
+                      <a:extLst>
+                        <a:ext uri="{FF2B5EF4-FFF2-40B4-BE49-F238E27FC236}">
+                          <a16:creationId xmlns:a16="http://schemas.microsoft.com/office/drawing/2014/main" id="{320AB3D2-7EE7-45BE-A01F-6BC12FA1E460}"/>
+                        </a:ext>
+                      </a:extLst>
+                    </p:cNvPr>
+                    <p:cNvSpPr txBox="1"/>
+                    <p:nvPr/>
+                  </p:nvSpPr>
+                  <p:spPr>
+                    <a:xfrm>
+                      <a:off x="1498285" y="902824"/>
+                      <a:ext cx="503727" cy="523220"/>
+                    </a:xfrm>
+                    <a:prstGeom prst="rect">
+                      <a:avLst/>
+                    </a:prstGeom>
+                    <a:noFill/>
+                  </p:spPr>
+                  <p:txBody>
+                    <a:bodyPr wrap="square" rtlCol="0">
+                      <a:spAutoFit/>
+                    </a:bodyPr>
+                    <a:lstStyle/>
+                    <a:p>
+                      <a:pPr/>
+                      <a14:m>
+                        <m:oMathPara xmlns:m="http://schemas.openxmlformats.org/officeDocument/2006/math">
+                          <m:oMathParaPr>
+                            <m:jc m:val="centerGroup"/>
+                          </m:oMathParaPr>
+                          <m:oMath xmlns:m="http://schemas.openxmlformats.org/officeDocument/2006/math">
+                            <m:acc>
+                              <m:accPr>
+                                <m:chr m:val="⃗"/>
+                                <m:ctrlPr>
+                                  <a:rPr lang="en-AU" sz="2800" b="0" i="1" smtClean="0">
+                                    <a:latin typeface="Cambria Math" panose="02040503050406030204" pitchFamily="18" charset="0"/>
+                                  </a:rPr>
+                                </m:ctrlPr>
+                              </m:accPr>
+                              <m:e>
+                                <m:sSub>
+                                  <m:sSubPr>
+                                    <m:ctrlPr>
+                                      <a:rPr lang="en-AU" sz="2800" i="1">
+                                        <a:latin typeface="Cambria Math" panose="02040503050406030204" pitchFamily="18" charset="0"/>
+                                      </a:rPr>
+                                    </m:ctrlPr>
+                                  </m:sSubPr>
+                                  <m:e>
+                                    <m:r>
+                                      <a:rPr lang="en-AU" sz="2800" i="1">
+                                        <a:latin typeface="Cambria Math" panose="02040503050406030204" pitchFamily="18" charset="0"/>
+                                      </a:rPr>
+                                      <m:t>𝑐</m:t>
+                                    </m:r>
+                                  </m:e>
+                                  <m:sub>
+                                    <m:r>
+                                      <a:rPr lang="en-AU" sz="2800" i="1">
+                                        <a:latin typeface="Cambria Math" panose="02040503050406030204" pitchFamily="18" charset="0"/>
+                                      </a:rPr>
+                                      <m:t>2</m:t>
+                                    </m:r>
+                                  </m:sub>
+                                </m:sSub>
+                              </m:e>
+                            </m:acc>
+                          </m:oMath>
+                        </m:oMathPara>
+                      </a14:m>
+                      <a:endParaRPr lang="en-AU" sz="2800" b="0" dirty="0"/>
+                    </a:p>
+                  </p:txBody>
+                </p:sp>
+              </mc:Choice>
+              <mc:Fallback>
+                <p:sp>
+                  <p:nvSpPr>
+                    <p:cNvPr id="59" name="TextBox 58">
+                      <a:extLst>
+                        <a:ext uri="{FF2B5EF4-FFF2-40B4-BE49-F238E27FC236}">
+                          <a16:creationId xmlns:a16="http://schemas.microsoft.com/office/drawing/2014/main" id="{320AB3D2-7EE7-45BE-A01F-6BC12FA1E460}"/>
+                        </a:ext>
+                      </a:extLst>
+                    </p:cNvPr>
+                    <p:cNvSpPr txBox="1">
+                      <a:spLocks noRot="1" noChangeAspect="1" noMove="1" noResize="1" noEditPoints="1" noAdjustHandles="1" noChangeArrowheads="1" noChangeShapeType="1" noTextEdit="1"/>
+                    </p:cNvSpPr>
+                    <p:nvPr/>
+                  </p:nvSpPr>
+                  <p:spPr>
+                    <a:xfrm>
+                      <a:off x="1498285" y="902824"/>
+                      <a:ext cx="503727" cy="523220"/>
+                    </a:xfrm>
+                    <a:prstGeom prst="rect">
+                      <a:avLst/>
+                    </a:prstGeom>
+                    <a:blipFill>
+                      <a:blip r:embed="rId8"/>
+                      <a:stretch>
+                        <a:fillRect/>
+                      </a:stretch>
+                    </a:blipFill>
+                  </p:spPr>
+                  <p:txBody>
+                    <a:bodyPr/>
+                    <a:lstStyle/>
+                    <a:p>
+                      <a:r>
+                        <a:rPr lang="en-AU">
+                          <a:noFill/>
+                        </a:rPr>
+                        <a:t> </a:t>
+                      </a:r>
+                    </a:p>
+                  </p:txBody>
+                </p:sp>
+              </mc:Fallback>
+            </mc:AlternateContent>
+            <mc:AlternateContent xmlns:mc="http://schemas.openxmlformats.org/markup-compatibility/2006">
+              <mc:Choice xmlns:a14="http://schemas.microsoft.com/office/drawing/2010/main" Requires="a14">
+                <p:sp>
+                  <p:nvSpPr>
+                    <p:cNvPr id="60" name="TextBox 59">
+                      <a:extLst>
+                        <a:ext uri="{FF2B5EF4-FFF2-40B4-BE49-F238E27FC236}">
+                          <a16:creationId xmlns:a16="http://schemas.microsoft.com/office/drawing/2014/main" id="{7B4FFDAE-C01E-4E34-A066-005770DAAD5F}"/>
+                        </a:ext>
+                      </a:extLst>
+                    </p:cNvPr>
+                    <p:cNvSpPr txBox="1"/>
+                    <p:nvPr/>
+                  </p:nvSpPr>
+                  <p:spPr>
+                    <a:xfrm>
+                      <a:off x="9720938" y="4078009"/>
+                      <a:ext cx="503726" cy="523220"/>
+                    </a:xfrm>
+                    <a:prstGeom prst="rect">
+                      <a:avLst/>
+                    </a:prstGeom>
+                    <a:noFill/>
+                  </p:spPr>
+                  <p:txBody>
+                    <a:bodyPr wrap="square" rtlCol="0">
+                      <a:spAutoFit/>
+                    </a:bodyPr>
+                    <a:lstStyle/>
+                    <a:p>
+                      <a:pPr/>
+                      <a14:m>
+                        <m:oMathPara xmlns:m="http://schemas.openxmlformats.org/officeDocument/2006/math">
+                          <m:oMathParaPr>
+                            <m:jc m:val="centerGroup"/>
+                          </m:oMathParaPr>
+                          <m:oMath xmlns:m="http://schemas.openxmlformats.org/officeDocument/2006/math">
+                            <m:acc>
+                              <m:accPr>
+                                <m:chr m:val="⃗"/>
+                                <m:ctrlPr>
+                                  <a:rPr lang="en-AU" sz="2800" b="0" i="1" smtClean="0">
+                                    <a:latin typeface="Cambria Math" panose="02040503050406030204" pitchFamily="18" charset="0"/>
+                                  </a:rPr>
+                                </m:ctrlPr>
+                              </m:accPr>
+                              <m:e>
+                                <m:sSub>
+                                  <m:sSubPr>
+                                    <m:ctrlPr>
+                                      <a:rPr lang="en-AU" sz="2800" i="1">
+                                        <a:latin typeface="Cambria Math" panose="02040503050406030204" pitchFamily="18" charset="0"/>
+                                      </a:rPr>
+                                    </m:ctrlPr>
+                                  </m:sSubPr>
+                                  <m:e>
+                                    <m:r>
+                                      <a:rPr lang="en-AU" sz="2800" i="1">
+                                        <a:latin typeface="Cambria Math" panose="02040503050406030204" pitchFamily="18" charset="0"/>
+                                      </a:rPr>
+                                      <m:t>𝑐</m:t>
+                                    </m:r>
+                                  </m:e>
+                                  <m:sub>
+                                    <m:r>
+                                      <a:rPr lang="en-AU" sz="2800" b="0" i="1" smtClean="0">
+                                        <a:latin typeface="Cambria Math" panose="02040503050406030204" pitchFamily="18" charset="0"/>
+                                      </a:rPr>
+                                      <m:t>3</m:t>
+                                    </m:r>
+                                  </m:sub>
+                                </m:sSub>
+                              </m:e>
+                            </m:acc>
+                          </m:oMath>
+                        </m:oMathPara>
+                      </a14:m>
+                      <a:endParaRPr lang="en-AU" sz="2800" b="0" dirty="0"/>
+                    </a:p>
+                  </p:txBody>
+                </p:sp>
+              </mc:Choice>
+              <mc:Fallback>
+                <p:sp>
+                  <p:nvSpPr>
+                    <p:cNvPr id="60" name="TextBox 59">
+                      <a:extLst>
+                        <a:ext uri="{FF2B5EF4-FFF2-40B4-BE49-F238E27FC236}">
+                          <a16:creationId xmlns:a16="http://schemas.microsoft.com/office/drawing/2014/main" id="{7B4FFDAE-C01E-4E34-A066-005770DAAD5F}"/>
+                        </a:ext>
+                      </a:extLst>
+                    </p:cNvPr>
+                    <p:cNvSpPr txBox="1">
+                      <a:spLocks noRot="1" noChangeAspect="1" noMove="1" noResize="1" noEditPoints="1" noAdjustHandles="1" noChangeArrowheads="1" noChangeShapeType="1" noTextEdit="1"/>
+                    </p:cNvSpPr>
+                    <p:nvPr/>
+                  </p:nvSpPr>
+                  <p:spPr>
+                    <a:xfrm>
+                      <a:off x="9720938" y="4078009"/>
+                      <a:ext cx="503726" cy="523220"/>
+                    </a:xfrm>
+                    <a:prstGeom prst="rect">
+                      <a:avLst/>
+                    </a:prstGeom>
+                    <a:blipFill>
+                      <a:blip r:embed="rId9"/>
+                      <a:stretch>
+                        <a:fillRect/>
+                      </a:stretch>
+                    </a:blipFill>
+                  </p:spPr>
+                  <p:txBody>
+                    <a:bodyPr/>
+                    <a:lstStyle/>
+                    <a:p>
+                      <a:r>
+                        <a:rPr lang="en-AU">
+                          <a:noFill/>
+                        </a:rPr>
+                        <a:t> </a:t>
+                      </a:r>
+                    </a:p>
+                  </p:txBody>
+                </p:sp>
+              </mc:Fallback>
+            </mc:AlternateContent>
+            <mc:AlternateContent xmlns:mc="http://schemas.openxmlformats.org/markup-compatibility/2006" xmlns:a14="http://schemas.microsoft.com/office/drawing/2010/main">
+              <mc:Choice Requires="a14">
+                <p:sp>
+                  <p:nvSpPr>
+                    <p:cNvPr id="62" name="TextBox 61">
+                      <a:extLst>
+                        <a:ext uri="{FF2B5EF4-FFF2-40B4-BE49-F238E27FC236}">
+                          <a16:creationId xmlns:a16="http://schemas.microsoft.com/office/drawing/2014/main" id="{CC0B9DCB-7CEE-4756-BBDA-62C92DF3855E}"/>
+                        </a:ext>
+                      </a:extLst>
+                    </p:cNvPr>
+                    <p:cNvSpPr txBox="1"/>
+                    <p:nvPr/>
+                  </p:nvSpPr>
+                  <p:spPr>
+                    <a:xfrm>
+                      <a:off x="5556008" y="1560950"/>
+                      <a:ext cx="503726" cy="523220"/>
+                    </a:xfrm>
+                    <a:prstGeom prst="rect">
+                      <a:avLst/>
+                    </a:prstGeom>
+                    <a:noFill/>
+                  </p:spPr>
+                  <p:txBody>
+                    <a:bodyPr wrap="square" rtlCol="0">
+                      <a:spAutoFit/>
+                    </a:bodyPr>
+                    <a:lstStyle/>
+                    <a:p>
+                      <a:pPr/>
+                      <a14:m>
+                        <m:oMathPara xmlns:m="http://schemas.openxmlformats.org/officeDocument/2006/math">
+                          <m:oMathParaPr>
+                            <m:jc m:val="centerGroup"/>
+                          </m:oMathParaPr>
+                          <m:oMath xmlns:m="http://schemas.openxmlformats.org/officeDocument/2006/math">
+                            <m:acc>
+                              <m:accPr>
+                                <m:chr m:val="⃗"/>
+                                <m:ctrlPr>
+                                  <a:rPr lang="en-AU" sz="2800" b="0" i="1" smtClean="0">
+                                    <a:latin typeface="Cambria Math" panose="02040503050406030204" pitchFamily="18" charset="0"/>
+                                  </a:rPr>
+                                </m:ctrlPr>
+                              </m:accPr>
+                              <m:e>
+                                <m:sSub>
+                                  <m:sSubPr>
+                                    <m:ctrlPr>
+                                      <a:rPr lang="en-AU" sz="2800" i="1">
+                                        <a:latin typeface="Cambria Math" panose="02040503050406030204" pitchFamily="18" charset="0"/>
+                                      </a:rPr>
+                                    </m:ctrlPr>
+                                  </m:sSubPr>
+                                  <m:e>
+                                    <m:r>
+                                      <a:rPr lang="en-AU" sz="2800" i="1">
+                                        <a:latin typeface="Cambria Math" panose="02040503050406030204" pitchFamily="18" charset="0"/>
+                                      </a:rPr>
+                                      <m:t>𝑐</m:t>
+                                    </m:r>
+                                  </m:e>
+                                  <m:sub>
+                                    <m:r>
+                                      <a:rPr lang="en-AU" sz="2800" b="0" i="1" smtClean="0">
+                                        <a:latin typeface="Cambria Math" panose="02040503050406030204" pitchFamily="18" charset="0"/>
+                                      </a:rPr>
+                                      <m:t>1</m:t>
+                                    </m:r>
+                                  </m:sub>
+                                </m:sSub>
+                              </m:e>
+                            </m:acc>
+                          </m:oMath>
+                        </m:oMathPara>
+                      </a14:m>
+                      <a:endParaRPr lang="en-AU" sz="2800" b="0" dirty="0"/>
+                    </a:p>
+                  </p:txBody>
+                </p:sp>
+              </mc:Choice>
+              <mc:Fallback xmlns="">
+                <p:sp>
+                  <p:nvSpPr>
+                    <p:cNvPr id="62" name="TextBox 61">
+                      <a:extLst>
+                        <a:ext uri="{FF2B5EF4-FFF2-40B4-BE49-F238E27FC236}">
+                          <a16:creationId xmlns:a16="http://schemas.microsoft.com/office/drawing/2014/main" id="{CC0B9DCB-7CEE-4756-BBDA-62C92DF3855E}"/>
+                        </a:ext>
+                      </a:extLst>
+                    </p:cNvPr>
+                    <p:cNvSpPr txBox="1">
+                      <a:spLocks noRot="1" noChangeAspect="1" noMove="1" noResize="1" noEditPoints="1" noAdjustHandles="1" noChangeArrowheads="1" noChangeShapeType="1" noTextEdit="1"/>
+                    </p:cNvSpPr>
+                    <p:nvPr/>
+                  </p:nvSpPr>
+                  <p:spPr>
+                    <a:xfrm>
+                      <a:off x="5556008" y="1560950"/>
+                      <a:ext cx="503726" cy="523220"/>
+                    </a:xfrm>
+                    <a:prstGeom prst="rect">
+                      <a:avLst/>
+                    </a:prstGeom>
+                    <a:blipFill>
+                      <a:blip r:embed="rId10"/>
+                      <a:stretch>
+                        <a:fillRect/>
+                      </a:stretch>
+                    </a:blipFill>
+                  </p:spPr>
+                  <p:txBody>
+                    <a:bodyPr/>
+                    <a:lstStyle/>
+                    <a:p>
+                      <a:r>
+                        <a:rPr lang="en-AU">
+                          <a:noFill/>
+                        </a:rPr>
+                        <a:t> </a:t>
+                      </a:r>
+                    </a:p>
+                  </p:txBody>
+                </p:sp>
+              </mc:Fallback>
+            </mc:AlternateContent>
+          </p:grpSp>
+          <p:cxnSp>
+            <p:nvCxnSpPr>
+              <p:cNvPr id="9" name="Straight Arrow Connector 8">
+                <a:extLst>
+                  <a:ext uri="{FF2B5EF4-FFF2-40B4-BE49-F238E27FC236}">
+                    <a16:creationId xmlns:a16="http://schemas.microsoft.com/office/drawing/2014/main" id="{3578C6F4-3CBB-4CF8-892A-22A26160B7F6}"/>
+                  </a:ext>
+                </a:extLst>
+              </p:cNvPr>
+              <p:cNvCxnSpPr>
+                <a:cxnSpLocks/>
+              </p:cNvCxnSpPr>
+              <p:nvPr/>
+            </p:nvCxnSpPr>
+            <p:spPr>
+              <a:xfrm flipV="1">
+                <a:off x="6081578" y="3716058"/>
+                <a:ext cx="825736" cy="502078"/>
+              </a:xfrm>
+              <a:prstGeom prst="straightConnector1">
+                <a:avLst/>
+              </a:prstGeom>
+              <a:ln w="19050">
+                <a:headEnd type="none" w="med" len="med"/>
+                <a:tailEnd type="arrow" w="med" len="med"/>
+              </a:ln>
+            </p:spPr>
+            <p:style>
+              <a:lnRef idx="1">
+                <a:schemeClr val="dk1"/>
+              </a:lnRef>
+              <a:fillRef idx="0">
+                <a:schemeClr val="dk1"/>
+              </a:fillRef>
+              <a:effectRef idx="0">
+                <a:schemeClr val="dk1"/>
+              </a:effectRef>
+              <a:fontRef idx="minor">
+                <a:schemeClr val="tx1"/>
+              </a:fontRef>
+            </p:style>
+          </p:cxnSp>
+          <p:cxnSp>
+            <p:nvCxnSpPr>
+              <p:cNvPr id="35" name="Straight Arrow Connector 34">
+                <a:extLst>
+                  <a:ext uri="{FF2B5EF4-FFF2-40B4-BE49-F238E27FC236}">
+                    <a16:creationId xmlns:a16="http://schemas.microsoft.com/office/drawing/2014/main" id="{D5DAB927-0BDC-4E97-B910-5B7F4FAD93BF}"/>
+                  </a:ext>
+                </a:extLst>
+              </p:cNvPr>
+              <p:cNvCxnSpPr>
+                <a:cxnSpLocks/>
+              </p:cNvCxnSpPr>
+              <p:nvPr/>
+            </p:nvCxnSpPr>
+            <p:spPr>
+              <a:xfrm flipV="1">
+                <a:off x="6081578" y="3193865"/>
+                <a:ext cx="0" cy="1028067"/>
+              </a:xfrm>
+              <a:prstGeom prst="straightConnector1">
+                <a:avLst/>
+              </a:prstGeom>
+              <a:ln w="19050">
+                <a:headEnd type="none" w="med" len="med"/>
+                <a:tailEnd type="arrow" w="med" len="med"/>
+              </a:ln>
+            </p:spPr>
+            <p:style>
+              <a:lnRef idx="1">
+                <a:schemeClr val="dk1"/>
+              </a:lnRef>
+              <a:fillRef idx="0">
+                <a:schemeClr val="dk1"/>
+              </a:fillRef>
+              <a:effectRef idx="0">
+                <a:schemeClr val="dk1"/>
+              </a:effectRef>
+              <a:fontRef idx="minor">
+                <a:schemeClr val="tx1"/>
+              </a:fontRef>
+            </p:style>
+          </p:cxnSp>
+          <mc:AlternateContent xmlns:mc="http://schemas.openxmlformats.org/markup-compatibility/2006">
+            <mc:Choice xmlns:a14="http://schemas.microsoft.com/office/drawing/2010/main" Requires="a14">
+              <p:sp>
+                <p:nvSpPr>
+                  <p:cNvPr id="40" name="TextBox 39">
+                    <a:extLst>
+                      <a:ext uri="{FF2B5EF4-FFF2-40B4-BE49-F238E27FC236}">
+                        <a16:creationId xmlns:a16="http://schemas.microsoft.com/office/drawing/2014/main" id="{892FC60E-5784-407E-B343-0D9EC54908C0}"/>
+                      </a:ext>
+                    </a:extLst>
+                  </p:cNvPr>
+                  <p:cNvSpPr txBox="1"/>
+                  <p:nvPr/>
+                </p:nvSpPr>
+                <p:spPr>
+                  <a:xfrm>
+                    <a:off x="5829715" y="2684842"/>
+                    <a:ext cx="503727" cy="523220"/>
+                  </a:xfrm>
+                  <a:prstGeom prst="rect">
+                    <a:avLst/>
+                  </a:prstGeom>
+                  <a:noFill/>
+                </p:spPr>
+                <p:txBody>
+                  <a:bodyPr wrap="square" rtlCol="0">
+                    <a:spAutoFit/>
+                  </a:bodyPr>
+                  <a:lstStyle/>
+                  <a:p>
+                    <a:pPr/>
+                    <a14:m>
+                      <m:oMathPara xmlns:m="http://schemas.openxmlformats.org/officeDocument/2006/math">
+                        <m:oMathParaPr>
+                          <m:jc m:val="centerGroup"/>
+                        </m:oMathParaPr>
+                        <m:oMath xmlns:m="http://schemas.openxmlformats.org/officeDocument/2006/math">
+                          <m:acc>
+                            <m:accPr>
+                              <m:chr m:val="⃗"/>
+                              <m:ctrlPr>
+                                <a:rPr lang="en-AU" sz="2800" b="0" i="1" smtClean="0">
+                                  <a:latin typeface="Cambria Math" panose="02040503050406030204" pitchFamily="18" charset="0"/>
+                                </a:rPr>
+                              </m:ctrlPr>
+                            </m:accPr>
+                            <m:e>
+                              <m:r>
+                                <a:rPr lang="en-AU" sz="2800" b="0" i="1" smtClean="0">
+                                  <a:latin typeface="Cambria Math" panose="02040503050406030204" pitchFamily="18" charset="0"/>
+                                </a:rPr>
+                                <m:t>𝑣</m:t>
+                              </m:r>
+                            </m:e>
+                          </m:acc>
+                        </m:oMath>
+                      </m:oMathPara>
+                    </a14:m>
+                    <a:endParaRPr lang="en-AU" sz="2800" b="0" dirty="0"/>
+                  </a:p>
+                </p:txBody>
+              </p:sp>
+            </mc:Choice>
+            <mc:Fallback>
+              <p:sp>
+                <p:nvSpPr>
+                  <p:cNvPr id="40" name="TextBox 39">
+                    <a:extLst>
+                      <a:ext uri="{FF2B5EF4-FFF2-40B4-BE49-F238E27FC236}">
+                        <a16:creationId xmlns:a16="http://schemas.microsoft.com/office/drawing/2014/main" id="{892FC60E-5784-407E-B343-0D9EC54908C0}"/>
+                      </a:ext>
+                    </a:extLst>
+                  </p:cNvPr>
+                  <p:cNvSpPr txBox="1">
+                    <a:spLocks noRot="1" noChangeAspect="1" noMove="1" noResize="1" noEditPoints="1" noAdjustHandles="1" noChangeArrowheads="1" noChangeShapeType="1" noTextEdit="1"/>
+                  </p:cNvSpPr>
+                  <p:nvPr/>
+                </p:nvSpPr>
+                <p:spPr>
+                  <a:xfrm>
+                    <a:off x="5829715" y="2684842"/>
+                    <a:ext cx="503727" cy="523220"/>
+                  </a:xfrm>
+                  <a:prstGeom prst="rect">
+                    <a:avLst/>
+                  </a:prstGeom>
+                  <a:blipFill>
+                    <a:blip r:embed="rId11"/>
+                    <a:stretch>
+                      <a:fillRect/>
+                    </a:stretch>
+                  </a:blipFill>
+                </p:spPr>
+                <p:txBody>
+                  <a:bodyPr/>
+                  <a:lstStyle/>
+                  <a:p>
+                    <a:r>
+                      <a:rPr lang="en-AU">
+                        <a:noFill/>
+                      </a:rPr>
+                      <a:t> </a:t>
+                    </a:r>
+                  </a:p>
+                </p:txBody>
+              </p:sp>
+            </mc:Fallback>
+          </mc:AlternateContent>
+          <mc:AlternateContent xmlns:mc="http://schemas.openxmlformats.org/markup-compatibility/2006">
+            <mc:Choice xmlns:a14="http://schemas.microsoft.com/office/drawing/2010/main" Requires="a14">
+              <p:sp>
+                <p:nvSpPr>
+                  <p:cNvPr id="41" name="TextBox 40">
+                    <a:extLst>
+                      <a:ext uri="{FF2B5EF4-FFF2-40B4-BE49-F238E27FC236}">
+                        <a16:creationId xmlns:a16="http://schemas.microsoft.com/office/drawing/2014/main" id="{B39949D0-518C-47D4-AB35-F848B2CCFD31}"/>
+                      </a:ext>
+                    </a:extLst>
+                  </p:cNvPr>
+                  <p:cNvSpPr txBox="1"/>
+                  <p:nvPr/>
+                </p:nvSpPr>
+                <p:spPr>
+                  <a:xfrm>
+                    <a:off x="6780231" y="3342131"/>
+                    <a:ext cx="503727" cy="523220"/>
+                  </a:xfrm>
+                  <a:prstGeom prst="rect">
+                    <a:avLst/>
+                  </a:prstGeom>
+                  <a:noFill/>
+                </p:spPr>
+                <p:txBody>
+                  <a:bodyPr wrap="square" rtlCol="0">
+                    <a:spAutoFit/>
+                  </a:bodyPr>
+                  <a:lstStyle/>
+                  <a:p>
+                    <a:pPr/>
+                    <a14:m>
+                      <m:oMathPara xmlns:m="http://schemas.openxmlformats.org/officeDocument/2006/math">
+                        <m:oMathParaPr>
+                          <m:jc m:val="centerGroup"/>
+                        </m:oMathParaPr>
+                        <m:oMath xmlns:m="http://schemas.openxmlformats.org/officeDocument/2006/math">
+                          <m:acc>
+                            <m:accPr>
+                              <m:chr m:val="⃗"/>
+                              <m:ctrlPr>
+                                <a:rPr lang="en-AU" sz="2800" b="0" i="1" smtClean="0">
+                                  <a:latin typeface="Cambria Math" panose="02040503050406030204" pitchFamily="18" charset="0"/>
+                                </a:rPr>
+                              </m:ctrlPr>
+                            </m:accPr>
+                            <m:e>
+                              <m:r>
+                                <a:rPr lang="en-AU" sz="2800" b="0" i="1" smtClean="0">
+                                  <a:latin typeface="Cambria Math" panose="02040503050406030204" pitchFamily="18" charset="0"/>
+                                </a:rPr>
+                                <m:t>𝑢</m:t>
+                              </m:r>
+                            </m:e>
+                          </m:acc>
+                        </m:oMath>
+                      </m:oMathPara>
+                    </a14:m>
+                    <a:endParaRPr lang="en-AU" sz="2800" b="0" dirty="0"/>
+                  </a:p>
+                </p:txBody>
+              </p:sp>
+            </mc:Choice>
+            <mc:Fallback>
+              <p:sp>
+                <p:nvSpPr>
+                  <p:cNvPr id="41" name="TextBox 40">
+                    <a:extLst>
+                      <a:ext uri="{FF2B5EF4-FFF2-40B4-BE49-F238E27FC236}">
+                        <a16:creationId xmlns:a16="http://schemas.microsoft.com/office/drawing/2014/main" id="{B39949D0-518C-47D4-AB35-F848B2CCFD31}"/>
+                      </a:ext>
+                    </a:extLst>
+                  </p:cNvPr>
+                  <p:cNvSpPr txBox="1">
+                    <a:spLocks noRot="1" noChangeAspect="1" noMove="1" noResize="1" noEditPoints="1" noAdjustHandles="1" noChangeArrowheads="1" noChangeShapeType="1" noTextEdit="1"/>
+                  </p:cNvSpPr>
+                  <p:nvPr/>
+                </p:nvSpPr>
+                <p:spPr>
+                  <a:xfrm>
+                    <a:off x="6780231" y="3342131"/>
+                    <a:ext cx="503727" cy="523220"/>
+                  </a:xfrm>
+                  <a:prstGeom prst="rect">
+                    <a:avLst/>
+                  </a:prstGeom>
+                  <a:blipFill>
+                    <a:blip r:embed="rId12"/>
+                    <a:stretch>
+                      <a:fillRect/>
+                    </a:stretch>
+                  </a:blipFill>
+                </p:spPr>
+                <p:txBody>
+                  <a:bodyPr/>
+                  <a:lstStyle/>
+                  <a:p>
+                    <a:r>
+                      <a:rPr lang="en-AU">
+                        <a:noFill/>
+                      </a:rPr>
+                      <a:t> </a:t>
+                    </a:r>
+                  </a:p>
+                </p:txBody>
+              </p:sp>
+            </mc:Fallback>
+          </mc:AlternateContent>
+        </p:grpSp>
+        <mc:AlternateContent xmlns:mc="http://schemas.openxmlformats.org/markup-compatibility/2006">
+          <mc:Choice xmlns:a14="http://schemas.microsoft.com/office/drawing/2010/main" Requires="a14">
+            <p:sp>
+              <p:nvSpPr>
+                <p:cNvPr id="69" name="TextBox 68">
+                  <a:extLst>
+                    <a:ext uri="{FF2B5EF4-FFF2-40B4-BE49-F238E27FC236}">
+                      <a16:creationId xmlns:a16="http://schemas.microsoft.com/office/drawing/2014/main" id="{B0866F10-2C8C-4DDF-9FE8-BE32CA1D0AC3}"/>
+                    </a:ext>
+                  </a:extLst>
+                </p:cNvPr>
+                <p:cNvSpPr txBox="1"/>
+                <p:nvPr/>
+              </p:nvSpPr>
+              <p:spPr>
+                <a:xfrm>
+                  <a:off x="4515680" y="2642900"/>
+                  <a:ext cx="529965" cy="523220"/>
+                </a:xfrm>
+                <a:prstGeom prst="rect">
+                  <a:avLst/>
+                </a:prstGeom>
+                <a:noFill/>
+              </p:spPr>
+              <p:txBody>
+                <a:bodyPr wrap="square" rtlCol="0">
+                  <a:spAutoFit/>
+                </a:bodyPr>
+                <a:lstStyle/>
+                <a:p>
+                  <a:pPr/>
+                  <a14:m>
+                    <m:oMathPara xmlns:m="http://schemas.openxmlformats.org/officeDocument/2006/math">
+                      <m:oMathParaPr>
+                        <m:jc m:val="centerGroup"/>
+                      </m:oMathParaPr>
+                      <m:oMath xmlns:m="http://schemas.openxmlformats.org/officeDocument/2006/math">
+                        <m:r>
+                          <a:rPr lang="en-AU" sz="2800" b="0" i="1" smtClean="0">
+                            <a:latin typeface="Cambria Math" panose="02040503050406030204" pitchFamily="18" charset="0"/>
+                          </a:rPr>
+                          <m:t>{</m:t>
+                        </m:r>
+                        <m:r>
+                          <a:rPr lang="en-AU" sz="2800" b="0" i="1" smtClean="0">
+                            <a:latin typeface="Cambria Math" panose="02040503050406030204" pitchFamily="18" charset="0"/>
+                          </a:rPr>
+                          <m:t>𝑐</m:t>
+                        </m:r>
+                        <m:r>
+                          <a:rPr lang="en-AU" sz="2800" b="0" i="1" smtClean="0">
+                            <a:latin typeface="Cambria Math" panose="02040503050406030204" pitchFamily="18" charset="0"/>
+                          </a:rPr>
+                          <m:t>}</m:t>
+                        </m:r>
+                      </m:oMath>
+                    </m:oMathPara>
+                  </a14:m>
+                  <a:endParaRPr lang="en-AU" sz="2800" b="0" dirty="0"/>
+                </a:p>
+              </p:txBody>
+            </p:sp>
+          </mc:Choice>
+          <mc:Fallback>
+            <p:sp>
+              <p:nvSpPr>
+                <p:cNvPr id="69" name="TextBox 68">
+                  <a:extLst>
+                    <a:ext uri="{FF2B5EF4-FFF2-40B4-BE49-F238E27FC236}">
+                      <a16:creationId xmlns:a16="http://schemas.microsoft.com/office/drawing/2014/main" id="{B0866F10-2C8C-4DDF-9FE8-BE32CA1D0AC3}"/>
+                    </a:ext>
+                  </a:extLst>
+                </p:cNvPr>
+                <p:cNvSpPr txBox="1">
+                  <a:spLocks noRot="1" noChangeAspect="1" noMove="1" noResize="1" noEditPoints="1" noAdjustHandles="1" noChangeArrowheads="1" noChangeShapeType="1" noTextEdit="1"/>
+                </p:cNvSpPr>
+                <p:nvPr/>
+              </p:nvSpPr>
+              <p:spPr>
+                <a:xfrm>
+                  <a:off x="4515680" y="2642900"/>
+                  <a:ext cx="529965" cy="523220"/>
+                </a:xfrm>
+                <a:prstGeom prst="rect">
+                  <a:avLst/>
+                </a:prstGeom>
+                <a:blipFill>
+                  <a:blip r:embed="rId13"/>
+                  <a:stretch>
+                    <a:fillRect/>
+                  </a:stretch>
+                </a:blipFill>
+              </p:spPr>
+              <p:txBody>
+                <a:bodyPr/>
+                <a:lstStyle/>
+                <a:p>
+                  <a:r>
+                    <a:rPr lang="en-AU">
+                      <a:noFill/>
+                    </a:rPr>
+                    <a:t> </a:t>
+                  </a:r>
+                </a:p>
+              </p:txBody>
+            </p:sp>
+          </mc:Fallback>
+        </mc:AlternateContent>
+      </p:grpSp>
+    </p:spTree>
+    <p:extLst>
+      <p:ext uri="{BB962C8B-B14F-4D97-AF65-F5344CB8AC3E}">
+        <p14:creationId xmlns:p14="http://schemas.microsoft.com/office/powerpoint/2010/main" val="2056335539"/>
+      </p:ext>
+    </p:extLst>
+  </p:cSld>
+  <p:clrMapOvr>
+    <a:masterClrMapping/>
+  </p:clrMapOvr>
+</p:sld>
+</file>
+
+<file path=ppt/slides/slide3.xml><?xml version="1.0" encoding="utf-8"?>
+<p:sld xmlns:a="http://schemas.openxmlformats.org/drawingml/2006/main" xmlns:r="http://schemas.openxmlformats.org/officeDocument/2006/relationships" xmlns:p="http://schemas.openxmlformats.org/presentationml/2006/main">
+  <p:cSld>
+    <p:spTree>
+      <p:nvGrpSpPr>
+        <p:cNvPr id="1" name=""/>
+        <p:cNvGrpSpPr/>
+        <p:nvPr/>
+      </p:nvGrpSpPr>
+      <p:grpSpPr>
+        <a:xfrm>
+          <a:off x="0" y="0"/>
+          <a:ext cx="0" cy="0"/>
+          <a:chOff x="0" y="0"/>
+          <a:chExt cx="0" cy="0"/>
+        </a:xfrm>
+      </p:grpSpPr>
+      <p:grpSp>
+        <p:nvGrpSpPr>
+          <p:cNvPr id="4" name="Group 3">
+            <a:extLst>
+              <a:ext uri="{FF2B5EF4-FFF2-40B4-BE49-F238E27FC236}">
+                <a16:creationId xmlns:a16="http://schemas.microsoft.com/office/drawing/2014/main" id="{088498B4-7679-410A-B9DD-C5F616415B99}"/>
+              </a:ext>
+            </a:extLst>
+          </p:cNvPr>
+          <p:cNvGrpSpPr/>
+          <p:nvPr/>
+        </p:nvGrpSpPr>
+        <p:grpSpPr>
+          <a:xfrm>
+            <a:off x="826148" y="1509497"/>
+            <a:ext cx="3631552" cy="2649753"/>
+            <a:chOff x="826148" y="1509497"/>
+            <a:chExt cx="3631552" cy="2649753"/>
+          </a:xfrm>
+        </p:grpSpPr>
+        <p:cxnSp>
+          <p:nvCxnSpPr>
+            <p:cNvPr id="5" name="Straight Connector 4">
+              <a:extLst>
+                <a:ext uri="{FF2B5EF4-FFF2-40B4-BE49-F238E27FC236}">
+                  <a16:creationId xmlns:a16="http://schemas.microsoft.com/office/drawing/2014/main" id="{95848B3E-551F-4321-9B45-849CD062A37F}"/>
+                </a:ext>
+              </a:extLst>
+            </p:cNvPr>
+            <p:cNvCxnSpPr>
+              <a:cxnSpLocks/>
+            </p:cNvCxnSpPr>
+            <p:nvPr/>
+          </p:nvCxnSpPr>
+          <p:spPr>
+            <a:xfrm flipV="1">
+              <a:off x="1178093" y="1707818"/>
+              <a:ext cx="0" cy="1306163"/>
+            </a:xfrm>
+            <a:prstGeom prst="line">
+              <a:avLst/>
+            </a:prstGeom>
+            <a:ln w="19050">
+              <a:solidFill>
+                <a:schemeClr val="tx1"/>
+              </a:solidFill>
+              <a:headEnd type="arrow" w="med" len="med"/>
+              <a:tailEnd type="none" w="med" len="med"/>
+            </a:ln>
+          </p:spPr>
+          <p:style>
+            <a:lnRef idx="1">
+              <a:schemeClr val="accent1"/>
+            </a:lnRef>
+            <a:fillRef idx="0">
+              <a:schemeClr val="accent1"/>
+            </a:fillRef>
+            <a:effectRef idx="0">
+              <a:schemeClr val="accent1"/>
+            </a:effectRef>
+            <a:fontRef idx="minor">
+              <a:schemeClr val="tx1"/>
+            </a:fontRef>
+          </p:style>
+        </p:cxnSp>
+        <p:cxnSp>
+          <p:nvCxnSpPr>
+            <p:cNvPr id="6" name="Straight Connector 5">
+              <a:extLst>
+                <a:ext uri="{FF2B5EF4-FFF2-40B4-BE49-F238E27FC236}">
+                  <a16:creationId xmlns:a16="http://schemas.microsoft.com/office/drawing/2014/main" id="{D0988E36-DB1E-470B-9A01-7A25A7234681}"/>
+                </a:ext>
+              </a:extLst>
+            </p:cNvPr>
+            <p:cNvCxnSpPr>
+              <a:cxnSpLocks/>
+            </p:cNvCxnSpPr>
+            <p:nvPr/>
+          </p:nvCxnSpPr>
+          <p:spPr>
+            <a:xfrm flipH="1">
+              <a:off x="826148" y="1981126"/>
+              <a:ext cx="1593202" cy="1"/>
+            </a:xfrm>
+            <a:prstGeom prst="line">
+              <a:avLst/>
+            </a:prstGeom>
+            <a:ln w="19050">
+              <a:solidFill>
+                <a:schemeClr val="tx1"/>
+              </a:solidFill>
+              <a:headEnd type="arrow" w="med" len="med"/>
+              <a:tailEnd type="none" w="med" len="med"/>
+            </a:ln>
+          </p:spPr>
+          <p:style>
+            <a:lnRef idx="1">
+              <a:schemeClr val="accent1"/>
+            </a:lnRef>
+            <a:fillRef idx="0">
+              <a:schemeClr val="accent1"/>
+            </a:fillRef>
+            <a:effectRef idx="0">
+              <a:schemeClr val="accent1"/>
+            </a:effectRef>
+            <a:fontRef idx="minor">
+              <a:schemeClr val="tx1"/>
+            </a:fontRef>
+          </p:style>
+        </p:cxnSp>
+        <p:cxnSp>
+          <p:nvCxnSpPr>
+            <p:cNvPr id="7" name="Straight Connector 6">
+              <a:extLst>
+                <a:ext uri="{FF2B5EF4-FFF2-40B4-BE49-F238E27FC236}">
+                  <a16:creationId xmlns:a16="http://schemas.microsoft.com/office/drawing/2014/main" id="{A9579768-8D7C-4870-A9F7-F96C9FAF1E97}"/>
+                </a:ext>
+              </a:extLst>
+            </p:cNvPr>
+            <p:cNvCxnSpPr>
+              <a:cxnSpLocks/>
+            </p:cNvCxnSpPr>
+            <p:nvPr/>
+          </p:nvCxnSpPr>
+          <p:spPr>
+            <a:xfrm flipH="1">
+              <a:off x="850321" y="1509497"/>
+              <a:ext cx="1119116" cy="671640"/>
+            </a:xfrm>
+            <a:prstGeom prst="line">
+              <a:avLst/>
+            </a:prstGeom>
+            <a:ln w="19050">
+              <a:solidFill>
+                <a:schemeClr val="tx1"/>
+              </a:solidFill>
+              <a:headEnd type="arrow" w="med" len="med"/>
+              <a:tailEnd type="none" w="med" len="med"/>
+            </a:ln>
+          </p:spPr>
+          <p:style>
+            <a:lnRef idx="1">
+              <a:schemeClr val="accent1"/>
+            </a:lnRef>
+            <a:fillRef idx="0">
+              <a:schemeClr val="accent1"/>
+            </a:fillRef>
+            <a:effectRef idx="0">
+              <a:schemeClr val="accent1"/>
+            </a:effectRef>
+            <a:fontRef idx="minor">
+              <a:schemeClr val="tx1"/>
+            </a:fontRef>
+          </p:style>
+        </p:cxnSp>
+        <p:cxnSp>
+          <p:nvCxnSpPr>
+            <p:cNvPr id="8" name="Straight Connector 7">
+              <a:extLst>
+                <a:ext uri="{FF2B5EF4-FFF2-40B4-BE49-F238E27FC236}">
+                  <a16:creationId xmlns:a16="http://schemas.microsoft.com/office/drawing/2014/main" id="{E017CCF6-AB6E-414D-BBF7-DFD95A3FBBD9}"/>
+                </a:ext>
+              </a:extLst>
+            </p:cNvPr>
+            <p:cNvCxnSpPr>
+              <a:cxnSpLocks/>
+            </p:cNvCxnSpPr>
+            <p:nvPr/>
+          </p:nvCxnSpPr>
+          <p:spPr>
+            <a:xfrm>
+              <a:off x="1193800" y="1987550"/>
+              <a:ext cx="3263900" cy="2171700"/>
+            </a:xfrm>
+            <a:prstGeom prst="line">
+              <a:avLst/>
+            </a:prstGeom>
+            <a:ln w="19050">
+              <a:solidFill>
+                <a:srgbClr val="FF0000"/>
+              </a:solidFill>
+              <a:prstDash val="dashDot"/>
+              <a:headEnd type="none" w="med" len="med"/>
+              <a:tailEnd type="arrow" w="med" len="med"/>
+            </a:ln>
+          </p:spPr>
+          <p:style>
+            <a:lnRef idx="1">
+              <a:schemeClr val="accent1"/>
+            </a:lnRef>
+            <a:fillRef idx="0">
+              <a:schemeClr val="accent1"/>
+            </a:fillRef>
+            <a:effectRef idx="0">
+              <a:schemeClr val="accent1"/>
+            </a:effectRef>
+            <a:fontRef idx="minor">
+              <a:schemeClr val="tx1"/>
+            </a:fontRef>
+          </p:style>
+        </p:cxnSp>
         <p:sp>
           <p:nvSpPr>
-            <p:cNvPr id="5" name="Rectangle 4">
+            <p:cNvPr id="9" name="Oval 8">
               <a:extLst>
                 <a:ext uri="{FF2B5EF4-FFF2-40B4-BE49-F238E27FC236}">
-                  <a16:creationId xmlns:a16="http://schemas.microsoft.com/office/drawing/2014/main" id="{7AFCB67D-73A0-42B7-934A-A96230B53A72}"/>
+                  <a16:creationId xmlns:a16="http://schemas.microsoft.com/office/drawing/2014/main" id="{772E3F43-B34D-4CAF-89E3-65BB189E55D4}"/>
                 </a:ext>
               </a:extLst>
             </p:cNvPr>
@@ -5878,29 +8247,20 @@
           </p:nvSpPr>
           <p:spPr>
             <a:xfrm>
-              <a:off x="2314207" y="1136650"/>
-              <a:ext cx="7563585" cy="4584700"/>
+              <a:off x="1118898" y="1924085"/>
+              <a:ext cx="114082" cy="114082"/>
             </a:xfrm>
-            <a:prstGeom prst="rect">
+            <a:prstGeom prst="ellipse">
               <a:avLst/>
             </a:prstGeom>
             <a:solidFill>
-              <a:schemeClr val="accent1">
-                <a:lumMod val="40000"/>
-                <a:lumOff val="60000"/>
-              </a:schemeClr>
+              <a:schemeClr val="tx1"/>
             </a:solidFill>
             <a:ln>
               <a:solidFill>
                 <a:schemeClr val="tx1"/>
               </a:solidFill>
             </a:ln>
-            <a:scene3d>
-              <a:camera prst="orthographicFront">
-                <a:rot lat="20099999" lon="3299974" rev="0"/>
-              </a:camera>
-              <a:lightRig rig="threePt" dir="t"/>
-            </a:scene3d>
           </p:spPr>
           <p:style>
             <a:lnRef idx="2">
@@ -5927,979 +8287,15 @@
             </a:p>
           </p:txBody>
         </p:sp>
-        <p:grpSp>
-          <p:nvGrpSpPr>
-            <p:cNvPr id="135" name="Group 134">
-              <a:extLst>
-                <a:ext uri="{FF2B5EF4-FFF2-40B4-BE49-F238E27FC236}">
-                  <a16:creationId xmlns:a16="http://schemas.microsoft.com/office/drawing/2014/main" id="{46D4B202-B2E9-439A-A222-22EB8DC37664}"/>
-                </a:ext>
-              </a:extLst>
-            </p:cNvPr>
-            <p:cNvGrpSpPr/>
-            <p:nvPr/>
-          </p:nvGrpSpPr>
-          <p:grpSpPr>
-            <a:xfrm>
-              <a:off x="1079474" y="620331"/>
-              <a:ext cx="9305335" cy="5729872"/>
-              <a:chOff x="3388934" y="767816"/>
-              <a:chExt cx="5900158" cy="3633094"/>
-            </a:xfrm>
-          </p:grpSpPr>
-          <p:cxnSp>
-            <p:nvCxnSpPr>
-              <p:cNvPr id="75" name="Straight Connector 74">
-                <a:extLst>
-                  <a:ext uri="{FF2B5EF4-FFF2-40B4-BE49-F238E27FC236}">
-                    <a16:creationId xmlns:a16="http://schemas.microsoft.com/office/drawing/2014/main" id="{16E5140C-0D94-404E-80C3-D510DBC76C42}"/>
-                  </a:ext>
-                </a:extLst>
-              </p:cNvPr>
-              <p:cNvCxnSpPr>
-                <a:cxnSpLocks/>
-              </p:cNvCxnSpPr>
-              <p:nvPr/>
-            </p:nvCxnSpPr>
-            <p:spPr>
-              <a:xfrm>
-                <a:off x="3817257" y="767816"/>
-                <a:ext cx="0" cy="2575748"/>
-              </a:xfrm>
-              <a:prstGeom prst="line">
-                <a:avLst/>
-              </a:prstGeom>
-              <a:ln w="19050">
-                <a:solidFill>
-                  <a:schemeClr val="tx1"/>
-                </a:solidFill>
-                <a:headEnd type="arrow" w="med" len="med"/>
-                <a:tailEnd type="none" w="med" len="med"/>
-              </a:ln>
-            </p:spPr>
-            <p:style>
-              <a:lnRef idx="1">
-                <a:schemeClr val="accent1"/>
-              </a:lnRef>
-              <a:fillRef idx="0">
-                <a:schemeClr val="accent1"/>
-              </a:fillRef>
-              <a:effectRef idx="0">
-                <a:schemeClr val="accent1"/>
-              </a:effectRef>
-              <a:fontRef idx="minor">
-                <a:schemeClr val="tx1"/>
-              </a:fontRef>
-            </p:style>
-          </p:cxnSp>
-          <p:cxnSp>
-            <p:nvCxnSpPr>
-              <p:cNvPr id="77" name="Straight Connector 76">
-                <a:extLst>
-                  <a:ext uri="{FF2B5EF4-FFF2-40B4-BE49-F238E27FC236}">
-                    <a16:creationId xmlns:a16="http://schemas.microsoft.com/office/drawing/2014/main" id="{597F6260-3BCB-41FE-8E15-7492488A429B}"/>
-                  </a:ext>
-                </a:extLst>
-              </p:cNvPr>
-              <p:cNvCxnSpPr>
-                <a:cxnSpLocks/>
-              </p:cNvCxnSpPr>
-              <p:nvPr/>
-            </p:nvCxnSpPr>
-            <p:spPr>
-              <a:xfrm flipH="1" flipV="1">
-                <a:off x="3594102" y="3149601"/>
-                <a:ext cx="5266463" cy="2626"/>
-              </a:xfrm>
-              <a:prstGeom prst="line">
-                <a:avLst/>
-              </a:prstGeom>
-              <a:ln w="19050">
-                <a:solidFill>
-                  <a:schemeClr val="tx1"/>
-                </a:solidFill>
-                <a:headEnd type="arrow" w="med" len="med"/>
-                <a:tailEnd type="none" w="med" len="med"/>
-              </a:ln>
-            </p:spPr>
-            <p:style>
-              <a:lnRef idx="1">
-                <a:schemeClr val="accent1"/>
-              </a:lnRef>
-              <a:fillRef idx="0">
-                <a:schemeClr val="accent1"/>
-              </a:fillRef>
-              <a:effectRef idx="0">
-                <a:schemeClr val="accent1"/>
-              </a:effectRef>
-              <a:fontRef idx="minor">
-                <a:schemeClr val="tx1"/>
-              </a:fontRef>
-            </p:style>
-          </p:cxnSp>
-          <p:cxnSp>
-            <p:nvCxnSpPr>
-              <p:cNvPr id="81" name="Straight Connector 80">
-                <a:extLst>
-                  <a:ext uri="{FF2B5EF4-FFF2-40B4-BE49-F238E27FC236}">
-                    <a16:creationId xmlns:a16="http://schemas.microsoft.com/office/drawing/2014/main" id="{13D9105B-106C-482F-A21D-8D101D052E4E}"/>
-                  </a:ext>
-                </a:extLst>
-              </p:cNvPr>
-              <p:cNvCxnSpPr>
-                <a:cxnSpLocks/>
-              </p:cNvCxnSpPr>
-              <p:nvPr/>
-            </p:nvCxnSpPr>
-            <p:spPr>
-              <a:xfrm flipH="1">
-                <a:off x="4131582" y="3149600"/>
-                <a:ext cx="2147298" cy="0"/>
-              </a:xfrm>
-              <a:prstGeom prst="line">
-                <a:avLst/>
-              </a:prstGeom>
-              <a:ln w="19050">
-                <a:solidFill>
-                  <a:schemeClr val="tx1"/>
-                </a:solidFill>
-                <a:prstDash val="dash"/>
-              </a:ln>
-            </p:spPr>
-            <p:style>
-              <a:lnRef idx="1">
-                <a:schemeClr val="accent1"/>
-              </a:lnRef>
-              <a:fillRef idx="0">
-                <a:schemeClr val="accent1"/>
-              </a:fillRef>
-              <a:effectRef idx="0">
-                <a:schemeClr val="accent1"/>
-              </a:effectRef>
-              <a:fontRef idx="minor">
-                <a:schemeClr val="tx1"/>
-              </a:fontRef>
-            </p:style>
-          </p:cxnSp>
-          <p:cxnSp>
-            <p:nvCxnSpPr>
-              <p:cNvPr id="84" name="Straight Connector 83">
-                <a:extLst>
-                  <a:ext uri="{FF2B5EF4-FFF2-40B4-BE49-F238E27FC236}">
-                    <a16:creationId xmlns:a16="http://schemas.microsoft.com/office/drawing/2014/main" id="{6F921739-3CA9-4260-9CA0-52A095159E58}"/>
-                  </a:ext>
-                </a:extLst>
-              </p:cNvPr>
-              <p:cNvCxnSpPr>
-                <a:cxnSpLocks/>
-              </p:cNvCxnSpPr>
-              <p:nvPr/>
-            </p:nvCxnSpPr>
-            <p:spPr>
-              <a:xfrm flipH="1">
-                <a:off x="3657783" y="1551587"/>
-                <a:ext cx="3372204" cy="1677336"/>
-              </a:xfrm>
-              <a:prstGeom prst="line">
-                <a:avLst/>
-              </a:prstGeom>
-              <a:ln w="19050">
-                <a:solidFill>
-                  <a:schemeClr val="tx1"/>
-                </a:solidFill>
-                <a:headEnd type="arrow" w="med" len="med"/>
-                <a:tailEnd type="none" w="med" len="med"/>
-              </a:ln>
-            </p:spPr>
-            <p:style>
-              <a:lnRef idx="1">
-                <a:schemeClr val="accent1"/>
-              </a:lnRef>
-              <a:fillRef idx="0">
-                <a:schemeClr val="accent1"/>
-              </a:fillRef>
-              <a:effectRef idx="0">
-                <a:schemeClr val="accent1"/>
-              </a:effectRef>
-              <a:fontRef idx="minor">
-                <a:schemeClr val="tx1"/>
-              </a:fontRef>
-            </p:style>
-          </p:cxnSp>
-          <p:cxnSp>
-            <p:nvCxnSpPr>
-              <p:cNvPr id="90" name="Straight Connector 89">
-                <a:extLst>
-                  <a:ext uri="{FF2B5EF4-FFF2-40B4-BE49-F238E27FC236}">
-                    <a16:creationId xmlns:a16="http://schemas.microsoft.com/office/drawing/2014/main" id="{88F6C5F8-953C-4104-B5B5-A373426F3896}"/>
-                  </a:ext>
-                </a:extLst>
-              </p:cNvPr>
-              <p:cNvCxnSpPr>
-                <a:cxnSpLocks/>
-              </p:cNvCxnSpPr>
-              <p:nvPr/>
-            </p:nvCxnSpPr>
-            <p:spPr>
-              <a:xfrm flipH="1">
-                <a:off x="6289595" y="3149600"/>
-                <a:ext cx="1783081" cy="0"/>
-              </a:xfrm>
-              <a:prstGeom prst="line">
-                <a:avLst/>
-              </a:prstGeom>
-              <a:ln w="19050">
-                <a:solidFill>
-                  <a:schemeClr val="tx1"/>
-                </a:solidFill>
-              </a:ln>
-            </p:spPr>
-            <p:style>
-              <a:lnRef idx="1">
-                <a:schemeClr val="accent1"/>
-              </a:lnRef>
-              <a:fillRef idx="0">
-                <a:schemeClr val="accent1"/>
-              </a:fillRef>
-              <a:effectRef idx="0">
-                <a:schemeClr val="accent1"/>
-              </a:effectRef>
-              <a:fontRef idx="minor">
-                <a:schemeClr val="tx1"/>
-              </a:fontRef>
-            </p:style>
-          </p:cxnSp>
-          <p:sp>
-            <p:nvSpPr>
-              <p:cNvPr id="93" name="Oval 92">
-                <a:extLst>
-                  <a:ext uri="{FF2B5EF4-FFF2-40B4-BE49-F238E27FC236}">
-                    <a16:creationId xmlns:a16="http://schemas.microsoft.com/office/drawing/2014/main" id="{5EA2D8D4-E1DD-49FC-9DAB-772788AEDA85}"/>
-                  </a:ext>
-                </a:extLst>
-              </p:cNvPr>
-              <p:cNvSpPr/>
-              <p:nvPr/>
-            </p:nvSpPr>
-            <p:spPr>
-              <a:xfrm>
-                <a:off x="6546739" y="3110897"/>
-                <a:ext cx="34825" cy="61114"/>
-              </a:xfrm>
-              <a:prstGeom prst="ellipse">
-                <a:avLst/>
-              </a:prstGeom>
-              <a:solidFill>
-                <a:schemeClr val="tx1"/>
-              </a:solidFill>
-              <a:ln>
-                <a:solidFill>
-                  <a:schemeClr val="tx1"/>
-                </a:solidFill>
-              </a:ln>
-            </p:spPr>
-            <p:style>
-              <a:lnRef idx="2">
-                <a:schemeClr val="accent1">
-                  <a:shade val="50000"/>
-                </a:schemeClr>
-              </a:lnRef>
-              <a:fillRef idx="1">
-                <a:schemeClr val="accent1"/>
-              </a:fillRef>
-              <a:effectRef idx="0">
-                <a:schemeClr val="accent1"/>
-              </a:effectRef>
-              <a:fontRef idx="minor">
-                <a:schemeClr val="lt1"/>
-              </a:fontRef>
-            </p:style>
-            <p:txBody>
-              <a:bodyPr rtlCol="0" anchor="ctr"/>
-              <a:lstStyle/>
-              <a:p>
-                <a:pPr algn="ctr"/>
-                <a:endParaRPr lang="en-AU"/>
-              </a:p>
-            </p:txBody>
-          </p:sp>
-          <p:cxnSp>
-            <p:nvCxnSpPr>
-              <p:cNvPr id="103" name="Straight Connector 102">
-                <a:extLst>
-                  <a:ext uri="{FF2B5EF4-FFF2-40B4-BE49-F238E27FC236}">
-                    <a16:creationId xmlns:a16="http://schemas.microsoft.com/office/drawing/2014/main" id="{6126AA25-A6E5-415D-9799-A9DC6777C64F}"/>
-                  </a:ext>
-                </a:extLst>
-              </p:cNvPr>
-              <p:cNvCxnSpPr>
-                <a:cxnSpLocks/>
-              </p:cNvCxnSpPr>
-              <p:nvPr/>
-            </p:nvCxnSpPr>
-            <p:spPr>
-              <a:xfrm>
-                <a:off x="3817256" y="3228923"/>
-                <a:ext cx="2729483" cy="0"/>
-              </a:xfrm>
-              <a:prstGeom prst="line">
-                <a:avLst/>
-              </a:prstGeom>
-              <a:ln w="12700">
-                <a:prstDash val="dash"/>
-                <a:headEnd type="arrow" w="med" len="med"/>
-                <a:tailEnd type="arrow" w="med" len="med"/>
-              </a:ln>
-            </p:spPr>
-            <p:style>
-              <a:lnRef idx="1">
-                <a:schemeClr val="dk1"/>
-              </a:lnRef>
-              <a:fillRef idx="0">
-                <a:schemeClr val="dk1"/>
-              </a:fillRef>
-              <a:effectRef idx="0">
-                <a:schemeClr val="dk1"/>
-              </a:effectRef>
-              <a:fontRef idx="minor">
-                <a:schemeClr val="tx1"/>
-              </a:fontRef>
-            </p:style>
-          </p:cxnSp>
-          <p:cxnSp>
-            <p:nvCxnSpPr>
-              <p:cNvPr id="107" name="Straight Connector 106">
-                <a:extLst>
-                  <a:ext uri="{FF2B5EF4-FFF2-40B4-BE49-F238E27FC236}">
-                    <a16:creationId xmlns:a16="http://schemas.microsoft.com/office/drawing/2014/main" id="{C26F600A-89CA-4F34-AA1D-3231D5B71691}"/>
-                  </a:ext>
-                </a:extLst>
-              </p:cNvPr>
-              <p:cNvCxnSpPr>
-                <a:cxnSpLocks/>
-              </p:cNvCxnSpPr>
-              <p:nvPr/>
-            </p:nvCxnSpPr>
-            <p:spPr>
-              <a:xfrm>
-                <a:off x="6565524" y="3133673"/>
-                <a:ext cx="0" cy="190500"/>
-              </a:xfrm>
-              <a:prstGeom prst="line">
-                <a:avLst/>
-              </a:prstGeom>
-              <a:ln w="9525">
-                <a:solidFill>
-                  <a:schemeClr val="tx1"/>
-                </a:solidFill>
-              </a:ln>
-            </p:spPr>
-            <p:style>
-              <a:lnRef idx="1">
-                <a:schemeClr val="accent1"/>
-              </a:lnRef>
-              <a:fillRef idx="0">
-                <a:schemeClr val="accent1"/>
-              </a:fillRef>
-              <a:effectRef idx="0">
-                <a:schemeClr val="accent1"/>
-              </a:effectRef>
-              <a:fontRef idx="minor">
-                <a:schemeClr val="tx1"/>
-              </a:fontRef>
-            </p:style>
-          </p:cxnSp>
-          <p:cxnSp>
-            <p:nvCxnSpPr>
-              <p:cNvPr id="118" name="Straight Connector 117">
-                <a:extLst>
-                  <a:ext uri="{FF2B5EF4-FFF2-40B4-BE49-F238E27FC236}">
-                    <a16:creationId xmlns:a16="http://schemas.microsoft.com/office/drawing/2014/main" id="{BF3EE4D2-6576-482C-9ECC-D64E1F3BA6C3}"/>
-                  </a:ext>
-                </a:extLst>
-              </p:cNvPr>
-              <p:cNvCxnSpPr>
-                <a:cxnSpLocks/>
-              </p:cNvCxnSpPr>
-              <p:nvPr/>
-            </p:nvCxnSpPr>
-            <p:spPr>
-              <a:xfrm flipH="1">
-                <a:off x="4876815" y="2449908"/>
-                <a:ext cx="2441104" cy="485344"/>
-              </a:xfrm>
-              <a:prstGeom prst="line">
-                <a:avLst/>
-              </a:prstGeom>
-              <a:ln w="19050">
-                <a:solidFill>
-                  <a:srgbClr val="FF0000"/>
-                </a:solidFill>
-                <a:prstDash val="dash"/>
-              </a:ln>
-            </p:spPr>
-            <p:style>
-              <a:lnRef idx="1">
-                <a:schemeClr val="accent1"/>
-              </a:lnRef>
-              <a:fillRef idx="0">
-                <a:schemeClr val="accent1"/>
-              </a:fillRef>
-              <a:effectRef idx="0">
-                <a:schemeClr val="accent1"/>
-              </a:effectRef>
-              <a:fontRef idx="minor">
-                <a:schemeClr val="tx1"/>
-              </a:fontRef>
-            </p:style>
-          </p:cxnSp>
-          <p:cxnSp>
-            <p:nvCxnSpPr>
-              <p:cNvPr id="120" name="Straight Connector 119">
-                <a:extLst>
-                  <a:ext uri="{FF2B5EF4-FFF2-40B4-BE49-F238E27FC236}">
-                    <a16:creationId xmlns:a16="http://schemas.microsoft.com/office/drawing/2014/main" id="{0B926A79-129A-426F-A24C-24D47DB2ABBA}"/>
-                  </a:ext>
-                </a:extLst>
-              </p:cNvPr>
-              <p:cNvCxnSpPr>
-                <a:cxnSpLocks/>
-              </p:cNvCxnSpPr>
-              <p:nvPr/>
-            </p:nvCxnSpPr>
-            <p:spPr>
-              <a:xfrm flipH="1">
-                <a:off x="7189461" y="2096770"/>
-                <a:ext cx="1885959" cy="378143"/>
-              </a:xfrm>
-              <a:prstGeom prst="line">
-                <a:avLst/>
-              </a:prstGeom>
-              <a:ln w="19050">
-                <a:solidFill>
-                  <a:srgbClr val="FF0000"/>
-                </a:solidFill>
-                <a:headEnd type="arrow" w="med" len="med"/>
-                <a:tailEnd type="none" w="med" len="med"/>
-              </a:ln>
-            </p:spPr>
-            <p:style>
-              <a:lnRef idx="1">
-                <a:schemeClr val="accent1"/>
-              </a:lnRef>
-              <a:fillRef idx="0">
-                <a:schemeClr val="accent1"/>
-              </a:fillRef>
-              <a:effectRef idx="0">
-                <a:schemeClr val="accent1"/>
-              </a:effectRef>
-              <a:fontRef idx="minor">
-                <a:schemeClr val="tx1"/>
-              </a:fontRef>
-            </p:style>
-          </p:cxnSp>
-          <p:sp>
-            <p:nvSpPr>
-              <p:cNvPr id="128" name="Oval 127">
-                <a:extLst>
-                  <a:ext uri="{FF2B5EF4-FFF2-40B4-BE49-F238E27FC236}">
-                    <a16:creationId xmlns:a16="http://schemas.microsoft.com/office/drawing/2014/main" id="{2A0F17CB-F1E1-496F-B415-63ED154EF228}"/>
-                  </a:ext>
-                </a:extLst>
-              </p:cNvPr>
-              <p:cNvSpPr/>
-              <p:nvPr/>
-            </p:nvSpPr>
-            <p:spPr>
-              <a:xfrm>
-                <a:off x="7172048" y="2444356"/>
-                <a:ext cx="34825" cy="61114"/>
-              </a:xfrm>
-              <a:prstGeom prst="ellipse">
-                <a:avLst/>
-              </a:prstGeom>
-              <a:solidFill>
-                <a:srgbClr val="FF0000"/>
-              </a:solidFill>
-              <a:ln>
-                <a:solidFill>
-                  <a:srgbClr val="FF0000"/>
-                </a:solidFill>
-              </a:ln>
-            </p:spPr>
-            <p:style>
-              <a:lnRef idx="2">
-                <a:schemeClr val="accent1">
-                  <a:shade val="50000"/>
-                </a:schemeClr>
-              </a:lnRef>
-              <a:fillRef idx="1">
-                <a:schemeClr val="accent1"/>
-              </a:fillRef>
-              <a:effectRef idx="0">
-                <a:schemeClr val="accent1"/>
-              </a:effectRef>
-              <a:fontRef idx="minor">
-                <a:schemeClr val="lt1"/>
-              </a:fontRef>
-            </p:style>
-            <p:txBody>
-              <a:bodyPr rtlCol="0" anchor="ctr"/>
-              <a:lstStyle/>
-              <a:p>
-                <a:pPr algn="ctr"/>
-                <a:endParaRPr lang="en-AU"/>
-              </a:p>
-            </p:txBody>
-          </p:sp>
-          <mc:AlternateContent xmlns:mc="http://schemas.openxmlformats.org/markup-compatibility/2006">
-            <mc:Choice xmlns:a14="http://schemas.microsoft.com/office/drawing/2010/main" Requires="a14">
-              <p:sp>
-                <p:nvSpPr>
-                  <p:cNvPr id="129" name="TextBox 128">
-                    <a:extLst>
-                      <a:ext uri="{FF2B5EF4-FFF2-40B4-BE49-F238E27FC236}">
-                        <a16:creationId xmlns:a16="http://schemas.microsoft.com/office/drawing/2014/main" id="{4EC40DAA-5777-45AD-B05F-4D861D1D430E}"/>
-                      </a:ext>
-                    </a:extLst>
-                  </p:cNvPr>
-                  <p:cNvSpPr txBox="1"/>
-                  <p:nvPr/>
-                </p:nvSpPr>
-                <p:spPr>
-                  <a:xfrm>
-                    <a:off x="4745029" y="3262465"/>
-                    <a:ext cx="376233" cy="415210"/>
-                  </a:xfrm>
-                  <a:prstGeom prst="rect">
-                    <a:avLst/>
-                  </a:prstGeom>
-                  <a:noFill/>
-                </p:spPr>
-                <p:txBody>
-                  <a:bodyPr wrap="none" rtlCol="0">
-                    <a:spAutoFit/>
-                  </a:bodyPr>
-                  <a:lstStyle/>
-                  <a:p>
-                    <a:pPr/>
-                    <a14:m>
-                      <m:oMathPara xmlns:m="http://schemas.openxmlformats.org/officeDocument/2006/math">
-                        <m:oMathParaPr>
-                          <m:jc m:val="centerGroup"/>
-                        </m:oMathParaPr>
-                        <m:oMath xmlns:m="http://schemas.openxmlformats.org/officeDocument/2006/math">
-                          <m:r>
-                            <a:rPr lang="en-AU" sz="2800" b="0" i="1" smtClean="0">
-                              <a:latin typeface="Cambria Math" panose="02040503050406030204" pitchFamily="18" charset="0"/>
-                            </a:rPr>
-                            <m:t>𝑓</m:t>
-                          </m:r>
-                        </m:oMath>
-                      </m:oMathPara>
-                    </a14:m>
-                    <a:endParaRPr lang="en-AU" sz="2800" dirty="0"/>
-                  </a:p>
-                </p:txBody>
-              </p:sp>
-            </mc:Choice>
-            <mc:Fallback>
-              <p:sp>
-                <p:nvSpPr>
-                  <p:cNvPr id="129" name="TextBox 128">
-                    <a:extLst>
-                      <a:ext uri="{FF2B5EF4-FFF2-40B4-BE49-F238E27FC236}">
-                        <a16:creationId xmlns:a16="http://schemas.microsoft.com/office/drawing/2014/main" id="{4EC40DAA-5777-45AD-B05F-4D861D1D430E}"/>
-                      </a:ext>
-                    </a:extLst>
-                  </p:cNvPr>
-                  <p:cNvSpPr txBox="1">
-                    <a:spLocks noRot="1" noChangeAspect="1" noMove="1" noResize="1" noEditPoints="1" noAdjustHandles="1" noChangeArrowheads="1" noChangeShapeType="1" noTextEdit="1"/>
-                  </p:cNvSpPr>
-                  <p:nvPr/>
-                </p:nvSpPr>
-                <p:spPr>
-                  <a:xfrm>
-                    <a:off x="4745029" y="3262465"/>
-                    <a:ext cx="376233" cy="415210"/>
-                  </a:xfrm>
-                  <a:prstGeom prst="rect">
-                    <a:avLst/>
-                  </a:prstGeom>
-                  <a:blipFill>
-                    <a:blip r:embed="rId3"/>
-                    <a:stretch>
-                      <a:fillRect/>
-                    </a:stretch>
-                  </a:blipFill>
-                </p:spPr>
-                <p:txBody>
-                  <a:bodyPr/>
-                  <a:lstStyle/>
-                  <a:p>
-                    <a:r>
-                      <a:rPr lang="en-AU">
-                        <a:noFill/>
-                      </a:rPr>
-                      <a:t> </a:t>
-                    </a:r>
-                  </a:p>
-                </p:txBody>
-              </p:sp>
-            </mc:Fallback>
-          </mc:AlternateContent>
-          <mc:AlternateContent xmlns:mc="http://schemas.openxmlformats.org/markup-compatibility/2006">
-            <mc:Choice xmlns:a14="http://schemas.microsoft.com/office/drawing/2010/main" Requires="a14">
-              <p:sp>
-                <p:nvSpPr>
-                  <p:cNvPr id="130" name="TextBox 129">
-                    <a:extLst>
-                      <a:ext uri="{FF2B5EF4-FFF2-40B4-BE49-F238E27FC236}">
-                        <a16:creationId xmlns:a16="http://schemas.microsoft.com/office/drawing/2014/main" id="{6B8F8035-5C47-4E1B-A789-B3055B700AF7}"/>
-                      </a:ext>
-                    </a:extLst>
-                  </p:cNvPr>
-                  <p:cNvSpPr txBox="1"/>
-                  <p:nvPr/>
-                </p:nvSpPr>
-                <p:spPr>
-                  <a:xfrm>
-                    <a:off x="3388934" y="2673936"/>
-                    <a:ext cx="480213" cy="415210"/>
-                  </a:xfrm>
-                  <a:prstGeom prst="rect">
-                    <a:avLst/>
-                  </a:prstGeom>
-                  <a:noFill/>
-                </p:spPr>
-                <p:txBody>
-                  <a:bodyPr wrap="square" rtlCol="0">
-                    <a:spAutoFit/>
-                  </a:bodyPr>
-                  <a:lstStyle/>
-                  <a:p>
-                    <a:pPr/>
-                    <a14:m>
-                      <m:oMathPara xmlns:m="http://schemas.openxmlformats.org/officeDocument/2006/math">
-                        <m:oMathParaPr>
-                          <m:jc m:val="centerGroup"/>
-                        </m:oMathParaPr>
-                        <m:oMath xmlns:m="http://schemas.openxmlformats.org/officeDocument/2006/math">
-                          <m:r>
-                            <a:rPr lang="en-AU" sz="2800" b="0" i="1" dirty="0" smtClean="0">
-                              <a:latin typeface="Cambria Math" panose="02040503050406030204" pitchFamily="18" charset="0"/>
-                            </a:rPr>
-                            <m:t>𝐶</m:t>
-                          </m:r>
-                        </m:oMath>
-                      </m:oMathPara>
-                    </a14:m>
-                    <a:endParaRPr lang="en-AU" sz="2800" dirty="0"/>
-                  </a:p>
-                </p:txBody>
-              </p:sp>
-            </mc:Choice>
-            <mc:Fallback>
-              <p:sp>
-                <p:nvSpPr>
-                  <p:cNvPr id="130" name="TextBox 129">
-                    <a:extLst>
-                      <a:ext uri="{FF2B5EF4-FFF2-40B4-BE49-F238E27FC236}">
-                        <a16:creationId xmlns:a16="http://schemas.microsoft.com/office/drawing/2014/main" id="{6B8F8035-5C47-4E1B-A789-B3055B700AF7}"/>
-                      </a:ext>
-                    </a:extLst>
-                  </p:cNvPr>
-                  <p:cNvSpPr txBox="1">
-                    <a:spLocks noRot="1" noChangeAspect="1" noMove="1" noResize="1" noEditPoints="1" noAdjustHandles="1" noChangeArrowheads="1" noChangeShapeType="1" noTextEdit="1"/>
-                  </p:cNvSpPr>
-                  <p:nvPr/>
-                </p:nvSpPr>
-                <p:spPr>
-                  <a:xfrm>
-                    <a:off x="3388934" y="2673936"/>
-                    <a:ext cx="480213" cy="415210"/>
-                  </a:xfrm>
-                  <a:prstGeom prst="rect">
-                    <a:avLst/>
-                  </a:prstGeom>
-                  <a:blipFill>
-                    <a:blip r:embed="rId4"/>
-                    <a:stretch>
-                      <a:fillRect/>
-                    </a:stretch>
-                  </a:blipFill>
-                </p:spPr>
-                <p:txBody>
-                  <a:bodyPr/>
-                  <a:lstStyle/>
-                  <a:p>
-                    <a:r>
-                      <a:rPr lang="en-AU">
-                        <a:noFill/>
-                      </a:rPr>
-                      <a:t> </a:t>
-                    </a:r>
-                  </a:p>
-                </p:txBody>
-              </p:sp>
-            </mc:Fallback>
-          </mc:AlternateContent>
-          <mc:AlternateContent xmlns:mc="http://schemas.openxmlformats.org/markup-compatibility/2006">
-            <mc:Choice xmlns:a14="http://schemas.microsoft.com/office/drawing/2010/main" Requires="a14">
-              <p:sp>
-                <p:nvSpPr>
-                  <p:cNvPr id="131" name="TextBox 130">
-                    <a:extLst>
-                      <a:ext uri="{FF2B5EF4-FFF2-40B4-BE49-F238E27FC236}">
-                        <a16:creationId xmlns:a16="http://schemas.microsoft.com/office/drawing/2014/main" id="{D771C70B-8D65-4523-B961-6CB9E4B9BC99}"/>
-                      </a:ext>
-                    </a:extLst>
-                  </p:cNvPr>
-                  <p:cNvSpPr txBox="1"/>
-                  <p:nvPr/>
-                </p:nvSpPr>
-                <p:spPr>
-                  <a:xfrm>
-                    <a:off x="8973316" y="1777886"/>
-                    <a:ext cx="315776" cy="331754"/>
-                  </a:xfrm>
-                  <a:prstGeom prst="rect">
-                    <a:avLst/>
-                  </a:prstGeom>
-                  <a:noFill/>
-                </p:spPr>
-                <p:txBody>
-                  <a:bodyPr wrap="none" rtlCol="0">
-                    <a:spAutoFit/>
-                  </a:bodyPr>
-                  <a:lstStyle/>
-                  <a:p>
-                    <a:pPr/>
-                    <a14:m>
-                      <m:oMathPara xmlns:m="http://schemas.openxmlformats.org/officeDocument/2006/math">
-                        <m:oMathParaPr>
-                          <m:jc m:val="centerGroup"/>
-                        </m:oMathParaPr>
-                        <m:oMath xmlns:m="http://schemas.openxmlformats.org/officeDocument/2006/math">
-                          <m:r>
-                            <a:rPr lang="en-AU" sz="2800" b="0" i="1" smtClean="0">
-                              <a:latin typeface="Cambria Math" panose="02040503050406030204" pitchFamily="18" charset="0"/>
-                            </a:rPr>
-                            <m:t>𝑃</m:t>
-                          </m:r>
-                        </m:oMath>
-                      </m:oMathPara>
-                    </a14:m>
-                    <a:endParaRPr lang="en-AU" sz="2800" dirty="0"/>
-                  </a:p>
-                </p:txBody>
-              </p:sp>
-            </mc:Choice>
-            <mc:Fallback>
-              <p:sp>
-                <p:nvSpPr>
-                  <p:cNvPr id="131" name="TextBox 130">
-                    <a:extLst>
-                      <a:ext uri="{FF2B5EF4-FFF2-40B4-BE49-F238E27FC236}">
-                        <a16:creationId xmlns:a16="http://schemas.microsoft.com/office/drawing/2014/main" id="{D771C70B-8D65-4523-B961-6CB9E4B9BC99}"/>
-                      </a:ext>
-                    </a:extLst>
-                  </p:cNvPr>
-                  <p:cNvSpPr txBox="1">
-                    <a:spLocks noRot="1" noChangeAspect="1" noMove="1" noResize="1" noEditPoints="1" noAdjustHandles="1" noChangeArrowheads="1" noChangeShapeType="1" noTextEdit="1"/>
-                  </p:cNvSpPr>
-                  <p:nvPr/>
-                </p:nvSpPr>
-                <p:spPr>
-                  <a:xfrm>
-                    <a:off x="8973316" y="1777886"/>
-                    <a:ext cx="315776" cy="331754"/>
-                  </a:xfrm>
-                  <a:prstGeom prst="rect">
-                    <a:avLst/>
-                  </a:prstGeom>
-                  <a:blipFill>
-                    <a:blip r:embed="rId5"/>
-                    <a:stretch>
-                      <a:fillRect/>
-                    </a:stretch>
-                  </a:blipFill>
-                </p:spPr>
-                <p:txBody>
-                  <a:bodyPr/>
-                  <a:lstStyle/>
-                  <a:p>
-                    <a:r>
-                      <a:rPr lang="en-AU">
-                        <a:noFill/>
-                      </a:rPr>
-                      <a:t> </a:t>
-                    </a:r>
-                  </a:p>
-                </p:txBody>
-              </p:sp>
-            </mc:Fallback>
-          </mc:AlternateContent>
-          <mc:AlternateContent xmlns:mc="http://schemas.openxmlformats.org/markup-compatibility/2006">
-            <mc:Choice xmlns:a14="http://schemas.microsoft.com/office/drawing/2010/main" Requires="a14">
-              <p:sp>
-                <p:nvSpPr>
-                  <p:cNvPr id="133" name="TextBox 132">
-                    <a:extLst>
-                      <a:ext uri="{FF2B5EF4-FFF2-40B4-BE49-F238E27FC236}">
-                        <a16:creationId xmlns:a16="http://schemas.microsoft.com/office/drawing/2014/main" id="{19E04E5A-861A-499F-AA80-166E8A7B76A6}"/>
-                      </a:ext>
-                    </a:extLst>
-                  </p:cNvPr>
-                  <p:cNvSpPr txBox="1"/>
-                  <p:nvPr/>
-                </p:nvSpPr>
-                <p:spPr>
-                  <a:xfrm>
-                    <a:off x="5179581" y="3985700"/>
-                    <a:ext cx="328607" cy="415210"/>
-                  </a:xfrm>
-                  <a:prstGeom prst="rect">
-                    <a:avLst/>
-                  </a:prstGeom>
-                  <a:noFill/>
-                </p:spPr>
-                <p:txBody>
-                  <a:bodyPr wrap="none" rtlCol="0">
-                    <a:spAutoFit/>
-                  </a:bodyPr>
-                  <a:lstStyle/>
-                  <a:p>
-                    <a:pPr/>
-                    <a14:m>
-                      <m:oMathPara xmlns:m="http://schemas.openxmlformats.org/officeDocument/2006/math">
-                        <m:oMathParaPr>
-                          <m:jc m:val="centerGroup"/>
-                        </m:oMathParaPr>
-                        <m:oMath xmlns:m="http://schemas.openxmlformats.org/officeDocument/2006/math">
-                          <m:r>
-                            <a:rPr lang="en-AU" sz="2800" b="0" i="1" smtClean="0">
-                              <a:latin typeface="Cambria Math" panose="02040503050406030204" pitchFamily="18" charset="0"/>
-                            </a:rPr>
-                            <m:t>𝐼</m:t>
-                          </m:r>
-                        </m:oMath>
-                      </m:oMathPara>
-                    </a14:m>
-                    <a:endParaRPr lang="en-AU" sz="2800" dirty="0"/>
-                  </a:p>
-                </p:txBody>
-              </p:sp>
-            </mc:Choice>
-            <mc:Fallback>
-              <p:sp>
-                <p:nvSpPr>
-                  <p:cNvPr id="133" name="TextBox 132">
-                    <a:extLst>
-                      <a:ext uri="{FF2B5EF4-FFF2-40B4-BE49-F238E27FC236}">
-                        <a16:creationId xmlns:a16="http://schemas.microsoft.com/office/drawing/2014/main" id="{19E04E5A-861A-499F-AA80-166E8A7B76A6}"/>
-                      </a:ext>
-                    </a:extLst>
-                  </p:cNvPr>
-                  <p:cNvSpPr txBox="1">
-                    <a:spLocks noRot="1" noChangeAspect="1" noMove="1" noResize="1" noEditPoints="1" noAdjustHandles="1" noChangeArrowheads="1" noChangeShapeType="1" noTextEdit="1"/>
-                  </p:cNvSpPr>
-                  <p:nvPr/>
-                </p:nvSpPr>
-                <p:spPr>
-                  <a:xfrm>
-                    <a:off x="5179581" y="3985700"/>
-                    <a:ext cx="328607" cy="415210"/>
-                  </a:xfrm>
-                  <a:prstGeom prst="rect">
-                    <a:avLst/>
-                  </a:prstGeom>
-                  <a:blipFill>
-                    <a:blip r:embed="rId6"/>
-                    <a:stretch>
-                      <a:fillRect/>
-                    </a:stretch>
-                  </a:blipFill>
-                </p:spPr>
-                <p:txBody>
-                  <a:bodyPr/>
-                  <a:lstStyle/>
-                  <a:p>
-                    <a:r>
-                      <a:rPr lang="en-AU">
-                        <a:noFill/>
-                      </a:rPr>
-                      <a:t> </a:t>
-                    </a:r>
-                  </a:p>
-                </p:txBody>
-              </p:sp>
-            </mc:Fallback>
-          </mc:AlternateContent>
-          <p:sp>
-            <p:nvSpPr>
-              <p:cNvPr id="134" name="Oval 133">
-                <a:extLst>
-                  <a:ext uri="{FF2B5EF4-FFF2-40B4-BE49-F238E27FC236}">
-                    <a16:creationId xmlns:a16="http://schemas.microsoft.com/office/drawing/2014/main" id="{A1C96AE6-50F9-4804-BF8C-A3CD7DCBFF85}"/>
-                  </a:ext>
-                </a:extLst>
-              </p:cNvPr>
-              <p:cNvSpPr/>
-              <p:nvPr/>
-            </p:nvSpPr>
-            <p:spPr>
-              <a:xfrm>
-                <a:off x="3778016" y="3116059"/>
-                <a:ext cx="72335" cy="72335"/>
-              </a:xfrm>
-              <a:prstGeom prst="ellipse">
-                <a:avLst/>
-              </a:prstGeom>
-              <a:solidFill>
-                <a:schemeClr val="tx1"/>
-              </a:solidFill>
-              <a:ln>
-                <a:solidFill>
-                  <a:schemeClr val="tx1"/>
-                </a:solidFill>
-              </a:ln>
-            </p:spPr>
-            <p:style>
-              <a:lnRef idx="2">
-                <a:schemeClr val="accent1">
-                  <a:shade val="50000"/>
-                </a:schemeClr>
-              </a:lnRef>
-              <a:fillRef idx="1">
-                <a:schemeClr val="accent1"/>
-              </a:fillRef>
-              <a:effectRef idx="0">
-                <a:schemeClr val="accent1"/>
-              </a:effectRef>
-              <a:fontRef idx="minor">
-                <a:schemeClr val="lt1"/>
-              </a:fontRef>
-            </p:style>
-            <p:txBody>
-              <a:bodyPr rtlCol="0" anchor="ctr"/>
-              <a:lstStyle/>
-              <a:p>
-                <a:pPr algn="ctr"/>
-                <a:endParaRPr lang="en-AU"/>
-              </a:p>
-            </p:txBody>
-          </p:sp>
-        </p:grpSp>
       </p:grpSp>
       <mc:AlternateContent xmlns:mc="http://schemas.openxmlformats.org/markup-compatibility/2006">
         <mc:Choice xmlns:a14="http://schemas.microsoft.com/office/drawing/2010/main" Requires="a14">
           <p:sp>
             <p:nvSpPr>
-              <p:cNvPr id="57" name="TextBox 56">
+              <p:cNvPr id="10" name="TextBox 9">
                 <a:extLst>
                   <a:ext uri="{FF2B5EF4-FFF2-40B4-BE49-F238E27FC236}">
-                    <a16:creationId xmlns:a16="http://schemas.microsoft.com/office/drawing/2014/main" id="{3DB68EF8-5BEE-4D5C-BDFC-E2F33B86A5D1}"/>
+                    <a16:creationId xmlns:a16="http://schemas.microsoft.com/office/drawing/2014/main" id="{5CDBFC2D-01E0-4458-97EC-F74FEA018ACD}"/>
                   </a:ext>
                 </a:extLst>
               </p:cNvPr>
@@ -6908,109 +8304,7 @@
             </p:nvSpPr>
             <p:spPr>
               <a:xfrm>
-                <a:off x="6799273" y="2640112"/>
-                <a:ext cx="582211" cy="523220"/>
-              </a:xfrm>
-              <a:prstGeom prst="rect">
-                <a:avLst/>
-              </a:prstGeom>
-              <a:noFill/>
-            </p:spPr>
-            <p:txBody>
-              <a:bodyPr wrap="none" rtlCol="0">
-                <a:spAutoFit/>
-              </a:bodyPr>
-              <a:lstStyle/>
-              <a:p>
-                <a:pPr/>
-                <a14:m>
-                  <m:oMathPara xmlns:m="http://schemas.openxmlformats.org/officeDocument/2006/math">
-                    <m:oMathParaPr>
-                      <m:jc m:val="centerGroup"/>
-                    </m:oMathParaPr>
-                    <m:oMath xmlns:m="http://schemas.openxmlformats.org/officeDocument/2006/math">
-                      <m:r>
-                        <a:rPr lang="en-AU" sz="2800" b="0" i="1" smtClean="0">
-                          <a:latin typeface="Cambria Math" panose="02040503050406030204" pitchFamily="18" charset="0"/>
-                        </a:rPr>
-                        <m:t>𝑃</m:t>
-                      </m:r>
-                      <m:r>
-                        <a:rPr lang="en-AU" sz="2800" b="0" i="1" smtClean="0">
-                          <a:latin typeface="Cambria Math" panose="02040503050406030204" pitchFamily="18" charset="0"/>
-                        </a:rPr>
-                        <m:t>′</m:t>
-                      </m:r>
-                    </m:oMath>
-                  </m:oMathPara>
-                </a14:m>
-                <a:endParaRPr lang="en-AU" sz="2800" dirty="0"/>
-              </a:p>
-            </p:txBody>
-          </p:sp>
-        </mc:Choice>
-        <mc:Fallback>
-          <p:sp>
-            <p:nvSpPr>
-              <p:cNvPr id="57" name="TextBox 56">
-                <a:extLst>
-                  <a:ext uri="{FF2B5EF4-FFF2-40B4-BE49-F238E27FC236}">
-                    <a16:creationId xmlns:a16="http://schemas.microsoft.com/office/drawing/2014/main" id="{3DB68EF8-5BEE-4D5C-BDFC-E2F33B86A5D1}"/>
-                  </a:ext>
-                </a:extLst>
-              </p:cNvPr>
-              <p:cNvSpPr txBox="1">
-                <a:spLocks noRot="1" noChangeAspect="1" noMove="1" noResize="1" noEditPoints="1" noAdjustHandles="1" noChangeArrowheads="1" noChangeShapeType="1" noTextEdit="1"/>
-              </p:cNvSpPr>
-              <p:nvPr/>
-            </p:nvSpPr>
-            <p:spPr>
-              <a:xfrm>
-                <a:off x="6799273" y="2640112"/>
-                <a:ext cx="582211" cy="523220"/>
-              </a:xfrm>
-              <a:prstGeom prst="rect">
-                <a:avLst/>
-              </a:prstGeom>
-              <a:blipFill>
-                <a:blip r:embed="rId7"/>
-                <a:stretch>
-                  <a:fillRect/>
-                </a:stretch>
-              </a:blipFill>
-            </p:spPr>
-            <p:txBody>
-              <a:bodyPr/>
-              <a:lstStyle/>
-              <a:p>
-                <a:r>
-                  <a:rPr lang="en-AU">
-                    <a:noFill/>
-                  </a:rPr>
-                  <a:t> </a:t>
-                </a:r>
-              </a:p>
-            </p:txBody>
-          </p:sp>
-        </mc:Fallback>
-      </mc:AlternateContent>
-      <mc:AlternateContent xmlns:mc="http://schemas.openxmlformats.org/markup-compatibility/2006">
-        <mc:Choice xmlns:a14="http://schemas.microsoft.com/office/drawing/2010/main" Requires="a14">
-          <p:sp>
-            <p:nvSpPr>
-              <p:cNvPr id="59" name="TextBox 58">
-                <a:extLst>
-                  <a:ext uri="{FF2B5EF4-FFF2-40B4-BE49-F238E27FC236}">
-                    <a16:creationId xmlns:a16="http://schemas.microsoft.com/office/drawing/2014/main" id="{320AB3D2-7EE7-45BE-A01F-6BC12FA1E460}"/>
-                  </a:ext>
-                </a:extLst>
-              </p:cNvPr>
-              <p:cNvSpPr txBox="1"/>
-              <p:nvPr/>
-            </p:nvSpPr>
-            <p:spPr>
-              <a:xfrm>
-                <a:off x="1503485" y="100084"/>
+                <a:off x="1969084" y="1076930"/>
                 <a:ext cx="503727" cy="523220"/>
               </a:xfrm>
               <a:prstGeom prst="rect">
@@ -7051,18 +8345,18 @@
                             </m:sSubPr>
                             <m:e>
                               <m:r>
-                                <a:rPr lang="en-AU" sz="2800" i="1">
+                                <a:rPr lang="en-AU" sz="2800" b="0" i="1" smtClean="0">
                                   <a:latin typeface="Cambria Math" panose="02040503050406030204" pitchFamily="18" charset="0"/>
                                 </a:rPr>
-                                <m:t>𝑐</m:t>
+                                <m:t>𝑛</m:t>
                               </m:r>
                             </m:e>
                             <m:sub>
                               <m:r>
-                                <a:rPr lang="en-AU" sz="2800" i="1">
+                                <a:rPr lang="en-AU" sz="2800" b="0" i="1" smtClean="0">
                                   <a:latin typeface="Cambria Math" panose="02040503050406030204" pitchFamily="18" charset="0"/>
                                 </a:rPr>
-                                <m:t>2</m:t>
+                                <m:t>1</m:t>
                               </m:r>
                             </m:sub>
                           </m:sSub>
@@ -7079,10 +8373,10 @@
         <mc:Fallback>
           <p:sp>
             <p:nvSpPr>
-              <p:cNvPr id="59" name="TextBox 58">
+              <p:cNvPr id="10" name="TextBox 9">
                 <a:extLst>
                   <a:ext uri="{FF2B5EF4-FFF2-40B4-BE49-F238E27FC236}">
-                    <a16:creationId xmlns:a16="http://schemas.microsoft.com/office/drawing/2014/main" id="{320AB3D2-7EE7-45BE-A01F-6BC12FA1E460}"/>
+                    <a16:creationId xmlns:a16="http://schemas.microsoft.com/office/drawing/2014/main" id="{5CDBFC2D-01E0-4458-97EC-F74FEA018ACD}"/>
                   </a:ext>
                 </a:extLst>
               </p:cNvPr>
@@ -7093,14 +8387,14 @@
             </p:nvSpPr>
             <p:spPr>
               <a:xfrm>
-                <a:off x="1503485" y="100084"/>
+                <a:off x="1969084" y="1076930"/>
                 <a:ext cx="503727" cy="523220"/>
               </a:xfrm>
               <a:prstGeom prst="rect">
                 <a:avLst/>
               </a:prstGeom>
               <a:blipFill>
-                <a:blip r:embed="rId8"/>
+                <a:blip r:embed="rId2"/>
                 <a:stretch>
                   <a:fillRect/>
                 </a:stretch>
@@ -7125,10 +8419,10 @@
         <mc:Choice xmlns:a14="http://schemas.microsoft.com/office/drawing/2010/main" Requires="a14">
           <p:sp>
             <p:nvSpPr>
-              <p:cNvPr id="60" name="TextBox 59">
+              <p:cNvPr id="11" name="TextBox 10">
                 <a:extLst>
                   <a:ext uri="{FF2B5EF4-FFF2-40B4-BE49-F238E27FC236}">
-                    <a16:creationId xmlns:a16="http://schemas.microsoft.com/office/drawing/2014/main" id="{7B4FFDAE-C01E-4E34-A066-005770DAAD5F}"/>
+                    <a16:creationId xmlns:a16="http://schemas.microsoft.com/office/drawing/2014/main" id="{4AC698CD-2712-4FF2-8031-ACE8A2AE6AFD}"/>
                   </a:ext>
                 </a:extLst>
               </p:cNvPr>
@@ -7137,7 +8431,7 @@
             </p:nvSpPr>
             <p:spPr>
               <a:xfrm>
-                <a:off x="9676339" y="4096481"/>
+                <a:off x="2515609" y="1662475"/>
                 <a:ext cx="503726" cy="523220"/>
               </a:xfrm>
               <a:prstGeom prst="rect">
@@ -7178,10 +8472,10 @@
                             </m:sSubPr>
                             <m:e>
                               <m:r>
-                                <a:rPr lang="en-AU" sz="2800" i="1">
+                                <a:rPr lang="en-AU" sz="2800" b="0" i="1" smtClean="0">
                                   <a:latin typeface="Cambria Math" panose="02040503050406030204" pitchFamily="18" charset="0"/>
                                 </a:rPr>
-                                <m:t>𝑐</m:t>
+                                <m:t>𝑛</m:t>
                               </m:r>
                             </m:e>
                             <m:sub>
@@ -7189,7 +8483,7 @@
                                 <a:rPr lang="en-AU" sz="2800" b="0" i="1" smtClean="0">
                                   <a:latin typeface="Cambria Math" panose="02040503050406030204" pitchFamily="18" charset="0"/>
                                 </a:rPr>
-                                <m:t>3</m:t>
+                                <m:t>2</m:t>
                               </m:r>
                             </m:sub>
                           </m:sSub>
@@ -7206,10 +8500,10 @@
         <mc:Fallback>
           <p:sp>
             <p:nvSpPr>
-              <p:cNvPr id="60" name="TextBox 59">
+              <p:cNvPr id="11" name="TextBox 10">
                 <a:extLst>
                   <a:ext uri="{FF2B5EF4-FFF2-40B4-BE49-F238E27FC236}">
-                    <a16:creationId xmlns:a16="http://schemas.microsoft.com/office/drawing/2014/main" id="{7B4FFDAE-C01E-4E34-A066-005770DAAD5F}"/>
+                    <a16:creationId xmlns:a16="http://schemas.microsoft.com/office/drawing/2014/main" id="{4AC698CD-2712-4FF2-8031-ACE8A2AE6AFD}"/>
                   </a:ext>
                 </a:extLst>
               </p:cNvPr>
@@ -7220,14 +8514,14 @@
             </p:nvSpPr>
             <p:spPr>
               <a:xfrm>
-                <a:off x="9676339" y="4096481"/>
+                <a:off x="2515609" y="1662475"/>
                 <a:ext cx="503726" cy="523220"/>
               </a:xfrm>
               <a:prstGeom prst="rect">
                 <a:avLst/>
               </a:prstGeom>
               <a:blipFill>
-                <a:blip r:embed="rId9"/>
+                <a:blip r:embed="rId3"/>
                 <a:stretch>
                   <a:fillRect/>
                 </a:stretch>
@@ -7252,10 +8546,10 @@
         <mc:Choice xmlns:a14="http://schemas.microsoft.com/office/drawing/2010/main" Requires="a14">
           <p:sp>
             <p:nvSpPr>
-              <p:cNvPr id="62" name="TextBox 61">
+              <p:cNvPr id="12" name="TextBox 11">
                 <a:extLst>
                   <a:ext uri="{FF2B5EF4-FFF2-40B4-BE49-F238E27FC236}">
-                    <a16:creationId xmlns:a16="http://schemas.microsoft.com/office/drawing/2014/main" id="{CC0B9DCB-7CEE-4756-BBDA-62C92DF3855E}"/>
+                    <a16:creationId xmlns:a16="http://schemas.microsoft.com/office/drawing/2014/main" id="{1F455E02-90E2-42A6-9D14-F90366FB3775}"/>
                   </a:ext>
                 </a:extLst>
               </p:cNvPr>
@@ -7264,7 +8558,7 @@
             </p:nvSpPr>
             <p:spPr>
               <a:xfrm>
-                <a:off x="6772280" y="1403239"/>
+                <a:off x="941937" y="2974348"/>
                 <a:ext cx="503726" cy="523220"/>
               </a:xfrm>
               <a:prstGeom prst="rect">
@@ -7305,10 +8599,10 @@
                             </m:sSubPr>
                             <m:e>
                               <m:r>
-                                <a:rPr lang="en-AU" sz="2800" i="1">
+                                <a:rPr lang="en-AU" sz="2800" b="0" i="1" smtClean="0">
                                   <a:latin typeface="Cambria Math" panose="02040503050406030204" pitchFamily="18" charset="0"/>
                                 </a:rPr>
-                                <m:t>𝑐</m:t>
+                                <m:t>𝑛</m:t>
                               </m:r>
                             </m:e>
                             <m:sub>
@@ -7316,7 +8610,7 @@
                                 <a:rPr lang="en-AU" sz="2800" b="0" i="1" smtClean="0">
                                   <a:latin typeface="Cambria Math" panose="02040503050406030204" pitchFamily="18" charset="0"/>
                                 </a:rPr>
-                                <m:t>1</m:t>
+                                <m:t>3</m:t>
                               </m:r>
                             </m:sub>
                           </m:sSub>
@@ -7333,10 +8627,10 @@
         <mc:Fallback>
           <p:sp>
             <p:nvSpPr>
-              <p:cNvPr id="62" name="TextBox 61">
+              <p:cNvPr id="12" name="TextBox 11">
                 <a:extLst>
                   <a:ext uri="{FF2B5EF4-FFF2-40B4-BE49-F238E27FC236}">
-                    <a16:creationId xmlns:a16="http://schemas.microsoft.com/office/drawing/2014/main" id="{CC0B9DCB-7CEE-4756-BBDA-62C92DF3855E}"/>
+                    <a16:creationId xmlns:a16="http://schemas.microsoft.com/office/drawing/2014/main" id="{1F455E02-90E2-42A6-9D14-F90366FB3775}"/>
                   </a:ext>
                 </a:extLst>
               </p:cNvPr>
@@ -7347,16 +8641,220 @@
             </p:nvSpPr>
             <p:spPr>
               <a:xfrm>
-                <a:off x="6772280" y="1403239"/>
+                <a:off x="941937" y="2974348"/>
                 <a:ext cx="503726" cy="523220"/>
               </a:xfrm>
               <a:prstGeom prst="rect">
                 <a:avLst/>
               </a:prstGeom>
               <a:blipFill>
-                <a:blip r:embed="rId10"/>
+                <a:blip r:embed="rId4"/>
                 <a:stretch>
                   <a:fillRect/>
+                </a:stretch>
+              </a:blipFill>
+            </p:spPr>
+            <p:txBody>
+              <a:bodyPr/>
+              <a:lstStyle/>
+              <a:p>
+                <a:r>
+                  <a:rPr lang="en-AU">
+                    <a:noFill/>
+                  </a:rPr>
+                  <a:t> </a:t>
+                </a:r>
+              </a:p>
+            </p:txBody>
+          </p:sp>
+        </mc:Fallback>
+      </mc:AlternateContent>
+      <mc:AlternateContent xmlns:mc="http://schemas.openxmlformats.org/markup-compatibility/2006">
+        <mc:Choice xmlns:a14="http://schemas.microsoft.com/office/drawing/2010/main" Requires="a14">
+          <p:sp>
+            <p:nvSpPr>
+              <p:cNvPr id="13" name="TextBox 12">
+                <a:extLst>
+                  <a:ext uri="{FF2B5EF4-FFF2-40B4-BE49-F238E27FC236}">
+                    <a16:creationId xmlns:a16="http://schemas.microsoft.com/office/drawing/2014/main" id="{BA6E73B0-AA48-4F83-B0C5-00690F2A259F}"/>
+                  </a:ext>
+                </a:extLst>
+              </p:cNvPr>
+              <p:cNvSpPr txBox="1"/>
+              <p:nvPr/>
+            </p:nvSpPr>
+            <p:spPr>
+              <a:xfrm>
+                <a:off x="660895" y="1328516"/>
+                <a:ext cx="529965" cy="523220"/>
+              </a:xfrm>
+              <a:prstGeom prst="rect">
+                <a:avLst/>
+              </a:prstGeom>
+              <a:noFill/>
+            </p:spPr>
+            <p:txBody>
+              <a:bodyPr wrap="square" rtlCol="0">
+                <a:spAutoFit/>
+              </a:bodyPr>
+              <a:lstStyle/>
+              <a:p>
+                <a:pPr/>
+                <a14:m>
+                  <m:oMathPara xmlns:m="http://schemas.openxmlformats.org/officeDocument/2006/math">
+                    <m:oMathParaPr>
+                      <m:jc m:val="centerGroup"/>
+                    </m:oMathParaPr>
+                    <m:oMath xmlns:m="http://schemas.openxmlformats.org/officeDocument/2006/math">
+                      <m:r>
+                        <a:rPr lang="en-AU" sz="2800" b="0" i="1" smtClean="0">
+                          <a:latin typeface="Cambria Math" panose="02040503050406030204" pitchFamily="18" charset="0"/>
+                        </a:rPr>
+                        <m:t>𝑁</m:t>
+                      </m:r>
+                    </m:oMath>
+                  </m:oMathPara>
+                </a14:m>
+                <a:endParaRPr lang="en-AU" sz="2800" b="0" dirty="0"/>
+              </a:p>
+            </p:txBody>
+          </p:sp>
+        </mc:Choice>
+        <mc:Fallback>
+          <p:sp>
+            <p:nvSpPr>
+              <p:cNvPr id="13" name="TextBox 12">
+                <a:extLst>
+                  <a:ext uri="{FF2B5EF4-FFF2-40B4-BE49-F238E27FC236}">
+                    <a16:creationId xmlns:a16="http://schemas.microsoft.com/office/drawing/2014/main" id="{BA6E73B0-AA48-4F83-B0C5-00690F2A259F}"/>
+                  </a:ext>
+                </a:extLst>
+              </p:cNvPr>
+              <p:cNvSpPr txBox="1">
+                <a:spLocks noRot="1" noChangeAspect="1" noMove="1" noResize="1" noEditPoints="1" noAdjustHandles="1" noChangeArrowheads="1" noChangeShapeType="1" noTextEdit="1"/>
+              </p:cNvSpPr>
+              <p:nvPr/>
+            </p:nvSpPr>
+            <p:spPr>
+              <a:xfrm>
+                <a:off x="660895" y="1328516"/>
+                <a:ext cx="529965" cy="523220"/>
+              </a:xfrm>
+              <a:prstGeom prst="rect">
+                <a:avLst/>
+              </a:prstGeom>
+              <a:blipFill>
+                <a:blip r:embed="rId5"/>
+                <a:stretch>
+                  <a:fillRect/>
+                </a:stretch>
+              </a:blipFill>
+            </p:spPr>
+            <p:txBody>
+              <a:bodyPr/>
+              <a:lstStyle/>
+              <a:p>
+                <a:r>
+                  <a:rPr lang="en-AU">
+                    <a:noFill/>
+                  </a:rPr>
+                  <a:t> </a:t>
+                </a:r>
+              </a:p>
+            </p:txBody>
+          </p:sp>
+        </mc:Fallback>
+      </mc:AlternateContent>
+      <mc:AlternateContent xmlns:mc="http://schemas.openxmlformats.org/markup-compatibility/2006">
+        <mc:Choice xmlns:a14="http://schemas.microsoft.com/office/drawing/2010/main" Requires="a14">
+          <p:sp>
+            <p:nvSpPr>
+              <p:cNvPr id="14" name="TextBox 13">
+                <a:extLst>
+                  <a:ext uri="{FF2B5EF4-FFF2-40B4-BE49-F238E27FC236}">
+                    <a16:creationId xmlns:a16="http://schemas.microsoft.com/office/drawing/2014/main" id="{A3C83BD1-7436-4297-BA6B-A85D83F9EC6A}"/>
+                  </a:ext>
+                </a:extLst>
+              </p:cNvPr>
+              <p:cNvSpPr txBox="1"/>
+              <p:nvPr/>
+            </p:nvSpPr>
+            <p:spPr>
+              <a:xfrm>
+                <a:off x="1228326" y="2396025"/>
+                <a:ext cx="529965" cy="523220"/>
+              </a:xfrm>
+              <a:prstGeom prst="rect">
+                <a:avLst/>
+              </a:prstGeom>
+              <a:noFill/>
+            </p:spPr>
+            <p:txBody>
+              <a:bodyPr wrap="square" rtlCol="0">
+                <a:spAutoFit/>
+              </a:bodyPr>
+              <a:lstStyle/>
+              <a:p>
+                <a:pPr/>
+                <a14:m>
+                  <m:oMathPara xmlns:m="http://schemas.openxmlformats.org/officeDocument/2006/math">
+                    <m:oMathParaPr>
+                      <m:jc m:val="centerGroup"/>
+                    </m:oMathParaPr>
+                    <m:oMath xmlns:m="http://schemas.openxmlformats.org/officeDocument/2006/math">
+                      <m:r>
+                        <a:rPr lang="en-AU" sz="2800" b="0" i="1" smtClean="0">
+                          <a:latin typeface="Cambria Math" panose="02040503050406030204" pitchFamily="18" charset="0"/>
+                        </a:rPr>
+                        <m:t>{</m:t>
+                      </m:r>
+                      <m:r>
+                        <a:rPr lang="en-AU" sz="2800" b="0" i="1" smtClean="0">
+                          <a:latin typeface="Cambria Math" panose="02040503050406030204" pitchFamily="18" charset="0"/>
+                        </a:rPr>
+                        <m:t>𝑛</m:t>
+                      </m:r>
+                      <m:r>
+                        <a:rPr lang="en-AU" sz="2800" b="0" i="1" smtClean="0">
+                          <a:latin typeface="Cambria Math" panose="02040503050406030204" pitchFamily="18" charset="0"/>
+                        </a:rPr>
+                        <m:t>}</m:t>
+                      </m:r>
+                    </m:oMath>
+                  </m:oMathPara>
+                </a14:m>
+                <a:endParaRPr lang="en-AU" sz="2800" b="0" dirty="0"/>
+              </a:p>
+            </p:txBody>
+          </p:sp>
+        </mc:Choice>
+        <mc:Fallback>
+          <p:sp>
+            <p:nvSpPr>
+              <p:cNvPr id="14" name="TextBox 13">
+                <a:extLst>
+                  <a:ext uri="{FF2B5EF4-FFF2-40B4-BE49-F238E27FC236}">
+                    <a16:creationId xmlns:a16="http://schemas.microsoft.com/office/drawing/2014/main" id="{A3C83BD1-7436-4297-BA6B-A85D83F9EC6A}"/>
+                  </a:ext>
+                </a:extLst>
+              </p:cNvPr>
+              <p:cNvSpPr txBox="1">
+                <a:spLocks noRot="1" noChangeAspect="1" noMove="1" noResize="1" noEditPoints="1" noAdjustHandles="1" noChangeArrowheads="1" noChangeShapeType="1" noTextEdit="1"/>
+              </p:cNvSpPr>
+              <p:nvPr/>
+            </p:nvSpPr>
+            <p:spPr>
+              <a:xfrm>
+                <a:off x="1228326" y="2396025"/>
+                <a:ext cx="529965" cy="523220"/>
+              </a:xfrm>
+              <a:prstGeom prst="rect">
+                <a:avLst/>
+              </a:prstGeom>
+              <a:blipFill>
+                <a:blip r:embed="rId6"/>
+                <a:stretch>
+                  <a:fillRect r="-6897"/>
                 </a:stretch>
               </a:blipFill>
             </p:spPr>
@@ -7378,7 +8876,7 @@
     </p:spTree>
     <p:extLst>
       <p:ext uri="{BB962C8B-B14F-4D97-AF65-F5344CB8AC3E}">
-        <p14:creationId xmlns:p14="http://schemas.microsoft.com/office/powerpoint/2010/main" val="2056335539"/>
+        <p14:creationId xmlns:p14="http://schemas.microsoft.com/office/powerpoint/2010/main" val="944697471"/>
       </p:ext>
     </p:extLst>
   </p:cSld>
@@ -7388,7 +8886,7 @@
 </p:sld>
 </file>
 
-<file path=ppt/slides/slide3.xml><?xml version="1.0" encoding="utf-8"?>
+<file path=ppt/slides/slide4.xml><?xml version="1.0" encoding="utf-8"?>
 <p:sld xmlns:a="http://schemas.openxmlformats.org/drawingml/2006/main" xmlns:r="http://schemas.openxmlformats.org/officeDocument/2006/relationships" xmlns:p="http://schemas.openxmlformats.org/presentationml/2006/main">
   <p:cSld>
     <p:spTree>
@@ -7767,8 +9265,8 @@
               </p:sp>
             </p:grpSp>
           </p:grpSp>
-          <mc:AlternateContent xmlns:mc="http://schemas.openxmlformats.org/markup-compatibility/2006">
-            <mc:Choice xmlns:a14="http://schemas.microsoft.com/office/drawing/2010/main" Requires="a14">
+          <mc:AlternateContent xmlns:mc="http://schemas.openxmlformats.org/markup-compatibility/2006" xmlns:a14="http://schemas.microsoft.com/office/drawing/2010/main">
+            <mc:Choice Requires="a14">
               <p:sp>
                 <p:nvSpPr>
                   <p:cNvPr id="71" name="TextBox 70">
@@ -7818,7 +9316,7 @@
                 </p:txBody>
               </p:sp>
             </mc:Choice>
-            <mc:Fallback>
+            <mc:Fallback xmlns="">
               <p:sp>
                 <p:nvSpPr>
                   <p:cNvPr id="71" name="TextBox 70">
@@ -7863,8 +9361,8 @@
               </p:sp>
             </mc:Fallback>
           </mc:AlternateContent>
-          <mc:AlternateContent xmlns:mc="http://schemas.openxmlformats.org/markup-compatibility/2006">
-            <mc:Choice xmlns:a14="http://schemas.microsoft.com/office/drawing/2010/main" Requires="a14">
+          <mc:AlternateContent xmlns:mc="http://schemas.openxmlformats.org/markup-compatibility/2006" xmlns:a14="http://schemas.microsoft.com/office/drawing/2010/main">
+            <mc:Choice Requires="a14">
               <p:sp>
                 <p:nvSpPr>
                   <p:cNvPr id="74" name="TextBox 73">
@@ -7945,7 +9443,7 @@
                 </p:txBody>
               </p:sp>
             </mc:Choice>
-            <mc:Fallback>
+            <mc:Fallback xmlns="">
               <p:sp>
                 <p:nvSpPr>
                   <p:cNvPr id="74" name="TextBox 73">
@@ -7990,8 +9488,8 @@
               </p:sp>
             </mc:Fallback>
           </mc:AlternateContent>
-          <mc:AlternateContent xmlns:mc="http://schemas.openxmlformats.org/markup-compatibility/2006">
-            <mc:Choice xmlns:a14="http://schemas.microsoft.com/office/drawing/2010/main" Requires="a14">
+          <mc:AlternateContent xmlns:mc="http://schemas.openxmlformats.org/markup-compatibility/2006" xmlns:a14="http://schemas.microsoft.com/office/drawing/2010/main">
+            <mc:Choice Requires="a14">
               <p:sp>
                 <p:nvSpPr>
                   <p:cNvPr id="75" name="TextBox 74">
@@ -8072,7 +9570,7 @@
                 </p:txBody>
               </p:sp>
             </mc:Choice>
-            <mc:Fallback>
+            <mc:Fallback xmlns="">
               <p:sp>
                 <p:nvSpPr>
                   <p:cNvPr id="75" name="TextBox 74">
@@ -8117,8 +9615,8 @@
               </p:sp>
             </mc:Fallback>
           </mc:AlternateContent>
-          <mc:AlternateContent xmlns:mc="http://schemas.openxmlformats.org/markup-compatibility/2006">
-            <mc:Choice xmlns:a14="http://schemas.microsoft.com/office/drawing/2010/main" Requires="a14">
+          <mc:AlternateContent xmlns:mc="http://schemas.openxmlformats.org/markup-compatibility/2006" xmlns:a14="http://schemas.microsoft.com/office/drawing/2010/main">
+            <mc:Choice Requires="a14">
               <p:sp>
                 <p:nvSpPr>
                   <p:cNvPr id="76" name="TextBox 75">
@@ -8199,7 +9697,7 @@
                 </p:txBody>
               </p:sp>
             </mc:Choice>
-            <mc:Fallback>
+            <mc:Fallback xmlns="">
               <p:sp>
                 <p:nvSpPr>
                   <p:cNvPr id="76" name="TextBox 75">
@@ -8244,8 +9742,8 @@
               </p:sp>
             </mc:Fallback>
           </mc:AlternateContent>
-          <mc:AlternateContent xmlns:mc="http://schemas.openxmlformats.org/markup-compatibility/2006">
-            <mc:Choice xmlns:a14="http://schemas.microsoft.com/office/drawing/2010/main" Requires="a14">
+          <mc:AlternateContent xmlns:mc="http://schemas.openxmlformats.org/markup-compatibility/2006" xmlns:a14="http://schemas.microsoft.com/office/drawing/2010/main">
+            <mc:Choice Requires="a14">
               <p:sp>
                 <p:nvSpPr>
                   <p:cNvPr id="77" name="TextBox 76">
@@ -8308,7 +9806,7 @@
                 </p:txBody>
               </p:sp>
             </mc:Choice>
-            <mc:Fallback>
+            <mc:Fallback xmlns="">
               <p:sp>
                 <p:nvSpPr>
                   <p:cNvPr id="77" name="TextBox 76">
@@ -8353,8 +9851,8 @@
               </p:sp>
             </mc:Fallback>
           </mc:AlternateContent>
-          <mc:AlternateContent xmlns:mc="http://schemas.openxmlformats.org/markup-compatibility/2006">
-            <mc:Choice xmlns:a14="http://schemas.microsoft.com/office/drawing/2010/main" Requires="a14">
+          <mc:AlternateContent xmlns:mc="http://schemas.openxmlformats.org/markup-compatibility/2006" xmlns:a14="http://schemas.microsoft.com/office/drawing/2010/main">
+            <mc:Choice Requires="a14">
               <p:sp>
                 <p:nvSpPr>
                   <p:cNvPr id="78" name="TextBox 77">
@@ -8447,7 +9945,7 @@
                 </p:txBody>
               </p:sp>
             </mc:Choice>
-            <mc:Fallback>
+            <mc:Fallback xmlns="">
               <p:sp>
                 <p:nvSpPr>
                   <p:cNvPr id="78" name="TextBox 77">
@@ -8607,8 +10105,8 @@
                   </a:p>
                 </p:txBody>
               </p:sp>
-              <mc:AlternateContent xmlns:mc="http://schemas.openxmlformats.org/markup-compatibility/2006">
-                <mc:Choice xmlns:a14="http://schemas.microsoft.com/office/drawing/2010/main" Requires="a14">
+              <mc:AlternateContent xmlns:mc="http://schemas.openxmlformats.org/markup-compatibility/2006" xmlns:a14="http://schemas.microsoft.com/office/drawing/2010/main">
+                <mc:Choice Requires="a14">
                   <p:sp>
                     <p:nvSpPr>
                       <p:cNvPr id="33" name="TextBox 32">
@@ -8658,7 +10156,7 @@
                     </p:txBody>
                   </p:sp>
                 </mc:Choice>
-                <mc:Fallback>
+                <mc:Fallback xmlns="">
                   <p:sp>
                     <p:nvSpPr>
                       <p:cNvPr id="33" name="TextBox 32">
@@ -9198,8 +10696,8 @@
                     </p:txBody>
                   </p:sp>
                 </p:grpSp>
-                <mc:AlternateContent xmlns:mc="http://schemas.openxmlformats.org/markup-compatibility/2006">
-                  <mc:Choice xmlns:a14="http://schemas.microsoft.com/office/drawing/2010/main" Requires="a14">
+                <mc:AlternateContent xmlns:mc="http://schemas.openxmlformats.org/markup-compatibility/2006" xmlns:a14="http://schemas.microsoft.com/office/drawing/2010/main">
+                  <mc:Choice Requires="a14">
                     <p:sp>
                       <p:nvSpPr>
                         <p:cNvPr id="24" name="TextBox 23">
@@ -9280,7 +10778,7 @@
                       </p:txBody>
                     </p:sp>
                   </mc:Choice>
-                  <mc:Fallback>
+                  <mc:Fallback xmlns="">
                     <p:sp>
                       <p:nvSpPr>
                         <p:cNvPr id="24" name="TextBox 23">
@@ -9325,8 +10823,8 @@
                     </p:sp>
                   </mc:Fallback>
                 </mc:AlternateContent>
-                <mc:AlternateContent xmlns:mc="http://schemas.openxmlformats.org/markup-compatibility/2006">
-                  <mc:Choice xmlns:a14="http://schemas.microsoft.com/office/drawing/2010/main" Requires="a14">
+                <mc:AlternateContent xmlns:mc="http://schemas.openxmlformats.org/markup-compatibility/2006" xmlns:a14="http://schemas.microsoft.com/office/drawing/2010/main">
+                  <mc:Choice Requires="a14">
                     <p:sp>
                       <p:nvSpPr>
                         <p:cNvPr id="35" name="TextBox 34">
@@ -9407,7 +10905,7 @@
                       </p:txBody>
                     </p:sp>
                   </mc:Choice>
-                  <mc:Fallback>
+                  <mc:Fallback xmlns="">
                     <p:sp>
                       <p:nvSpPr>
                         <p:cNvPr id="35" name="TextBox 34">
@@ -9452,8 +10950,8 @@
                     </p:sp>
                   </mc:Fallback>
                 </mc:AlternateContent>
-                <mc:AlternateContent xmlns:mc="http://schemas.openxmlformats.org/markup-compatibility/2006">
-                  <mc:Choice xmlns:a14="http://schemas.microsoft.com/office/drawing/2010/main" Requires="a14">
+                <mc:AlternateContent xmlns:mc="http://schemas.openxmlformats.org/markup-compatibility/2006" xmlns:a14="http://schemas.microsoft.com/office/drawing/2010/main">
+                  <mc:Choice Requires="a14">
                     <p:sp>
                       <p:nvSpPr>
                         <p:cNvPr id="36" name="TextBox 35">
@@ -9534,7 +11032,7 @@
                       </p:txBody>
                     </p:sp>
                   </mc:Choice>
-                  <mc:Fallback>
+                  <mc:Fallback xmlns="">
                     <p:sp>
                       <p:nvSpPr>
                         <p:cNvPr id="36" name="TextBox 35">
@@ -9579,8 +11077,8 @@
                     </p:sp>
                   </mc:Fallback>
                 </mc:AlternateContent>
-                <mc:AlternateContent xmlns:mc="http://schemas.openxmlformats.org/markup-compatibility/2006">
-                  <mc:Choice xmlns:a14="http://schemas.microsoft.com/office/drawing/2010/main" Requires="a14">
+                <mc:AlternateContent xmlns:mc="http://schemas.openxmlformats.org/markup-compatibility/2006" xmlns:a14="http://schemas.microsoft.com/office/drawing/2010/main">
+                  <mc:Choice Requires="a14">
                     <p:sp>
                       <p:nvSpPr>
                         <p:cNvPr id="37" name="TextBox 36">
@@ -9643,7 +11141,7 @@
                       </p:txBody>
                     </p:sp>
                   </mc:Choice>
-                  <mc:Fallback>
+                  <mc:Fallback xmlns="">
                     <p:sp>
                       <p:nvSpPr>
                         <p:cNvPr id="37" name="TextBox 36">
@@ -9688,8 +11186,8 @@
                     </p:sp>
                   </mc:Fallback>
                 </mc:AlternateContent>
-                <mc:AlternateContent xmlns:mc="http://schemas.openxmlformats.org/markup-compatibility/2006">
-                  <mc:Choice xmlns:a14="http://schemas.microsoft.com/office/drawing/2010/main" Requires="a14">
+                <mc:AlternateContent xmlns:mc="http://schemas.openxmlformats.org/markup-compatibility/2006" xmlns:a14="http://schemas.microsoft.com/office/drawing/2010/main">
+                  <mc:Choice Requires="a14">
                     <p:sp>
                       <p:nvSpPr>
                         <p:cNvPr id="38" name="TextBox 37">
@@ -9739,7 +11237,7 @@
                       </p:txBody>
                     </p:sp>
                   </mc:Choice>
-                  <mc:Fallback>
+                  <mc:Fallback xmlns="">
                     <p:sp>
                       <p:nvSpPr>
                         <p:cNvPr id="38" name="TextBox 37">
@@ -9786,8 +11284,8 @@
                 </mc:AlternateContent>
               </p:grpSp>
             </p:grpSp>
-            <mc:AlternateContent xmlns:mc="http://schemas.openxmlformats.org/markup-compatibility/2006">
-              <mc:Choice xmlns:a14="http://schemas.microsoft.com/office/drawing/2010/main" Requires="a14">
+            <mc:AlternateContent xmlns:mc="http://schemas.openxmlformats.org/markup-compatibility/2006" xmlns:a14="http://schemas.microsoft.com/office/drawing/2010/main">
+              <mc:Choice Requires="a14">
                 <p:sp>
                   <p:nvSpPr>
                     <p:cNvPr id="34" name="TextBox 33">
@@ -9843,7 +11341,7 @@
                   </p:txBody>
                 </p:sp>
               </mc:Choice>
-              <mc:Fallback>
+              <mc:Fallback xmlns="">
                 <p:sp>
                   <p:nvSpPr>
                     <p:cNvPr id="34" name="TextBox 33">
@@ -9889,8 +11387,8 @@
               </mc:Fallback>
             </mc:AlternateContent>
           </p:grpSp>
-          <mc:AlternateContent xmlns:mc="http://schemas.openxmlformats.org/markup-compatibility/2006">
-            <mc:Choice xmlns:a14="http://schemas.microsoft.com/office/drawing/2010/main" Requires="a14">
+          <mc:AlternateContent xmlns:mc="http://schemas.openxmlformats.org/markup-compatibility/2006" xmlns:a14="http://schemas.microsoft.com/office/drawing/2010/main">
+            <mc:Choice Requires="a14">
               <p:sp>
                 <p:nvSpPr>
                   <p:cNvPr id="79" name="TextBox 78">
@@ -9983,7 +11481,7 @@
                 </p:txBody>
               </p:sp>
             </mc:Choice>
-            <mc:Fallback>
+            <mc:Fallback xmlns="">
               <p:sp>
                 <p:nvSpPr>
                   <p:cNvPr id="79" name="TextBox 78">
@@ -10088,7 +11586,7 @@
 </p:sld>
 </file>
 
-<file path=ppt/slides/slide4.xml><?xml version="1.0" encoding="utf-8"?>
+<file path=ppt/slides/slide5.xml><?xml version="1.0" encoding="utf-8"?>
 <p:sld xmlns:a="http://schemas.openxmlformats.org/drawingml/2006/main" xmlns:r="http://schemas.openxmlformats.org/officeDocument/2006/relationships" xmlns:p="http://schemas.openxmlformats.org/presentationml/2006/main">
   <p:cSld>
     <p:spTree>
@@ -10307,8 +11805,8 @@
             </a:fontRef>
           </p:style>
         </p:cxnSp>
-        <mc:AlternateContent xmlns:mc="http://schemas.openxmlformats.org/markup-compatibility/2006">
-          <mc:Choice xmlns:a14="http://schemas.microsoft.com/office/drawing/2010/main" Requires="a14">
+        <mc:AlternateContent xmlns:mc="http://schemas.openxmlformats.org/markup-compatibility/2006" xmlns:a14="http://schemas.microsoft.com/office/drawing/2010/main">
+          <mc:Choice Requires="a14">
             <p:sp>
               <p:nvSpPr>
                 <p:cNvPr id="7" name="TextBox 6">
@@ -10370,7 +11868,7 @@
               </p:txBody>
             </p:sp>
           </mc:Choice>
-          <mc:Fallback>
+          <mc:Fallback xmlns="">
             <p:sp>
               <p:nvSpPr>
                 <p:cNvPr id="7" name="TextBox 6">
@@ -10415,8 +11913,8 @@
             </p:sp>
           </mc:Fallback>
         </mc:AlternateContent>
-        <mc:AlternateContent xmlns:mc="http://schemas.openxmlformats.org/markup-compatibility/2006">
-          <mc:Choice xmlns:a14="http://schemas.microsoft.com/office/drawing/2010/main" Requires="a14">
+        <mc:AlternateContent xmlns:mc="http://schemas.openxmlformats.org/markup-compatibility/2006" xmlns:a14="http://schemas.microsoft.com/office/drawing/2010/main">
+          <mc:Choice Requires="a14">
             <p:sp>
               <p:nvSpPr>
                 <p:cNvPr id="8" name="TextBox 7">
@@ -10478,7 +11976,7 @@
               </p:txBody>
             </p:sp>
           </mc:Choice>
-          <mc:Fallback>
+          <mc:Fallback xmlns="">
             <p:sp>
               <p:nvSpPr>
                 <p:cNvPr id="8" name="TextBox 7">
@@ -10523,8 +12021,8 @@
             </p:sp>
           </mc:Fallback>
         </mc:AlternateContent>
-        <mc:AlternateContent xmlns:mc="http://schemas.openxmlformats.org/markup-compatibility/2006">
-          <mc:Choice xmlns:a14="http://schemas.microsoft.com/office/drawing/2010/main" Requires="a14">
+        <mc:AlternateContent xmlns:mc="http://schemas.openxmlformats.org/markup-compatibility/2006" xmlns:a14="http://schemas.microsoft.com/office/drawing/2010/main">
+          <mc:Choice Requires="a14">
             <p:sp>
               <p:nvSpPr>
                 <p:cNvPr id="9" name="TextBox 8">
@@ -10586,7 +12084,7 @@
               </p:txBody>
             </p:sp>
           </mc:Choice>
-          <mc:Fallback>
+          <mc:Fallback xmlns="">
             <p:sp>
               <p:nvSpPr>
                 <p:cNvPr id="9" name="TextBox 8">
@@ -10685,8 +12183,8 @@
             </a:p>
           </p:txBody>
         </p:sp>
-        <mc:AlternateContent xmlns:mc="http://schemas.openxmlformats.org/markup-compatibility/2006">
-          <mc:Choice xmlns:a14="http://schemas.microsoft.com/office/drawing/2010/main" Requires="a14">
+        <mc:AlternateContent xmlns:mc="http://schemas.openxmlformats.org/markup-compatibility/2006" xmlns:a14="http://schemas.microsoft.com/office/drawing/2010/main">
+          <mc:Choice Requires="a14">
             <p:sp>
               <p:nvSpPr>
                 <p:cNvPr id="37" name="TextBox 36">
@@ -10748,7 +12246,7 @@
               </p:txBody>
             </p:sp>
           </mc:Choice>
-          <mc:Fallback>
+          <mc:Fallback xmlns="">
             <p:sp>
               <p:nvSpPr>
                 <p:cNvPr id="37" name="TextBox 36">
@@ -10793,8 +12291,8 @@
             </p:sp>
           </mc:Fallback>
         </mc:AlternateContent>
-        <mc:AlternateContent xmlns:mc="http://schemas.openxmlformats.org/markup-compatibility/2006">
-          <mc:Choice xmlns:a14="http://schemas.microsoft.com/office/drawing/2010/main" Requires="a14">
+        <mc:AlternateContent xmlns:mc="http://schemas.openxmlformats.org/markup-compatibility/2006" xmlns:a14="http://schemas.microsoft.com/office/drawing/2010/main">
+          <mc:Choice Requires="a14">
             <p:sp>
               <p:nvSpPr>
                 <p:cNvPr id="38" name="TextBox 37">
@@ -10893,7 +12391,7 @@
               </p:txBody>
             </p:sp>
           </mc:Choice>
-          <mc:Fallback>
+          <mc:Fallback xmlns="">
             <p:sp>
               <p:nvSpPr>
                 <p:cNvPr id="38" name="TextBox 37">

--- a/Report/Figures.pptx
+++ b/Report/Figures.pptx
@@ -5,7 +5,7 @@
     <p:sldMasterId id="2147483648" r:id="rId1"/>
   </p:sldMasterIdLst>
   <p:notesMasterIdLst>
-    <p:notesMasterId r:id="rId7"/>
+    <p:notesMasterId r:id="rId8"/>
   </p:notesMasterIdLst>
   <p:sldIdLst>
     <p:sldId id="257" r:id="rId2"/>
@@ -13,6 +13,7 @@
     <p:sldId id="260" r:id="rId4"/>
     <p:sldId id="259" r:id="rId5"/>
     <p:sldId id="258" r:id="rId6"/>
+    <p:sldId id="261" r:id="rId7"/>
   </p:sldIdLst>
   <p:sldSz cx="12192000" cy="6858000"/>
   <p:notesSz cx="6858000" cy="9144000"/>
@@ -212,7 +213,7 @@
           <a:p>
             <a:fld id="{F7E24024-7208-4C27-A85E-1E5E7BE4FB4A}" type="datetimeFigureOut">
               <a:rPr lang="en-AU" smtClean="0"/>
-              <a:t>22/05/2019</a:t>
+              <a:t>30/05/2019</a:t>
             </a:fld>
             <a:endParaRPr lang="en-AU"/>
           </a:p>
@@ -1037,7 +1038,7 @@
           <a:p>
             <a:fld id="{E3D6D929-E2D6-447B-B87F-832AE6C7B448}" type="datetimeFigureOut">
               <a:rPr lang="en-AU" smtClean="0"/>
-              <a:t>22/05/2019</a:t>
+              <a:t>30/05/2019</a:t>
             </a:fld>
             <a:endParaRPr lang="en-AU"/>
           </a:p>
@@ -1237,7 +1238,7 @@
           <a:p>
             <a:fld id="{E3D6D929-E2D6-447B-B87F-832AE6C7B448}" type="datetimeFigureOut">
               <a:rPr lang="en-AU" smtClean="0"/>
-              <a:t>22/05/2019</a:t>
+              <a:t>30/05/2019</a:t>
             </a:fld>
             <a:endParaRPr lang="en-AU"/>
           </a:p>
@@ -1447,7 +1448,7 @@
           <a:p>
             <a:fld id="{E3D6D929-E2D6-447B-B87F-832AE6C7B448}" type="datetimeFigureOut">
               <a:rPr lang="en-AU" smtClean="0"/>
-              <a:t>22/05/2019</a:t>
+              <a:t>30/05/2019</a:t>
             </a:fld>
             <a:endParaRPr lang="en-AU"/>
           </a:p>
@@ -1647,7 +1648,7 @@
           <a:p>
             <a:fld id="{E3D6D929-E2D6-447B-B87F-832AE6C7B448}" type="datetimeFigureOut">
               <a:rPr lang="en-AU" smtClean="0"/>
-              <a:t>22/05/2019</a:t>
+              <a:t>30/05/2019</a:t>
             </a:fld>
             <a:endParaRPr lang="en-AU"/>
           </a:p>
@@ -1923,7 +1924,7 @@
           <a:p>
             <a:fld id="{E3D6D929-E2D6-447B-B87F-832AE6C7B448}" type="datetimeFigureOut">
               <a:rPr lang="en-AU" smtClean="0"/>
-              <a:t>22/05/2019</a:t>
+              <a:t>30/05/2019</a:t>
             </a:fld>
             <a:endParaRPr lang="en-AU"/>
           </a:p>
@@ -2191,7 +2192,7 @@
           <a:p>
             <a:fld id="{E3D6D929-E2D6-447B-B87F-832AE6C7B448}" type="datetimeFigureOut">
               <a:rPr lang="en-AU" smtClean="0"/>
-              <a:t>22/05/2019</a:t>
+              <a:t>30/05/2019</a:t>
             </a:fld>
             <a:endParaRPr lang="en-AU"/>
           </a:p>
@@ -2606,7 +2607,7 @@
           <a:p>
             <a:fld id="{E3D6D929-E2D6-447B-B87F-832AE6C7B448}" type="datetimeFigureOut">
               <a:rPr lang="en-AU" smtClean="0"/>
-              <a:t>22/05/2019</a:t>
+              <a:t>30/05/2019</a:t>
             </a:fld>
             <a:endParaRPr lang="en-AU"/>
           </a:p>
@@ -2748,7 +2749,7 @@
           <a:p>
             <a:fld id="{E3D6D929-E2D6-447B-B87F-832AE6C7B448}" type="datetimeFigureOut">
               <a:rPr lang="en-AU" smtClean="0"/>
-              <a:t>22/05/2019</a:t>
+              <a:t>30/05/2019</a:t>
             </a:fld>
             <a:endParaRPr lang="en-AU"/>
           </a:p>
@@ -2861,7 +2862,7 @@
           <a:p>
             <a:fld id="{E3D6D929-E2D6-447B-B87F-832AE6C7B448}" type="datetimeFigureOut">
               <a:rPr lang="en-AU" smtClean="0"/>
-              <a:t>22/05/2019</a:t>
+              <a:t>30/05/2019</a:t>
             </a:fld>
             <a:endParaRPr lang="en-AU"/>
           </a:p>
@@ -3174,7 +3175,7 @@
           <a:p>
             <a:fld id="{E3D6D929-E2D6-447B-B87F-832AE6C7B448}" type="datetimeFigureOut">
               <a:rPr lang="en-AU" smtClean="0"/>
-              <a:t>22/05/2019</a:t>
+              <a:t>30/05/2019</a:t>
             </a:fld>
             <a:endParaRPr lang="en-AU"/>
           </a:p>
@@ -3463,7 +3464,7 @@
           <a:p>
             <a:fld id="{E3D6D929-E2D6-447B-B87F-832AE6C7B448}" type="datetimeFigureOut">
               <a:rPr lang="en-AU" smtClean="0"/>
-              <a:t>22/05/2019</a:t>
+              <a:t>30/05/2019</a:t>
             </a:fld>
             <a:endParaRPr lang="en-AU"/>
           </a:p>
@@ -3706,7 +3707,7 @@
           <a:p>
             <a:fld id="{E3D6D929-E2D6-447B-B87F-832AE6C7B448}" type="datetimeFigureOut">
               <a:rPr lang="en-AU" smtClean="0"/>
-              <a:t>22/05/2019</a:t>
+              <a:t>30/05/2019</a:t>
             </a:fld>
             <a:endParaRPr lang="en-AU"/>
           </a:p>
@@ -6609,8 +6610,8 @@
                     </p:sp>
                   </mc:Fallback>
                 </mc:AlternateContent>
-                <mc:AlternateContent xmlns:mc="http://schemas.openxmlformats.org/markup-compatibility/2006">
-                  <mc:Choice xmlns:a14="http://schemas.microsoft.com/office/drawing/2010/main" Requires="a14">
+                <mc:AlternateContent xmlns:mc="http://schemas.openxmlformats.org/markup-compatibility/2006" xmlns:a14="http://schemas.microsoft.com/office/drawing/2010/main">
+                  <mc:Choice Requires="a14">
                     <p:sp>
                       <p:nvSpPr>
                         <p:cNvPr id="130" name="TextBox 129">
@@ -6660,7 +6661,7 @@
                       </p:txBody>
                     </p:sp>
                   </mc:Choice>
-                  <mc:Fallback>
+                  <mc:Fallback xmlns="">
                     <p:sp>
                       <p:nvSpPr>
                         <p:cNvPr id="130" name="TextBox 129">
@@ -6705,8 +6706,8 @@
                     </p:sp>
                   </mc:Fallback>
                 </mc:AlternateContent>
-                <mc:AlternateContent xmlns:mc="http://schemas.openxmlformats.org/markup-compatibility/2006">
-                  <mc:Choice xmlns:a14="http://schemas.microsoft.com/office/drawing/2010/main" Requires="a14">
+                <mc:AlternateContent xmlns:mc="http://schemas.openxmlformats.org/markup-compatibility/2006" xmlns:a14="http://schemas.microsoft.com/office/drawing/2010/main">
+                  <mc:Choice Requires="a14">
                     <p:sp>
                       <p:nvSpPr>
                         <p:cNvPr id="131" name="TextBox 130">
@@ -6862,7 +6863,7 @@
                       </p:txBody>
                     </p:sp>
                   </mc:Choice>
-                  <mc:Fallback>
+                  <mc:Fallback xmlns="">
                     <p:sp>
                       <p:nvSpPr>
                         <p:cNvPr id="131" name="TextBox 130">
@@ -6907,8 +6908,8 @@
                     </p:sp>
                   </mc:Fallback>
                 </mc:AlternateContent>
-                <mc:AlternateContent xmlns:mc="http://schemas.openxmlformats.org/markup-compatibility/2006">
-                  <mc:Choice xmlns:a14="http://schemas.microsoft.com/office/drawing/2010/main" Requires="a14">
+                <mc:AlternateContent xmlns:mc="http://schemas.openxmlformats.org/markup-compatibility/2006" xmlns:a14="http://schemas.microsoft.com/office/drawing/2010/main">
+                  <mc:Choice Requires="a14">
                     <p:sp>
                       <p:nvSpPr>
                         <p:cNvPr id="133" name="TextBox 132">
@@ -6958,7 +6959,7 @@
                       </p:txBody>
                     </p:sp>
                   </mc:Choice>
-                  <mc:Fallback>
+                  <mc:Fallback xmlns="">
                     <p:sp>
                       <p:nvSpPr>
                         <p:cNvPr id="133" name="TextBox 132">
@@ -7059,8 +7060,8 @@
                 </p:sp>
               </p:grpSp>
             </p:grpSp>
-            <mc:AlternateContent xmlns:mc="http://schemas.openxmlformats.org/markup-compatibility/2006">
-              <mc:Choice xmlns:a14="http://schemas.microsoft.com/office/drawing/2010/main" Requires="a14">
+            <mc:AlternateContent xmlns:mc="http://schemas.openxmlformats.org/markup-compatibility/2006" xmlns:a14="http://schemas.microsoft.com/office/drawing/2010/main">
+              <mc:Choice Requires="a14">
                 <p:sp>
                   <p:nvSpPr>
                     <p:cNvPr id="57" name="TextBox 56">
@@ -7165,7 +7166,7 @@
                   </p:txBody>
                 </p:sp>
               </mc:Choice>
-              <mc:Fallback>
+              <mc:Fallback xmlns="">
                 <p:sp>
                   <p:nvSpPr>
                     <p:cNvPr id="57" name="TextBox 56">
@@ -7210,8 +7211,8 @@
                 </p:sp>
               </mc:Fallback>
             </mc:AlternateContent>
-            <mc:AlternateContent xmlns:mc="http://schemas.openxmlformats.org/markup-compatibility/2006">
-              <mc:Choice xmlns:a14="http://schemas.microsoft.com/office/drawing/2010/main" Requires="a14">
+            <mc:AlternateContent xmlns:mc="http://schemas.openxmlformats.org/markup-compatibility/2006" xmlns:a14="http://schemas.microsoft.com/office/drawing/2010/main">
+              <mc:Choice Requires="a14">
                 <p:sp>
                   <p:nvSpPr>
                     <p:cNvPr id="59" name="TextBox 58">
@@ -7292,7 +7293,7 @@
                   </p:txBody>
                 </p:sp>
               </mc:Choice>
-              <mc:Fallback>
+              <mc:Fallback xmlns="">
                 <p:sp>
                   <p:nvSpPr>
                     <p:cNvPr id="59" name="TextBox 58">
@@ -7337,8 +7338,8 @@
                 </p:sp>
               </mc:Fallback>
             </mc:AlternateContent>
-            <mc:AlternateContent xmlns:mc="http://schemas.openxmlformats.org/markup-compatibility/2006">
-              <mc:Choice xmlns:a14="http://schemas.microsoft.com/office/drawing/2010/main" Requires="a14">
+            <mc:AlternateContent xmlns:mc="http://schemas.openxmlformats.org/markup-compatibility/2006" xmlns:a14="http://schemas.microsoft.com/office/drawing/2010/main">
+              <mc:Choice Requires="a14">
                 <p:sp>
                   <p:nvSpPr>
                     <p:cNvPr id="60" name="TextBox 59">
@@ -7419,7 +7420,7 @@
                   </p:txBody>
                 </p:sp>
               </mc:Choice>
-              <mc:Fallback>
+              <mc:Fallback xmlns="">
                 <p:sp>
                   <p:nvSpPr>
                     <p:cNvPr id="60" name="TextBox 59">
@@ -7676,8 +7677,8 @@
               </a:fontRef>
             </p:style>
           </p:cxnSp>
-          <mc:AlternateContent xmlns:mc="http://schemas.openxmlformats.org/markup-compatibility/2006">
-            <mc:Choice xmlns:a14="http://schemas.microsoft.com/office/drawing/2010/main" Requires="a14">
+          <mc:AlternateContent xmlns:mc="http://schemas.openxmlformats.org/markup-compatibility/2006" xmlns:a14="http://schemas.microsoft.com/office/drawing/2010/main">
+            <mc:Choice Requires="a14">
               <p:sp>
                 <p:nvSpPr>
                   <p:cNvPr id="40" name="TextBox 39">
@@ -7739,7 +7740,7 @@
                 </p:txBody>
               </p:sp>
             </mc:Choice>
-            <mc:Fallback>
+            <mc:Fallback xmlns="">
               <p:sp>
                 <p:nvSpPr>
                   <p:cNvPr id="40" name="TextBox 39">
@@ -7784,8 +7785,8 @@
               </p:sp>
             </mc:Fallback>
           </mc:AlternateContent>
-          <mc:AlternateContent xmlns:mc="http://schemas.openxmlformats.org/markup-compatibility/2006">
-            <mc:Choice xmlns:a14="http://schemas.microsoft.com/office/drawing/2010/main" Requires="a14">
+          <mc:AlternateContent xmlns:mc="http://schemas.openxmlformats.org/markup-compatibility/2006" xmlns:a14="http://schemas.microsoft.com/office/drawing/2010/main">
+            <mc:Choice Requires="a14">
               <p:sp>
                 <p:nvSpPr>
                   <p:cNvPr id="41" name="TextBox 40">
@@ -7847,7 +7848,7 @@
                 </p:txBody>
               </p:sp>
             </mc:Choice>
-            <mc:Fallback>
+            <mc:Fallback xmlns="">
               <p:sp>
                 <p:nvSpPr>
                   <p:cNvPr id="41" name="TextBox 40">
@@ -7893,8 +7894,8 @@
             </mc:Fallback>
           </mc:AlternateContent>
         </p:grpSp>
-        <mc:AlternateContent xmlns:mc="http://schemas.openxmlformats.org/markup-compatibility/2006">
-          <mc:Choice xmlns:a14="http://schemas.microsoft.com/office/drawing/2010/main" Requires="a14">
+        <mc:AlternateContent xmlns:mc="http://schemas.openxmlformats.org/markup-compatibility/2006" xmlns:a14="http://schemas.microsoft.com/office/drawing/2010/main">
+          <mc:Choice Requires="a14">
             <p:sp>
               <p:nvSpPr>
                 <p:cNvPr id="69" name="TextBox 68">
@@ -7956,7 +7957,7 @@
               </p:txBody>
             </p:sp>
           </mc:Choice>
-          <mc:Fallback>
+          <mc:Fallback xmlns="">
             <p:sp>
               <p:nvSpPr>
                 <p:cNvPr id="69" name="TextBox 68">
@@ -8288,8 +8289,8 @@
           </p:txBody>
         </p:sp>
       </p:grpSp>
-      <mc:AlternateContent xmlns:mc="http://schemas.openxmlformats.org/markup-compatibility/2006">
-        <mc:Choice xmlns:a14="http://schemas.microsoft.com/office/drawing/2010/main" Requires="a14">
+      <mc:AlternateContent xmlns:mc="http://schemas.openxmlformats.org/markup-compatibility/2006" xmlns:a14="http://schemas.microsoft.com/office/drawing/2010/main">
+        <mc:Choice Requires="a14">
           <p:sp>
             <p:nvSpPr>
               <p:cNvPr id="10" name="TextBox 9">
@@ -8370,7 +8371,7 @@
             </p:txBody>
           </p:sp>
         </mc:Choice>
-        <mc:Fallback>
+        <mc:Fallback xmlns="">
           <p:sp>
             <p:nvSpPr>
               <p:cNvPr id="10" name="TextBox 9">
@@ -8415,8 +8416,8 @@
           </p:sp>
         </mc:Fallback>
       </mc:AlternateContent>
-      <mc:AlternateContent xmlns:mc="http://schemas.openxmlformats.org/markup-compatibility/2006">
-        <mc:Choice xmlns:a14="http://schemas.microsoft.com/office/drawing/2010/main" Requires="a14">
+      <mc:AlternateContent xmlns:mc="http://schemas.openxmlformats.org/markup-compatibility/2006" xmlns:a14="http://schemas.microsoft.com/office/drawing/2010/main">
+        <mc:Choice Requires="a14">
           <p:sp>
             <p:nvSpPr>
               <p:cNvPr id="11" name="TextBox 10">
@@ -8497,7 +8498,7 @@
             </p:txBody>
           </p:sp>
         </mc:Choice>
-        <mc:Fallback>
+        <mc:Fallback xmlns="">
           <p:sp>
             <p:nvSpPr>
               <p:cNvPr id="11" name="TextBox 10">
@@ -8542,8 +8543,8 @@
           </p:sp>
         </mc:Fallback>
       </mc:AlternateContent>
-      <mc:AlternateContent xmlns:mc="http://schemas.openxmlformats.org/markup-compatibility/2006">
-        <mc:Choice xmlns:a14="http://schemas.microsoft.com/office/drawing/2010/main" Requires="a14">
+      <mc:AlternateContent xmlns:mc="http://schemas.openxmlformats.org/markup-compatibility/2006" xmlns:a14="http://schemas.microsoft.com/office/drawing/2010/main">
+        <mc:Choice Requires="a14">
           <p:sp>
             <p:nvSpPr>
               <p:cNvPr id="12" name="TextBox 11">
@@ -8624,7 +8625,7 @@
             </p:txBody>
           </p:sp>
         </mc:Choice>
-        <mc:Fallback>
+        <mc:Fallback xmlns="">
           <p:sp>
             <p:nvSpPr>
               <p:cNvPr id="12" name="TextBox 11">
@@ -8669,8 +8670,8 @@
           </p:sp>
         </mc:Fallback>
       </mc:AlternateContent>
-      <mc:AlternateContent xmlns:mc="http://schemas.openxmlformats.org/markup-compatibility/2006">
-        <mc:Choice xmlns:a14="http://schemas.microsoft.com/office/drawing/2010/main" Requires="a14">
+      <mc:AlternateContent xmlns:mc="http://schemas.openxmlformats.org/markup-compatibility/2006" xmlns:a14="http://schemas.microsoft.com/office/drawing/2010/main">
+        <mc:Choice Requires="a14">
           <p:sp>
             <p:nvSpPr>
               <p:cNvPr id="13" name="TextBox 12">
@@ -8720,7 +8721,7 @@
             </p:txBody>
           </p:sp>
         </mc:Choice>
-        <mc:Fallback>
+        <mc:Fallback xmlns="">
           <p:sp>
             <p:nvSpPr>
               <p:cNvPr id="13" name="TextBox 12">
@@ -8765,8 +8766,8 @@
           </p:sp>
         </mc:Fallback>
       </mc:AlternateContent>
-      <mc:AlternateContent xmlns:mc="http://schemas.openxmlformats.org/markup-compatibility/2006">
-        <mc:Choice xmlns:a14="http://schemas.microsoft.com/office/drawing/2010/main" Requires="a14">
+      <mc:AlternateContent xmlns:mc="http://schemas.openxmlformats.org/markup-compatibility/2006" xmlns:a14="http://schemas.microsoft.com/office/drawing/2010/main">
+        <mc:Choice Requires="a14">
           <p:sp>
             <p:nvSpPr>
               <p:cNvPr id="14" name="TextBox 13">
@@ -8828,7 +8829,7 @@
             </p:txBody>
           </p:sp>
         </mc:Choice>
-        <mc:Fallback>
+        <mc:Fallback xmlns="">
           <p:sp>
             <p:nvSpPr>
               <p:cNvPr id="14" name="TextBox 13">
@@ -12450,6 +12451,1421 @@
 </p:sld>
 </file>
 
+<file path=ppt/slides/slide6.xml><?xml version="1.0" encoding="utf-8"?>
+<p:sld xmlns:a="http://schemas.openxmlformats.org/drawingml/2006/main" xmlns:r="http://schemas.openxmlformats.org/officeDocument/2006/relationships" xmlns:p="http://schemas.openxmlformats.org/presentationml/2006/main">
+  <p:cSld>
+    <p:spTree>
+      <p:nvGrpSpPr>
+        <p:cNvPr id="1" name=""/>
+        <p:cNvGrpSpPr/>
+        <p:nvPr/>
+      </p:nvGrpSpPr>
+      <p:grpSpPr>
+        <a:xfrm>
+          <a:off x="0" y="0"/>
+          <a:ext cx="0" cy="0"/>
+          <a:chOff x="0" y="0"/>
+          <a:chExt cx="0" cy="0"/>
+        </a:xfrm>
+      </p:grpSpPr>
+      <p:grpSp>
+        <p:nvGrpSpPr>
+          <p:cNvPr id="37" name="Group 36">
+            <a:extLst>
+              <a:ext uri="{FF2B5EF4-FFF2-40B4-BE49-F238E27FC236}">
+                <a16:creationId xmlns:a16="http://schemas.microsoft.com/office/drawing/2014/main" id="{8DA32174-9577-4EB4-B620-682E2A39EFE4}"/>
+              </a:ext>
+            </a:extLst>
+          </p:cNvPr>
+          <p:cNvGrpSpPr/>
+          <p:nvPr/>
+        </p:nvGrpSpPr>
+        <p:grpSpPr>
+          <a:xfrm>
+            <a:off x="1305615" y="236812"/>
+            <a:ext cx="9580769" cy="6384375"/>
+            <a:chOff x="1544850" y="702225"/>
+            <a:chExt cx="8097189" cy="5395756"/>
+          </a:xfrm>
+          <a:solidFill>
+            <a:schemeClr val="accent1">
+              <a:lumMod val="40000"/>
+              <a:lumOff val="60000"/>
+            </a:schemeClr>
+          </a:solidFill>
+        </p:grpSpPr>
+        <p:grpSp>
+          <p:nvGrpSpPr>
+            <p:cNvPr id="34" name="Group 33">
+              <a:extLst>
+                <a:ext uri="{FF2B5EF4-FFF2-40B4-BE49-F238E27FC236}">
+                  <a16:creationId xmlns:a16="http://schemas.microsoft.com/office/drawing/2014/main" id="{CAD42430-0A44-4CF4-BEF6-CD07E6574DC2}"/>
+                </a:ext>
+              </a:extLst>
+            </p:cNvPr>
+            <p:cNvGrpSpPr/>
+            <p:nvPr/>
+          </p:nvGrpSpPr>
+          <p:grpSpPr>
+            <a:xfrm>
+              <a:off x="1544850" y="702225"/>
+              <a:ext cx="8097189" cy="5395756"/>
+              <a:chOff x="1544850" y="702225"/>
+              <a:chExt cx="8097189" cy="5395756"/>
+            </a:xfrm>
+            <a:grpFill/>
+          </p:grpSpPr>
+          <p:grpSp>
+            <p:nvGrpSpPr>
+              <p:cNvPr id="30" name="Group 29">
+                <a:extLst>
+                  <a:ext uri="{FF2B5EF4-FFF2-40B4-BE49-F238E27FC236}">
+                    <a16:creationId xmlns:a16="http://schemas.microsoft.com/office/drawing/2014/main" id="{BB4EE07F-4DE8-43BD-9795-A7DA93D09380}"/>
+                  </a:ext>
+                </a:extLst>
+              </p:cNvPr>
+              <p:cNvGrpSpPr/>
+              <p:nvPr/>
+            </p:nvGrpSpPr>
+            <p:grpSpPr>
+              <a:xfrm>
+                <a:off x="1544850" y="702225"/>
+                <a:ext cx="6748250" cy="4046818"/>
+                <a:chOff x="1544850" y="702224"/>
+                <a:chExt cx="9094037" cy="5453549"/>
+              </a:xfrm>
+              <a:grpFill/>
+            </p:grpSpPr>
+            <p:sp>
+              <p:nvSpPr>
+                <p:cNvPr id="5" name="Rectangle 4">
+                  <a:extLst>
+                    <a:ext uri="{FF2B5EF4-FFF2-40B4-BE49-F238E27FC236}">
+                      <a16:creationId xmlns:a16="http://schemas.microsoft.com/office/drawing/2014/main" id="{1FFE9C1E-CC2F-4127-A310-3925901D10C6}"/>
+                    </a:ext>
+                  </a:extLst>
+                </p:cNvPr>
+                <p:cNvSpPr/>
+                <p:nvPr/>
+              </p:nvSpPr>
+              <p:spPr>
+                <a:xfrm>
+                  <a:off x="1544850" y="702226"/>
+                  <a:ext cx="1817849" cy="1817849"/>
+                </a:xfrm>
+                <a:prstGeom prst="rect">
+                  <a:avLst/>
+                </a:prstGeom>
+                <a:grpFill/>
+                <a:ln>
+                  <a:solidFill>
+                    <a:schemeClr val="tx1"/>
+                  </a:solidFill>
+                </a:ln>
+              </p:spPr>
+              <p:style>
+                <a:lnRef idx="2">
+                  <a:schemeClr val="accent1">
+                    <a:shade val="50000"/>
+                  </a:schemeClr>
+                </a:lnRef>
+                <a:fillRef idx="1">
+                  <a:schemeClr val="accent1"/>
+                </a:fillRef>
+                <a:effectRef idx="0">
+                  <a:schemeClr val="accent1"/>
+                </a:effectRef>
+                <a:fontRef idx="minor">
+                  <a:schemeClr val="lt1"/>
+                </a:fontRef>
+              </p:style>
+              <p:txBody>
+                <a:bodyPr rtlCol="0" anchor="ctr"/>
+                <a:lstStyle/>
+                <a:p>
+                  <a:pPr algn="ctr"/>
+                  <a:endParaRPr lang="en-AU"/>
+                </a:p>
+              </p:txBody>
+            </p:sp>
+            <p:sp>
+              <p:nvSpPr>
+                <p:cNvPr id="23" name="Rectangle 22">
+                  <a:extLst>
+                    <a:ext uri="{FF2B5EF4-FFF2-40B4-BE49-F238E27FC236}">
+                      <a16:creationId xmlns:a16="http://schemas.microsoft.com/office/drawing/2014/main" id="{A7F6F3CB-3C06-44B6-8A6F-2357574066CE}"/>
+                    </a:ext>
+                  </a:extLst>
+                </p:cNvPr>
+                <p:cNvSpPr/>
+                <p:nvPr/>
+              </p:nvSpPr>
+              <p:spPr>
+                <a:xfrm>
+                  <a:off x="3362699" y="2520075"/>
+                  <a:ext cx="1817849" cy="1817849"/>
+                </a:xfrm>
+                <a:prstGeom prst="rect">
+                  <a:avLst/>
+                </a:prstGeom>
+                <a:grpFill/>
+                <a:ln>
+                  <a:solidFill>
+                    <a:schemeClr val="tx1"/>
+                  </a:solidFill>
+                </a:ln>
+              </p:spPr>
+              <p:style>
+                <a:lnRef idx="2">
+                  <a:schemeClr val="accent1">
+                    <a:shade val="50000"/>
+                  </a:schemeClr>
+                </a:lnRef>
+                <a:fillRef idx="1">
+                  <a:schemeClr val="accent1"/>
+                </a:fillRef>
+                <a:effectRef idx="0">
+                  <a:schemeClr val="accent1"/>
+                </a:effectRef>
+                <a:fontRef idx="minor">
+                  <a:schemeClr val="lt1"/>
+                </a:fontRef>
+              </p:style>
+              <p:txBody>
+                <a:bodyPr rtlCol="0" anchor="ctr"/>
+                <a:lstStyle/>
+                <a:p>
+                  <a:pPr algn="ctr"/>
+                  <a:endParaRPr lang="en-AU"/>
+                </a:p>
+              </p:txBody>
+            </p:sp>
+            <p:sp>
+              <p:nvSpPr>
+                <p:cNvPr id="24" name="Rectangle 23">
+                  <a:extLst>
+                    <a:ext uri="{FF2B5EF4-FFF2-40B4-BE49-F238E27FC236}">
+                      <a16:creationId xmlns:a16="http://schemas.microsoft.com/office/drawing/2014/main" id="{0316034B-00C6-4A30-9980-730E255AF4D9}"/>
+                    </a:ext>
+                  </a:extLst>
+                </p:cNvPr>
+                <p:cNvSpPr/>
+                <p:nvPr/>
+              </p:nvSpPr>
+              <p:spPr>
+                <a:xfrm>
+                  <a:off x="5180547" y="702225"/>
+                  <a:ext cx="1817849" cy="1817849"/>
+                </a:xfrm>
+                <a:prstGeom prst="rect">
+                  <a:avLst/>
+                </a:prstGeom>
+                <a:grpFill/>
+                <a:ln>
+                  <a:solidFill>
+                    <a:schemeClr val="tx1"/>
+                  </a:solidFill>
+                </a:ln>
+              </p:spPr>
+              <p:style>
+                <a:lnRef idx="2">
+                  <a:schemeClr val="accent1">
+                    <a:shade val="50000"/>
+                  </a:schemeClr>
+                </a:lnRef>
+                <a:fillRef idx="1">
+                  <a:schemeClr val="accent1"/>
+                </a:fillRef>
+                <a:effectRef idx="0">
+                  <a:schemeClr val="accent1"/>
+                </a:effectRef>
+                <a:fontRef idx="minor">
+                  <a:schemeClr val="lt1"/>
+                </a:fontRef>
+              </p:style>
+              <p:txBody>
+                <a:bodyPr rtlCol="0" anchor="ctr"/>
+                <a:lstStyle/>
+                <a:p>
+                  <a:pPr algn="ctr"/>
+                  <a:endParaRPr lang="en-AU"/>
+                </a:p>
+              </p:txBody>
+            </p:sp>
+            <p:sp>
+              <p:nvSpPr>
+                <p:cNvPr id="25" name="Rectangle 24">
+                  <a:extLst>
+                    <a:ext uri="{FF2B5EF4-FFF2-40B4-BE49-F238E27FC236}">
+                      <a16:creationId xmlns:a16="http://schemas.microsoft.com/office/drawing/2014/main" id="{99CAB966-BC74-4CD4-9218-53C91E34314B}"/>
+                    </a:ext>
+                  </a:extLst>
+                </p:cNvPr>
+                <p:cNvSpPr/>
+                <p:nvPr/>
+              </p:nvSpPr>
+              <p:spPr>
+                <a:xfrm>
+                  <a:off x="7003190" y="2520075"/>
+                  <a:ext cx="1817849" cy="1817849"/>
+                </a:xfrm>
+                <a:prstGeom prst="rect">
+                  <a:avLst/>
+                </a:prstGeom>
+                <a:grpFill/>
+                <a:ln>
+                  <a:solidFill>
+                    <a:schemeClr val="tx1"/>
+                  </a:solidFill>
+                </a:ln>
+              </p:spPr>
+              <p:style>
+                <a:lnRef idx="2">
+                  <a:schemeClr val="accent1">
+                    <a:shade val="50000"/>
+                  </a:schemeClr>
+                </a:lnRef>
+                <a:fillRef idx="1">
+                  <a:schemeClr val="accent1"/>
+                </a:fillRef>
+                <a:effectRef idx="0">
+                  <a:schemeClr val="accent1"/>
+                </a:effectRef>
+                <a:fontRef idx="minor">
+                  <a:schemeClr val="lt1"/>
+                </a:fontRef>
+              </p:style>
+              <p:txBody>
+                <a:bodyPr rtlCol="0" anchor="ctr"/>
+                <a:lstStyle/>
+                <a:p>
+                  <a:pPr algn="ctr"/>
+                  <a:endParaRPr lang="en-AU"/>
+                </a:p>
+              </p:txBody>
+            </p:sp>
+            <p:sp>
+              <p:nvSpPr>
+                <p:cNvPr id="26" name="Rectangle 25">
+                  <a:extLst>
+                    <a:ext uri="{FF2B5EF4-FFF2-40B4-BE49-F238E27FC236}">
+                      <a16:creationId xmlns:a16="http://schemas.microsoft.com/office/drawing/2014/main" id="{EFF4B106-4E1C-4E63-ACE1-B070FFC6F850}"/>
+                    </a:ext>
+                  </a:extLst>
+                </p:cNvPr>
+                <p:cNvSpPr/>
+                <p:nvPr/>
+              </p:nvSpPr>
+              <p:spPr>
+                <a:xfrm>
+                  <a:off x="1544850" y="4337924"/>
+                  <a:ext cx="1817849" cy="1817849"/>
+                </a:xfrm>
+                <a:prstGeom prst="rect">
+                  <a:avLst/>
+                </a:prstGeom>
+                <a:grpFill/>
+                <a:ln>
+                  <a:solidFill>
+                    <a:schemeClr val="tx1"/>
+                  </a:solidFill>
+                </a:ln>
+              </p:spPr>
+              <p:style>
+                <a:lnRef idx="2">
+                  <a:schemeClr val="accent1">
+                    <a:shade val="50000"/>
+                  </a:schemeClr>
+                </a:lnRef>
+                <a:fillRef idx="1">
+                  <a:schemeClr val="accent1"/>
+                </a:fillRef>
+                <a:effectRef idx="0">
+                  <a:schemeClr val="accent1"/>
+                </a:effectRef>
+                <a:fontRef idx="minor">
+                  <a:schemeClr val="lt1"/>
+                </a:fontRef>
+              </p:style>
+              <p:txBody>
+                <a:bodyPr rtlCol="0" anchor="ctr"/>
+                <a:lstStyle/>
+                <a:p>
+                  <a:pPr algn="ctr"/>
+                  <a:endParaRPr lang="en-AU"/>
+                </a:p>
+              </p:txBody>
+            </p:sp>
+            <p:sp>
+              <p:nvSpPr>
+                <p:cNvPr id="27" name="Rectangle 26">
+                  <a:extLst>
+                    <a:ext uri="{FF2B5EF4-FFF2-40B4-BE49-F238E27FC236}">
+                      <a16:creationId xmlns:a16="http://schemas.microsoft.com/office/drawing/2014/main" id="{FBF928C9-DBA3-4B5A-B86E-455AB5887DC3}"/>
+                    </a:ext>
+                  </a:extLst>
+                </p:cNvPr>
+                <p:cNvSpPr/>
+                <p:nvPr/>
+              </p:nvSpPr>
+              <p:spPr>
+                <a:xfrm>
+                  <a:off x="5180548" y="4337922"/>
+                  <a:ext cx="1817849" cy="1817849"/>
+                </a:xfrm>
+                <a:prstGeom prst="rect">
+                  <a:avLst/>
+                </a:prstGeom>
+                <a:grpFill/>
+                <a:ln>
+                  <a:solidFill>
+                    <a:schemeClr val="tx1"/>
+                  </a:solidFill>
+                </a:ln>
+              </p:spPr>
+              <p:style>
+                <a:lnRef idx="2">
+                  <a:schemeClr val="accent1">
+                    <a:shade val="50000"/>
+                  </a:schemeClr>
+                </a:lnRef>
+                <a:fillRef idx="1">
+                  <a:schemeClr val="accent1"/>
+                </a:fillRef>
+                <a:effectRef idx="0">
+                  <a:schemeClr val="accent1"/>
+                </a:effectRef>
+                <a:fontRef idx="minor">
+                  <a:schemeClr val="lt1"/>
+                </a:fontRef>
+              </p:style>
+              <p:txBody>
+                <a:bodyPr rtlCol="0" anchor="ctr"/>
+                <a:lstStyle/>
+                <a:p>
+                  <a:pPr algn="ctr"/>
+                  <a:endParaRPr lang="en-AU"/>
+                </a:p>
+              </p:txBody>
+            </p:sp>
+            <p:sp>
+              <p:nvSpPr>
+                <p:cNvPr id="28" name="Rectangle 27">
+                  <a:extLst>
+                    <a:ext uri="{FF2B5EF4-FFF2-40B4-BE49-F238E27FC236}">
+                      <a16:creationId xmlns:a16="http://schemas.microsoft.com/office/drawing/2014/main" id="{03186AF0-303A-4EE4-8177-6431C8983F04}"/>
+                    </a:ext>
+                  </a:extLst>
+                </p:cNvPr>
+                <p:cNvSpPr/>
+                <p:nvPr/>
+              </p:nvSpPr>
+              <p:spPr>
+                <a:xfrm>
+                  <a:off x="8821038" y="702224"/>
+                  <a:ext cx="1817849" cy="1817849"/>
+                </a:xfrm>
+                <a:prstGeom prst="rect">
+                  <a:avLst/>
+                </a:prstGeom>
+                <a:grpFill/>
+                <a:ln>
+                  <a:solidFill>
+                    <a:schemeClr val="tx1"/>
+                  </a:solidFill>
+                </a:ln>
+              </p:spPr>
+              <p:style>
+                <a:lnRef idx="2">
+                  <a:schemeClr val="accent1">
+                    <a:shade val="50000"/>
+                  </a:schemeClr>
+                </a:lnRef>
+                <a:fillRef idx="1">
+                  <a:schemeClr val="accent1"/>
+                </a:fillRef>
+                <a:effectRef idx="0">
+                  <a:schemeClr val="accent1"/>
+                </a:effectRef>
+                <a:fontRef idx="minor">
+                  <a:schemeClr val="lt1"/>
+                </a:fontRef>
+              </p:style>
+              <p:txBody>
+                <a:bodyPr rtlCol="0" anchor="ctr"/>
+                <a:lstStyle/>
+                <a:p>
+                  <a:pPr algn="ctr"/>
+                  <a:endParaRPr lang="en-AU"/>
+                </a:p>
+              </p:txBody>
+            </p:sp>
+            <p:sp>
+              <p:nvSpPr>
+                <p:cNvPr id="29" name="Rectangle 28">
+                  <a:extLst>
+                    <a:ext uri="{FF2B5EF4-FFF2-40B4-BE49-F238E27FC236}">
+                      <a16:creationId xmlns:a16="http://schemas.microsoft.com/office/drawing/2014/main" id="{48727389-9B22-4D23-A1BB-FDB74A417736}"/>
+                    </a:ext>
+                  </a:extLst>
+                </p:cNvPr>
+                <p:cNvSpPr/>
+                <p:nvPr/>
+              </p:nvSpPr>
+              <p:spPr>
+                <a:xfrm>
+                  <a:off x="8821038" y="4337922"/>
+                  <a:ext cx="1817849" cy="1817849"/>
+                </a:xfrm>
+                <a:prstGeom prst="rect">
+                  <a:avLst/>
+                </a:prstGeom>
+                <a:grpFill/>
+                <a:ln>
+                  <a:solidFill>
+                    <a:schemeClr val="tx1"/>
+                  </a:solidFill>
+                </a:ln>
+              </p:spPr>
+              <p:style>
+                <a:lnRef idx="2">
+                  <a:schemeClr val="accent1">
+                    <a:shade val="50000"/>
+                  </a:schemeClr>
+                </a:lnRef>
+                <a:fillRef idx="1">
+                  <a:schemeClr val="accent1"/>
+                </a:fillRef>
+                <a:effectRef idx="0">
+                  <a:schemeClr val="accent1"/>
+                </a:effectRef>
+                <a:fontRef idx="minor">
+                  <a:schemeClr val="lt1"/>
+                </a:fontRef>
+              </p:style>
+              <p:txBody>
+                <a:bodyPr rtlCol="0" anchor="ctr"/>
+                <a:lstStyle/>
+                <a:p>
+                  <a:pPr algn="ctr"/>
+                  <a:endParaRPr lang="en-AU"/>
+                </a:p>
+              </p:txBody>
+            </p:sp>
+          </p:grpSp>
+          <p:sp>
+            <p:nvSpPr>
+              <p:cNvPr id="31" name="Rectangle 30">
+                <a:extLst>
+                  <a:ext uri="{FF2B5EF4-FFF2-40B4-BE49-F238E27FC236}">
+                    <a16:creationId xmlns:a16="http://schemas.microsoft.com/office/drawing/2014/main" id="{60943498-B4C2-4208-966C-4C789080B42B}"/>
+                  </a:ext>
+                </a:extLst>
+              </p:cNvPr>
+              <p:cNvSpPr/>
+              <p:nvPr/>
+            </p:nvSpPr>
+            <p:spPr>
+              <a:xfrm>
+                <a:off x="2893789" y="4749042"/>
+                <a:ext cx="1348939" cy="1348939"/>
+              </a:xfrm>
+              <a:prstGeom prst="rect">
+                <a:avLst/>
+              </a:prstGeom>
+              <a:grpFill/>
+              <a:ln>
+                <a:solidFill>
+                  <a:schemeClr val="tx1"/>
+                </a:solidFill>
+              </a:ln>
+            </p:spPr>
+            <p:style>
+              <a:lnRef idx="2">
+                <a:schemeClr val="accent1">
+                  <a:shade val="50000"/>
+                </a:schemeClr>
+              </a:lnRef>
+              <a:fillRef idx="1">
+                <a:schemeClr val="accent1"/>
+              </a:fillRef>
+              <a:effectRef idx="0">
+                <a:schemeClr val="accent1"/>
+              </a:effectRef>
+              <a:fontRef idx="minor">
+                <a:schemeClr val="lt1"/>
+              </a:fontRef>
+            </p:style>
+            <p:txBody>
+              <a:bodyPr rtlCol="0" anchor="ctr"/>
+              <a:lstStyle/>
+              <a:p>
+                <a:pPr algn="ctr"/>
+                <a:endParaRPr lang="en-AU"/>
+              </a:p>
+            </p:txBody>
+          </p:sp>
+          <p:sp>
+            <p:nvSpPr>
+              <p:cNvPr id="32" name="Rectangle 31">
+                <a:extLst>
+                  <a:ext uri="{FF2B5EF4-FFF2-40B4-BE49-F238E27FC236}">
+                    <a16:creationId xmlns:a16="http://schemas.microsoft.com/office/drawing/2014/main" id="{9CFCF300-66A8-4085-B841-850D7B1B8B10}"/>
+                  </a:ext>
+                </a:extLst>
+              </p:cNvPr>
+              <p:cNvSpPr/>
+              <p:nvPr/>
+            </p:nvSpPr>
+            <p:spPr>
+              <a:xfrm>
+                <a:off x="5591667" y="4749041"/>
+                <a:ext cx="1348939" cy="1348939"/>
+              </a:xfrm>
+              <a:prstGeom prst="rect">
+                <a:avLst/>
+              </a:prstGeom>
+              <a:grpFill/>
+              <a:ln>
+                <a:solidFill>
+                  <a:schemeClr val="tx1"/>
+                </a:solidFill>
+              </a:ln>
+            </p:spPr>
+            <p:style>
+              <a:lnRef idx="2">
+                <a:schemeClr val="accent1">
+                  <a:shade val="50000"/>
+                </a:schemeClr>
+              </a:lnRef>
+              <a:fillRef idx="1">
+                <a:schemeClr val="accent1"/>
+              </a:fillRef>
+              <a:effectRef idx="0">
+                <a:schemeClr val="accent1"/>
+              </a:effectRef>
+              <a:fontRef idx="minor">
+                <a:schemeClr val="lt1"/>
+              </a:fontRef>
+            </p:style>
+            <p:txBody>
+              <a:bodyPr rtlCol="0" anchor="ctr"/>
+              <a:lstStyle/>
+              <a:p>
+                <a:pPr algn="ctr"/>
+                <a:endParaRPr lang="en-AU"/>
+              </a:p>
+            </p:txBody>
+          </p:sp>
+          <p:sp>
+            <p:nvSpPr>
+              <p:cNvPr id="33" name="Rectangle 32">
+                <a:extLst>
+                  <a:ext uri="{FF2B5EF4-FFF2-40B4-BE49-F238E27FC236}">
+                    <a16:creationId xmlns:a16="http://schemas.microsoft.com/office/drawing/2014/main" id="{5BB12939-3D7C-45F5-82E6-343F408BB4C6}"/>
+                  </a:ext>
+                </a:extLst>
+              </p:cNvPr>
+              <p:cNvSpPr/>
+              <p:nvPr/>
+            </p:nvSpPr>
+            <p:spPr>
+              <a:xfrm>
+                <a:off x="8293100" y="4749041"/>
+                <a:ext cx="1348939" cy="1348939"/>
+              </a:xfrm>
+              <a:prstGeom prst="rect">
+                <a:avLst/>
+              </a:prstGeom>
+              <a:grpFill/>
+              <a:ln>
+                <a:solidFill>
+                  <a:schemeClr val="tx1"/>
+                </a:solidFill>
+              </a:ln>
+            </p:spPr>
+            <p:style>
+              <a:lnRef idx="2">
+                <a:schemeClr val="accent1">
+                  <a:shade val="50000"/>
+                </a:schemeClr>
+              </a:lnRef>
+              <a:fillRef idx="1">
+                <a:schemeClr val="accent1"/>
+              </a:fillRef>
+              <a:effectRef idx="0">
+                <a:schemeClr val="accent1"/>
+              </a:effectRef>
+              <a:fontRef idx="minor">
+                <a:schemeClr val="lt1"/>
+              </a:fontRef>
+            </p:style>
+            <p:txBody>
+              <a:bodyPr rtlCol="0" anchor="ctr"/>
+              <a:lstStyle/>
+              <a:p>
+                <a:pPr algn="ctr"/>
+                <a:endParaRPr lang="en-AU"/>
+              </a:p>
+            </p:txBody>
+          </p:sp>
+        </p:grpSp>
+        <p:sp>
+          <p:nvSpPr>
+            <p:cNvPr id="35" name="Rectangle 34">
+              <a:extLst>
+                <a:ext uri="{FF2B5EF4-FFF2-40B4-BE49-F238E27FC236}">
+                  <a16:creationId xmlns:a16="http://schemas.microsoft.com/office/drawing/2014/main" id="{841C40D5-34B9-45C8-9FED-56D745D40F92}"/>
+                </a:ext>
+              </a:extLst>
+            </p:cNvPr>
+            <p:cNvSpPr/>
+            <p:nvPr/>
+          </p:nvSpPr>
+          <p:spPr>
+            <a:xfrm>
+              <a:off x="8293100" y="2051163"/>
+              <a:ext cx="1348939" cy="1348939"/>
+            </a:xfrm>
+            <a:prstGeom prst="rect">
+              <a:avLst/>
+            </a:prstGeom>
+            <a:grpFill/>
+            <a:ln>
+              <a:solidFill>
+                <a:schemeClr val="tx1"/>
+              </a:solidFill>
+            </a:ln>
+          </p:spPr>
+          <p:style>
+            <a:lnRef idx="2">
+              <a:schemeClr val="accent1">
+                <a:shade val="50000"/>
+              </a:schemeClr>
+            </a:lnRef>
+            <a:fillRef idx="1">
+              <a:schemeClr val="accent1"/>
+            </a:fillRef>
+            <a:effectRef idx="0">
+              <a:schemeClr val="accent1"/>
+            </a:effectRef>
+            <a:fontRef idx="minor">
+              <a:schemeClr val="lt1"/>
+            </a:fontRef>
+          </p:style>
+          <p:txBody>
+            <a:bodyPr rtlCol="0" anchor="ctr"/>
+            <a:lstStyle/>
+            <a:p>
+              <a:pPr algn="ctr"/>
+              <a:endParaRPr lang="en-AU"/>
+            </a:p>
+          </p:txBody>
+        </p:sp>
+      </p:grpSp>
+      <p:sp>
+        <p:nvSpPr>
+          <p:cNvPr id="38" name="Oval 37">
+            <a:extLst>
+              <a:ext uri="{FF2B5EF4-FFF2-40B4-BE49-F238E27FC236}">
+                <a16:creationId xmlns:a16="http://schemas.microsoft.com/office/drawing/2014/main" id="{E4514DD7-6C6E-4C4D-AE25-ECA194651449}"/>
+              </a:ext>
+            </a:extLst>
+          </p:cNvPr>
+          <p:cNvSpPr/>
+          <p:nvPr/>
+        </p:nvSpPr>
+        <p:spPr>
+          <a:xfrm>
+            <a:off x="2792725" y="1728130"/>
+            <a:ext cx="209550" cy="209550"/>
+          </a:xfrm>
+          <a:prstGeom prst="ellipse">
+            <a:avLst/>
+          </a:prstGeom>
+        </p:spPr>
+        <p:style>
+          <a:lnRef idx="2">
+            <a:schemeClr val="dk1">
+              <a:shade val="50000"/>
+            </a:schemeClr>
+          </a:lnRef>
+          <a:fillRef idx="1">
+            <a:schemeClr val="dk1"/>
+          </a:fillRef>
+          <a:effectRef idx="0">
+            <a:schemeClr val="dk1"/>
+          </a:effectRef>
+          <a:fontRef idx="minor">
+            <a:schemeClr val="lt1"/>
+          </a:fontRef>
+        </p:style>
+        <p:txBody>
+          <a:bodyPr rtlCol="0" anchor="ctr"/>
+          <a:lstStyle/>
+          <a:p>
+            <a:pPr algn="ctr"/>
+            <a:endParaRPr lang="en-AU"/>
+          </a:p>
+        </p:txBody>
+      </p:sp>
+      <p:sp>
+        <p:nvSpPr>
+          <p:cNvPr id="39" name="Oval 38">
+            <a:extLst>
+              <a:ext uri="{FF2B5EF4-FFF2-40B4-BE49-F238E27FC236}">
+                <a16:creationId xmlns:a16="http://schemas.microsoft.com/office/drawing/2014/main" id="{C4736DAC-8874-4686-A6CA-9F47DC5BA479}"/>
+              </a:ext>
+            </a:extLst>
+          </p:cNvPr>
+          <p:cNvSpPr/>
+          <p:nvPr/>
+        </p:nvSpPr>
+        <p:spPr>
+          <a:xfrm>
+            <a:off x="2792725" y="3324221"/>
+            <a:ext cx="209550" cy="209550"/>
+          </a:xfrm>
+          <a:prstGeom prst="ellipse">
+            <a:avLst/>
+          </a:prstGeom>
+        </p:spPr>
+        <p:style>
+          <a:lnRef idx="2">
+            <a:schemeClr val="dk1">
+              <a:shade val="50000"/>
+            </a:schemeClr>
+          </a:lnRef>
+          <a:fillRef idx="1">
+            <a:schemeClr val="dk1"/>
+          </a:fillRef>
+          <a:effectRef idx="0">
+            <a:schemeClr val="dk1"/>
+          </a:effectRef>
+          <a:fontRef idx="minor">
+            <a:schemeClr val="lt1"/>
+          </a:fontRef>
+        </p:style>
+        <p:txBody>
+          <a:bodyPr rtlCol="0" anchor="ctr"/>
+          <a:lstStyle/>
+          <a:p>
+            <a:pPr algn="ctr"/>
+            <a:endParaRPr lang="en-AU"/>
+          </a:p>
+        </p:txBody>
+      </p:sp>
+      <p:sp>
+        <p:nvSpPr>
+          <p:cNvPr id="40" name="Oval 39">
+            <a:extLst>
+              <a:ext uri="{FF2B5EF4-FFF2-40B4-BE49-F238E27FC236}">
+                <a16:creationId xmlns:a16="http://schemas.microsoft.com/office/drawing/2014/main" id="{855EE0F2-F9E5-4DA9-859E-3275ADC3D63C}"/>
+              </a:ext>
+            </a:extLst>
+          </p:cNvPr>
+          <p:cNvSpPr/>
+          <p:nvPr/>
+        </p:nvSpPr>
+        <p:spPr>
+          <a:xfrm>
+            <a:off x="2792725" y="4920312"/>
+            <a:ext cx="209550" cy="209550"/>
+          </a:xfrm>
+          <a:prstGeom prst="ellipse">
+            <a:avLst/>
+          </a:prstGeom>
+        </p:spPr>
+        <p:style>
+          <a:lnRef idx="2">
+            <a:schemeClr val="dk1">
+              <a:shade val="50000"/>
+            </a:schemeClr>
+          </a:lnRef>
+          <a:fillRef idx="1">
+            <a:schemeClr val="dk1"/>
+          </a:fillRef>
+          <a:effectRef idx="0">
+            <a:schemeClr val="dk1"/>
+          </a:effectRef>
+          <a:fontRef idx="minor">
+            <a:schemeClr val="lt1"/>
+          </a:fontRef>
+        </p:style>
+        <p:txBody>
+          <a:bodyPr rtlCol="0" anchor="ctr"/>
+          <a:lstStyle/>
+          <a:p>
+            <a:pPr algn="ctr"/>
+            <a:endParaRPr lang="en-AU"/>
+          </a:p>
+        </p:txBody>
+      </p:sp>
+      <p:sp>
+        <p:nvSpPr>
+          <p:cNvPr id="41" name="Oval 40">
+            <a:extLst>
+              <a:ext uri="{FF2B5EF4-FFF2-40B4-BE49-F238E27FC236}">
+                <a16:creationId xmlns:a16="http://schemas.microsoft.com/office/drawing/2014/main" id="{3273B89A-AF64-4C2E-A82C-41FFB1AC68A5}"/>
+              </a:ext>
+            </a:extLst>
+          </p:cNvPr>
+          <p:cNvSpPr/>
+          <p:nvPr/>
+        </p:nvSpPr>
+        <p:spPr>
+          <a:xfrm>
+            <a:off x="4367903" y="4920312"/>
+            <a:ext cx="209550" cy="209550"/>
+          </a:xfrm>
+          <a:prstGeom prst="ellipse">
+            <a:avLst/>
+          </a:prstGeom>
+        </p:spPr>
+        <p:style>
+          <a:lnRef idx="2">
+            <a:schemeClr val="dk1">
+              <a:shade val="50000"/>
+            </a:schemeClr>
+          </a:lnRef>
+          <a:fillRef idx="1">
+            <a:schemeClr val="dk1"/>
+          </a:fillRef>
+          <a:effectRef idx="0">
+            <a:schemeClr val="dk1"/>
+          </a:effectRef>
+          <a:fontRef idx="minor">
+            <a:schemeClr val="lt1"/>
+          </a:fontRef>
+        </p:style>
+        <p:txBody>
+          <a:bodyPr rtlCol="0" anchor="ctr"/>
+          <a:lstStyle/>
+          <a:p>
+            <a:pPr algn="ctr"/>
+            <a:endParaRPr lang="en-AU"/>
+          </a:p>
+        </p:txBody>
+      </p:sp>
+      <p:sp>
+        <p:nvSpPr>
+          <p:cNvPr id="42" name="Oval 41">
+            <a:extLst>
+              <a:ext uri="{FF2B5EF4-FFF2-40B4-BE49-F238E27FC236}">
+                <a16:creationId xmlns:a16="http://schemas.microsoft.com/office/drawing/2014/main" id="{C73CEAB2-F6F7-4883-B62A-E446359DC4F5}"/>
+              </a:ext>
+            </a:extLst>
+          </p:cNvPr>
+          <p:cNvSpPr/>
+          <p:nvPr/>
+        </p:nvSpPr>
+        <p:spPr>
+          <a:xfrm>
+            <a:off x="4388817" y="3324410"/>
+            <a:ext cx="209550" cy="209550"/>
+          </a:xfrm>
+          <a:prstGeom prst="ellipse">
+            <a:avLst/>
+          </a:prstGeom>
+        </p:spPr>
+        <p:style>
+          <a:lnRef idx="2">
+            <a:schemeClr val="dk1">
+              <a:shade val="50000"/>
+            </a:schemeClr>
+          </a:lnRef>
+          <a:fillRef idx="1">
+            <a:schemeClr val="dk1"/>
+          </a:fillRef>
+          <a:effectRef idx="0">
+            <a:schemeClr val="dk1"/>
+          </a:effectRef>
+          <a:fontRef idx="minor">
+            <a:schemeClr val="lt1"/>
+          </a:fontRef>
+        </p:style>
+        <p:txBody>
+          <a:bodyPr rtlCol="0" anchor="ctr"/>
+          <a:lstStyle/>
+          <a:p>
+            <a:pPr algn="ctr"/>
+            <a:endParaRPr lang="en-AU"/>
+          </a:p>
+        </p:txBody>
+      </p:sp>
+      <p:sp>
+        <p:nvSpPr>
+          <p:cNvPr id="43" name="Oval 42">
+            <a:extLst>
+              <a:ext uri="{FF2B5EF4-FFF2-40B4-BE49-F238E27FC236}">
+                <a16:creationId xmlns:a16="http://schemas.microsoft.com/office/drawing/2014/main" id="{BEB333B2-A17E-4A54-A84F-503167DEA427}"/>
+              </a:ext>
+            </a:extLst>
+          </p:cNvPr>
+          <p:cNvSpPr/>
+          <p:nvPr/>
+        </p:nvSpPr>
+        <p:spPr>
+          <a:xfrm>
+            <a:off x="4367903" y="1728130"/>
+            <a:ext cx="209550" cy="209550"/>
+          </a:xfrm>
+          <a:prstGeom prst="ellipse">
+            <a:avLst/>
+          </a:prstGeom>
+        </p:spPr>
+        <p:style>
+          <a:lnRef idx="2">
+            <a:schemeClr val="dk1">
+              <a:shade val="50000"/>
+            </a:schemeClr>
+          </a:lnRef>
+          <a:fillRef idx="1">
+            <a:schemeClr val="dk1"/>
+          </a:fillRef>
+          <a:effectRef idx="0">
+            <a:schemeClr val="dk1"/>
+          </a:effectRef>
+          <a:fontRef idx="minor">
+            <a:schemeClr val="lt1"/>
+          </a:fontRef>
+        </p:style>
+        <p:txBody>
+          <a:bodyPr rtlCol="0" anchor="ctr"/>
+          <a:lstStyle/>
+          <a:p>
+            <a:pPr algn="ctr"/>
+            <a:endParaRPr lang="en-AU"/>
+          </a:p>
+        </p:txBody>
+      </p:sp>
+      <p:sp>
+        <p:nvSpPr>
+          <p:cNvPr id="44" name="Oval 43">
+            <a:extLst>
+              <a:ext uri="{FF2B5EF4-FFF2-40B4-BE49-F238E27FC236}">
+                <a16:creationId xmlns:a16="http://schemas.microsoft.com/office/drawing/2014/main" id="{8F26A3ED-1B7C-40EE-AE9F-1E47FC49F3D4}"/>
+              </a:ext>
+            </a:extLst>
+          </p:cNvPr>
+          <p:cNvSpPr/>
+          <p:nvPr/>
+        </p:nvSpPr>
+        <p:spPr>
+          <a:xfrm>
+            <a:off x="5989120" y="1728130"/>
+            <a:ext cx="209550" cy="209550"/>
+          </a:xfrm>
+          <a:prstGeom prst="ellipse">
+            <a:avLst/>
+          </a:prstGeom>
+        </p:spPr>
+        <p:style>
+          <a:lnRef idx="2">
+            <a:schemeClr val="dk1">
+              <a:shade val="50000"/>
+            </a:schemeClr>
+          </a:lnRef>
+          <a:fillRef idx="1">
+            <a:schemeClr val="dk1"/>
+          </a:fillRef>
+          <a:effectRef idx="0">
+            <a:schemeClr val="dk1"/>
+          </a:effectRef>
+          <a:fontRef idx="minor">
+            <a:schemeClr val="lt1"/>
+          </a:fontRef>
+        </p:style>
+        <p:txBody>
+          <a:bodyPr rtlCol="0" anchor="ctr"/>
+          <a:lstStyle/>
+          <a:p>
+            <a:pPr algn="ctr"/>
+            <a:endParaRPr lang="en-AU"/>
+          </a:p>
+        </p:txBody>
+      </p:sp>
+      <p:sp>
+        <p:nvSpPr>
+          <p:cNvPr id="45" name="Oval 44">
+            <a:extLst>
+              <a:ext uri="{FF2B5EF4-FFF2-40B4-BE49-F238E27FC236}">
+                <a16:creationId xmlns:a16="http://schemas.microsoft.com/office/drawing/2014/main" id="{D901F0A4-F0A2-49DB-A50E-8A4E117CD4CD}"/>
+              </a:ext>
+            </a:extLst>
+          </p:cNvPr>
+          <p:cNvSpPr/>
+          <p:nvPr/>
+        </p:nvSpPr>
+        <p:spPr>
+          <a:xfrm>
+            <a:off x="5989119" y="3324225"/>
+            <a:ext cx="209550" cy="209550"/>
+          </a:xfrm>
+          <a:prstGeom prst="ellipse">
+            <a:avLst/>
+          </a:prstGeom>
+        </p:spPr>
+        <p:style>
+          <a:lnRef idx="2">
+            <a:schemeClr val="dk1">
+              <a:shade val="50000"/>
+            </a:schemeClr>
+          </a:lnRef>
+          <a:fillRef idx="1">
+            <a:schemeClr val="dk1"/>
+          </a:fillRef>
+          <a:effectRef idx="0">
+            <a:schemeClr val="dk1"/>
+          </a:effectRef>
+          <a:fontRef idx="minor">
+            <a:schemeClr val="lt1"/>
+          </a:fontRef>
+        </p:style>
+        <p:txBody>
+          <a:bodyPr rtlCol="0" anchor="ctr"/>
+          <a:lstStyle/>
+          <a:p>
+            <a:pPr algn="ctr"/>
+            <a:endParaRPr lang="en-AU"/>
+          </a:p>
+        </p:txBody>
+      </p:sp>
+      <p:sp>
+        <p:nvSpPr>
+          <p:cNvPr id="46" name="Oval 45">
+            <a:extLst>
+              <a:ext uri="{FF2B5EF4-FFF2-40B4-BE49-F238E27FC236}">
+                <a16:creationId xmlns:a16="http://schemas.microsoft.com/office/drawing/2014/main" id="{D9A03A86-CCB1-4B4E-96D5-C99E9DBE429E}"/>
+              </a:ext>
+            </a:extLst>
+          </p:cNvPr>
+          <p:cNvSpPr/>
+          <p:nvPr/>
+        </p:nvSpPr>
+        <p:spPr>
+          <a:xfrm>
+            <a:off x="5989119" y="4920312"/>
+            <a:ext cx="209550" cy="209550"/>
+          </a:xfrm>
+          <a:prstGeom prst="ellipse">
+            <a:avLst/>
+          </a:prstGeom>
+        </p:spPr>
+        <p:style>
+          <a:lnRef idx="2">
+            <a:schemeClr val="dk1">
+              <a:shade val="50000"/>
+            </a:schemeClr>
+          </a:lnRef>
+          <a:fillRef idx="1">
+            <a:schemeClr val="dk1"/>
+          </a:fillRef>
+          <a:effectRef idx="0">
+            <a:schemeClr val="dk1"/>
+          </a:effectRef>
+          <a:fontRef idx="minor">
+            <a:schemeClr val="lt1"/>
+          </a:fontRef>
+        </p:style>
+        <p:txBody>
+          <a:bodyPr rtlCol="0" anchor="ctr"/>
+          <a:lstStyle/>
+          <a:p>
+            <a:pPr algn="ctr"/>
+            <a:endParaRPr lang="en-AU"/>
+          </a:p>
+        </p:txBody>
+      </p:sp>
+      <p:sp>
+        <p:nvSpPr>
+          <p:cNvPr id="47" name="Oval 46">
+            <a:extLst>
+              <a:ext uri="{FF2B5EF4-FFF2-40B4-BE49-F238E27FC236}">
+                <a16:creationId xmlns:a16="http://schemas.microsoft.com/office/drawing/2014/main" id="{10F08D70-5A71-469C-AFDA-B40F9BA8B845}"/>
+              </a:ext>
+            </a:extLst>
+          </p:cNvPr>
+          <p:cNvSpPr/>
+          <p:nvPr/>
+        </p:nvSpPr>
+        <p:spPr>
+          <a:xfrm>
+            <a:off x="7585211" y="1728135"/>
+            <a:ext cx="209550" cy="209550"/>
+          </a:xfrm>
+          <a:prstGeom prst="ellipse">
+            <a:avLst/>
+          </a:prstGeom>
+        </p:spPr>
+        <p:style>
+          <a:lnRef idx="2">
+            <a:schemeClr val="dk1">
+              <a:shade val="50000"/>
+            </a:schemeClr>
+          </a:lnRef>
+          <a:fillRef idx="1">
+            <a:schemeClr val="dk1"/>
+          </a:fillRef>
+          <a:effectRef idx="0">
+            <a:schemeClr val="dk1"/>
+          </a:effectRef>
+          <a:fontRef idx="minor">
+            <a:schemeClr val="lt1"/>
+          </a:fontRef>
+        </p:style>
+        <p:txBody>
+          <a:bodyPr rtlCol="0" anchor="ctr"/>
+          <a:lstStyle/>
+          <a:p>
+            <a:pPr algn="ctr"/>
+            <a:endParaRPr lang="en-AU"/>
+          </a:p>
+        </p:txBody>
+      </p:sp>
+      <p:sp>
+        <p:nvSpPr>
+          <p:cNvPr id="48" name="Oval 47">
+            <a:extLst>
+              <a:ext uri="{FF2B5EF4-FFF2-40B4-BE49-F238E27FC236}">
+                <a16:creationId xmlns:a16="http://schemas.microsoft.com/office/drawing/2014/main" id="{3861F457-5523-40AC-B257-61B9B7DB1A84}"/>
+              </a:ext>
+            </a:extLst>
+          </p:cNvPr>
+          <p:cNvSpPr/>
+          <p:nvPr/>
+        </p:nvSpPr>
+        <p:spPr>
+          <a:xfrm>
+            <a:off x="7585210" y="3324230"/>
+            <a:ext cx="209550" cy="209550"/>
+          </a:xfrm>
+          <a:prstGeom prst="ellipse">
+            <a:avLst/>
+          </a:prstGeom>
+        </p:spPr>
+        <p:style>
+          <a:lnRef idx="2">
+            <a:schemeClr val="dk1">
+              <a:shade val="50000"/>
+            </a:schemeClr>
+          </a:lnRef>
+          <a:fillRef idx="1">
+            <a:schemeClr val="dk1"/>
+          </a:fillRef>
+          <a:effectRef idx="0">
+            <a:schemeClr val="dk1"/>
+          </a:effectRef>
+          <a:fontRef idx="minor">
+            <a:schemeClr val="lt1"/>
+          </a:fontRef>
+        </p:style>
+        <p:txBody>
+          <a:bodyPr rtlCol="0" anchor="ctr"/>
+          <a:lstStyle/>
+          <a:p>
+            <a:pPr algn="ctr"/>
+            <a:endParaRPr lang="en-AU"/>
+          </a:p>
+        </p:txBody>
+      </p:sp>
+      <p:sp>
+        <p:nvSpPr>
+          <p:cNvPr id="49" name="Oval 48">
+            <a:extLst>
+              <a:ext uri="{FF2B5EF4-FFF2-40B4-BE49-F238E27FC236}">
+                <a16:creationId xmlns:a16="http://schemas.microsoft.com/office/drawing/2014/main" id="{90E2C3A2-7CDB-441D-8FE9-B3D6824EB889}"/>
+              </a:ext>
+            </a:extLst>
+          </p:cNvPr>
+          <p:cNvSpPr/>
+          <p:nvPr/>
+        </p:nvSpPr>
+        <p:spPr>
+          <a:xfrm>
+            <a:off x="7585210" y="4920317"/>
+            <a:ext cx="209550" cy="209550"/>
+          </a:xfrm>
+          <a:prstGeom prst="ellipse">
+            <a:avLst/>
+          </a:prstGeom>
+        </p:spPr>
+        <p:style>
+          <a:lnRef idx="2">
+            <a:schemeClr val="dk1">
+              <a:shade val="50000"/>
+            </a:schemeClr>
+          </a:lnRef>
+          <a:fillRef idx="1">
+            <a:schemeClr val="dk1"/>
+          </a:fillRef>
+          <a:effectRef idx="0">
+            <a:schemeClr val="dk1"/>
+          </a:effectRef>
+          <a:fontRef idx="minor">
+            <a:schemeClr val="lt1"/>
+          </a:fontRef>
+        </p:style>
+        <p:txBody>
+          <a:bodyPr rtlCol="0" anchor="ctr"/>
+          <a:lstStyle/>
+          <a:p>
+            <a:pPr algn="ctr"/>
+            <a:endParaRPr lang="en-AU"/>
+          </a:p>
+        </p:txBody>
+      </p:sp>
+      <p:sp>
+        <p:nvSpPr>
+          <p:cNvPr id="50" name="Oval 49">
+            <a:extLst>
+              <a:ext uri="{FF2B5EF4-FFF2-40B4-BE49-F238E27FC236}">
+                <a16:creationId xmlns:a16="http://schemas.microsoft.com/office/drawing/2014/main" id="{6995037A-3040-4FE5-80A4-91D4B53BEC43}"/>
+              </a:ext>
+            </a:extLst>
+          </p:cNvPr>
+          <p:cNvSpPr/>
+          <p:nvPr/>
+        </p:nvSpPr>
+        <p:spPr>
+          <a:xfrm>
+            <a:off x="9206434" y="1728130"/>
+            <a:ext cx="209550" cy="209550"/>
+          </a:xfrm>
+          <a:prstGeom prst="ellipse">
+            <a:avLst/>
+          </a:prstGeom>
+        </p:spPr>
+        <p:style>
+          <a:lnRef idx="2">
+            <a:schemeClr val="dk1">
+              <a:shade val="50000"/>
+            </a:schemeClr>
+          </a:lnRef>
+          <a:fillRef idx="1">
+            <a:schemeClr val="dk1"/>
+          </a:fillRef>
+          <a:effectRef idx="0">
+            <a:schemeClr val="dk1"/>
+          </a:effectRef>
+          <a:fontRef idx="minor">
+            <a:schemeClr val="lt1"/>
+          </a:fontRef>
+        </p:style>
+        <p:txBody>
+          <a:bodyPr rtlCol="0" anchor="ctr"/>
+          <a:lstStyle/>
+          <a:p>
+            <a:pPr algn="ctr"/>
+            <a:endParaRPr lang="en-AU"/>
+          </a:p>
+        </p:txBody>
+      </p:sp>
+      <p:sp>
+        <p:nvSpPr>
+          <p:cNvPr id="51" name="Oval 50">
+            <a:extLst>
+              <a:ext uri="{FF2B5EF4-FFF2-40B4-BE49-F238E27FC236}">
+                <a16:creationId xmlns:a16="http://schemas.microsoft.com/office/drawing/2014/main" id="{5645D61E-2C75-4F65-B42F-8BEA3D9C371D}"/>
+              </a:ext>
+            </a:extLst>
+          </p:cNvPr>
+          <p:cNvSpPr/>
+          <p:nvPr/>
+        </p:nvSpPr>
+        <p:spPr>
+          <a:xfrm>
+            <a:off x="9206433" y="3324225"/>
+            <a:ext cx="209550" cy="209550"/>
+          </a:xfrm>
+          <a:prstGeom prst="ellipse">
+            <a:avLst/>
+          </a:prstGeom>
+        </p:spPr>
+        <p:style>
+          <a:lnRef idx="2">
+            <a:schemeClr val="dk1">
+              <a:shade val="50000"/>
+            </a:schemeClr>
+          </a:lnRef>
+          <a:fillRef idx="1">
+            <a:schemeClr val="dk1"/>
+          </a:fillRef>
+          <a:effectRef idx="0">
+            <a:schemeClr val="dk1"/>
+          </a:effectRef>
+          <a:fontRef idx="minor">
+            <a:schemeClr val="lt1"/>
+          </a:fontRef>
+        </p:style>
+        <p:txBody>
+          <a:bodyPr rtlCol="0" anchor="ctr"/>
+          <a:lstStyle/>
+          <a:p>
+            <a:pPr algn="ctr"/>
+            <a:endParaRPr lang="en-AU"/>
+          </a:p>
+        </p:txBody>
+      </p:sp>
+      <p:sp>
+        <p:nvSpPr>
+          <p:cNvPr id="52" name="Oval 51">
+            <a:extLst>
+              <a:ext uri="{FF2B5EF4-FFF2-40B4-BE49-F238E27FC236}">
+                <a16:creationId xmlns:a16="http://schemas.microsoft.com/office/drawing/2014/main" id="{CA1F2744-1D13-4CC0-A375-59AB3BB27BCA}"/>
+              </a:ext>
+            </a:extLst>
+          </p:cNvPr>
+          <p:cNvSpPr/>
+          <p:nvPr/>
+        </p:nvSpPr>
+        <p:spPr>
+          <a:xfrm>
+            <a:off x="9206433" y="4920312"/>
+            <a:ext cx="209550" cy="209550"/>
+          </a:xfrm>
+          <a:prstGeom prst="ellipse">
+            <a:avLst/>
+          </a:prstGeom>
+        </p:spPr>
+        <p:style>
+          <a:lnRef idx="2">
+            <a:schemeClr val="dk1">
+              <a:shade val="50000"/>
+            </a:schemeClr>
+          </a:lnRef>
+          <a:fillRef idx="1">
+            <a:schemeClr val="dk1"/>
+          </a:fillRef>
+          <a:effectRef idx="0">
+            <a:schemeClr val="dk1"/>
+          </a:effectRef>
+          <a:fontRef idx="minor">
+            <a:schemeClr val="lt1"/>
+          </a:fontRef>
+        </p:style>
+        <p:txBody>
+          <a:bodyPr rtlCol="0" anchor="ctr"/>
+          <a:lstStyle/>
+          <a:p>
+            <a:pPr algn="ctr"/>
+            <a:endParaRPr lang="en-AU"/>
+          </a:p>
+        </p:txBody>
+      </p:sp>
+    </p:spTree>
+    <p:extLst>
+      <p:ext uri="{BB962C8B-B14F-4D97-AF65-F5344CB8AC3E}">
+        <p14:creationId xmlns:p14="http://schemas.microsoft.com/office/powerpoint/2010/main" val="79697128"/>
+      </p:ext>
+    </p:extLst>
+  </p:cSld>
+  <p:clrMapOvr>
+    <a:masterClrMapping/>
+  </p:clrMapOvr>
+</p:sld>
+</file>
+
 <file path=ppt/theme/theme1.xml><?xml version="1.0" encoding="utf-8"?>
 <a:theme xmlns:a="http://schemas.openxmlformats.org/drawingml/2006/main" name="Office Theme">
   <a:themeElements>

--- a/Report/Figures.pptx
+++ b/Report/Figures.pptx
@@ -5,7 +5,7 @@
     <p:sldMasterId id="2147483648" r:id="rId1"/>
   </p:sldMasterIdLst>
   <p:notesMasterIdLst>
-    <p:notesMasterId r:id="rId14"/>
+    <p:notesMasterId r:id="rId15"/>
   </p:notesMasterIdLst>
   <p:sldIdLst>
     <p:sldId id="257" r:id="rId2"/>
@@ -20,6 +20,7 @@
     <p:sldId id="265" r:id="rId11"/>
     <p:sldId id="266" r:id="rId12"/>
     <p:sldId id="267" r:id="rId13"/>
+    <p:sldId id="268" r:id="rId14"/>
   </p:sldIdLst>
   <p:sldSz cx="12192000" cy="6858000"/>
   <p:notesSz cx="6858000" cy="9144000"/>
@@ -135,6 +136,7 @@
             <p14:sldId id="265"/>
             <p14:sldId id="266"/>
             <p14:sldId id="267"/>
+            <p14:sldId id="268"/>
           </p14:sldIdLst>
         </p14:section>
       </p14:sectionLst>
@@ -14000,6 +14002,1612 @@
 </p:sld>
 </file>
 
+<file path=ppt/slides/slide13.xml><?xml version="1.0" encoding="utf-8"?>
+<p:sld xmlns:a="http://schemas.openxmlformats.org/drawingml/2006/main" xmlns:r="http://schemas.openxmlformats.org/officeDocument/2006/relationships" xmlns:p="http://schemas.openxmlformats.org/presentationml/2006/main">
+  <p:cSld>
+    <p:spTree>
+      <p:nvGrpSpPr>
+        <p:cNvPr id="1" name=""/>
+        <p:cNvGrpSpPr/>
+        <p:nvPr/>
+      </p:nvGrpSpPr>
+      <p:grpSpPr>
+        <a:xfrm>
+          <a:off x="0" y="0"/>
+          <a:ext cx="0" cy="0"/>
+          <a:chOff x="0" y="0"/>
+          <a:chExt cx="0" cy="0"/>
+        </a:xfrm>
+      </p:grpSpPr>
+      <p:grpSp>
+        <p:nvGrpSpPr>
+          <p:cNvPr id="50" name="Group 49">
+            <a:extLst>
+              <a:ext uri="{FF2B5EF4-FFF2-40B4-BE49-F238E27FC236}">
+                <a16:creationId xmlns:a16="http://schemas.microsoft.com/office/drawing/2014/main" id="{FF4E8F0A-8BC3-4C64-A11A-6E4C02FF338D}"/>
+              </a:ext>
+            </a:extLst>
+          </p:cNvPr>
+          <p:cNvGrpSpPr/>
+          <p:nvPr/>
+        </p:nvGrpSpPr>
+        <p:grpSpPr>
+          <a:xfrm>
+            <a:off x="532234" y="660400"/>
+            <a:ext cx="10952798" cy="5041900"/>
+            <a:chOff x="1625600" y="1353411"/>
+            <a:chExt cx="7785100" cy="3583714"/>
+          </a:xfrm>
+        </p:grpSpPr>
+        <p:grpSp>
+          <p:nvGrpSpPr>
+            <p:cNvPr id="21" name="Group 20">
+              <a:extLst>
+                <a:ext uri="{FF2B5EF4-FFF2-40B4-BE49-F238E27FC236}">
+                  <a16:creationId xmlns:a16="http://schemas.microsoft.com/office/drawing/2014/main" id="{2668CC06-F098-44E5-B7F3-6B67D5F00A6C}"/>
+                </a:ext>
+              </a:extLst>
+            </p:cNvPr>
+            <p:cNvGrpSpPr/>
+            <p:nvPr/>
+          </p:nvGrpSpPr>
+          <p:grpSpPr>
+            <a:xfrm>
+              <a:off x="1625600" y="1920875"/>
+              <a:ext cx="3016250" cy="3016250"/>
+              <a:chOff x="1625600" y="1920875"/>
+              <a:chExt cx="3016250" cy="3016250"/>
+            </a:xfrm>
+          </p:grpSpPr>
+          <p:sp>
+            <p:nvSpPr>
+              <p:cNvPr id="4" name="Rectangle 3">
+                <a:extLst>
+                  <a:ext uri="{FF2B5EF4-FFF2-40B4-BE49-F238E27FC236}">
+                    <a16:creationId xmlns:a16="http://schemas.microsoft.com/office/drawing/2014/main" id="{B0B7623D-6796-4E05-B238-58B6114DA582}"/>
+                  </a:ext>
+                </a:extLst>
+              </p:cNvPr>
+              <p:cNvSpPr/>
+              <p:nvPr/>
+            </p:nvSpPr>
+            <p:spPr>
+              <a:xfrm>
+                <a:off x="1625600" y="1920875"/>
+                <a:ext cx="3016250" cy="3016250"/>
+              </a:xfrm>
+              <a:prstGeom prst="rect">
+                <a:avLst/>
+              </a:prstGeom>
+              <a:noFill/>
+              <a:ln w="28575">
+                <a:solidFill>
+                  <a:schemeClr val="tx1"/>
+                </a:solidFill>
+              </a:ln>
+            </p:spPr>
+            <p:style>
+              <a:lnRef idx="2">
+                <a:schemeClr val="accent1">
+                  <a:shade val="50000"/>
+                </a:schemeClr>
+              </a:lnRef>
+              <a:fillRef idx="1">
+                <a:schemeClr val="accent1"/>
+              </a:fillRef>
+              <a:effectRef idx="0">
+                <a:schemeClr val="accent1"/>
+              </a:effectRef>
+              <a:fontRef idx="minor">
+                <a:schemeClr val="lt1"/>
+              </a:fontRef>
+            </p:style>
+            <p:txBody>
+              <a:bodyPr rtlCol="0" anchor="ctr"/>
+              <a:lstStyle/>
+              <a:p>
+                <a:pPr algn="ctr"/>
+                <a:endParaRPr lang="en-AU"/>
+              </a:p>
+            </p:txBody>
+          </p:sp>
+          <p:grpSp>
+            <p:nvGrpSpPr>
+              <p:cNvPr id="18" name="Group 17">
+                <a:extLst>
+                  <a:ext uri="{FF2B5EF4-FFF2-40B4-BE49-F238E27FC236}">
+                    <a16:creationId xmlns:a16="http://schemas.microsoft.com/office/drawing/2014/main" id="{697ADEB7-B415-423A-80E3-428E90A2EBAD}"/>
+                  </a:ext>
+                </a:extLst>
+              </p:cNvPr>
+              <p:cNvGrpSpPr/>
+              <p:nvPr/>
+            </p:nvGrpSpPr>
+            <p:grpSpPr>
+              <a:xfrm>
+                <a:off x="2571752" y="2451100"/>
+                <a:ext cx="1904999" cy="1852612"/>
+                <a:chOff x="2773364" y="2640012"/>
+                <a:chExt cx="1075147" cy="1341438"/>
+              </a:xfrm>
+            </p:grpSpPr>
+            <p:sp>
+              <p:nvSpPr>
+                <p:cNvPr id="6" name="Rectangle 5">
+                  <a:extLst>
+                    <a:ext uri="{FF2B5EF4-FFF2-40B4-BE49-F238E27FC236}">
+                      <a16:creationId xmlns:a16="http://schemas.microsoft.com/office/drawing/2014/main" id="{CB00EC0A-21F4-43AE-B512-B5C53A0BA28C}"/>
+                    </a:ext>
+                  </a:extLst>
+                </p:cNvPr>
+                <p:cNvSpPr/>
+                <p:nvPr/>
+              </p:nvSpPr>
+              <p:spPr>
+                <a:xfrm>
+                  <a:off x="2773364" y="2640012"/>
+                  <a:ext cx="451050" cy="611188"/>
+                </a:xfrm>
+                <a:prstGeom prst="rect">
+                  <a:avLst/>
+                </a:prstGeom>
+                <a:noFill/>
+                <a:ln w="28575">
+                  <a:solidFill>
+                    <a:schemeClr val="tx1"/>
+                  </a:solidFill>
+                </a:ln>
+              </p:spPr>
+              <p:style>
+                <a:lnRef idx="2">
+                  <a:schemeClr val="accent1">
+                    <a:shade val="50000"/>
+                  </a:schemeClr>
+                </a:lnRef>
+                <a:fillRef idx="1">
+                  <a:schemeClr val="accent1"/>
+                </a:fillRef>
+                <a:effectRef idx="0">
+                  <a:schemeClr val="accent1"/>
+                </a:effectRef>
+                <a:fontRef idx="minor">
+                  <a:schemeClr val="lt1"/>
+                </a:fontRef>
+              </p:style>
+              <p:txBody>
+                <a:bodyPr rtlCol="0" anchor="ctr"/>
+                <a:lstStyle/>
+                <a:p>
+                  <a:pPr algn="ctr"/>
+                  <a:endParaRPr lang="en-AU"/>
+                </a:p>
+              </p:txBody>
+            </p:sp>
+            <p:cxnSp>
+              <p:nvCxnSpPr>
+                <p:cNvPr id="9" name="Straight Arrow Connector 8">
+                  <a:extLst>
+                    <a:ext uri="{FF2B5EF4-FFF2-40B4-BE49-F238E27FC236}">
+                      <a16:creationId xmlns:a16="http://schemas.microsoft.com/office/drawing/2014/main" id="{673864B5-D067-45A7-B4DA-DD732AD9F83C}"/>
+                    </a:ext>
+                  </a:extLst>
+                </p:cNvPr>
+                <p:cNvCxnSpPr>
+                  <a:cxnSpLocks/>
+                </p:cNvCxnSpPr>
+                <p:nvPr/>
+              </p:nvCxnSpPr>
+              <p:spPr>
+                <a:xfrm>
+                  <a:off x="2998889" y="3251200"/>
+                  <a:ext cx="0" cy="730250"/>
+                </a:xfrm>
+                <a:prstGeom prst="straightConnector1">
+                  <a:avLst/>
+                </a:prstGeom>
+                <a:ln w="28575">
+                  <a:solidFill>
+                    <a:schemeClr val="tx1"/>
+                  </a:solidFill>
+                  <a:tailEnd type="triangle"/>
+                </a:ln>
+              </p:spPr>
+              <p:style>
+                <a:lnRef idx="1">
+                  <a:schemeClr val="accent1"/>
+                </a:lnRef>
+                <a:fillRef idx="0">
+                  <a:schemeClr val="accent1"/>
+                </a:fillRef>
+                <a:effectRef idx="0">
+                  <a:schemeClr val="accent1"/>
+                </a:effectRef>
+                <a:fontRef idx="minor">
+                  <a:schemeClr val="tx1"/>
+                </a:fontRef>
+              </p:style>
+            </p:cxnSp>
+            <p:cxnSp>
+              <p:nvCxnSpPr>
+                <p:cNvPr id="12" name="Straight Arrow Connector 11">
+                  <a:extLst>
+                    <a:ext uri="{FF2B5EF4-FFF2-40B4-BE49-F238E27FC236}">
+                      <a16:creationId xmlns:a16="http://schemas.microsoft.com/office/drawing/2014/main" id="{D03941FD-5273-4220-8A02-7CA4A77B73BB}"/>
+                    </a:ext>
+                  </a:extLst>
+                </p:cNvPr>
+                <p:cNvCxnSpPr>
+                  <a:cxnSpLocks/>
+                  <a:stCxn id="6" idx="3"/>
+                </p:cNvCxnSpPr>
+                <p:nvPr/>
+              </p:nvCxnSpPr>
+              <p:spPr>
+                <a:xfrm>
+                  <a:off x="3224414" y="2945606"/>
+                  <a:ext cx="624097" cy="0"/>
+                </a:xfrm>
+                <a:prstGeom prst="straightConnector1">
+                  <a:avLst/>
+                </a:prstGeom>
+                <a:ln w="28575">
+                  <a:solidFill>
+                    <a:schemeClr val="tx1"/>
+                  </a:solidFill>
+                  <a:tailEnd type="triangle"/>
+                </a:ln>
+              </p:spPr>
+              <p:style>
+                <a:lnRef idx="1">
+                  <a:schemeClr val="accent1"/>
+                </a:lnRef>
+                <a:fillRef idx="0">
+                  <a:schemeClr val="accent1"/>
+                </a:fillRef>
+                <a:effectRef idx="0">
+                  <a:schemeClr val="accent1"/>
+                </a:effectRef>
+                <a:fontRef idx="minor">
+                  <a:schemeClr val="tx1"/>
+                </a:fontRef>
+              </p:style>
+            </p:cxnSp>
+            <mc:AlternateContent xmlns:mc="http://schemas.openxmlformats.org/markup-compatibility/2006">
+              <mc:Choice xmlns:a14="http://schemas.microsoft.com/office/drawing/2010/main" Requires="a14">
+                <p:sp>
+                  <p:nvSpPr>
+                    <p:cNvPr id="16" name="TextBox 15">
+                      <a:extLst>
+                        <a:ext uri="{FF2B5EF4-FFF2-40B4-BE49-F238E27FC236}">
+                          <a16:creationId xmlns:a16="http://schemas.microsoft.com/office/drawing/2014/main" id="{2BAEE327-17DD-423F-B47D-75050F4033EF}"/>
+                        </a:ext>
+                      </a:extLst>
+                    </p:cNvPr>
+                    <p:cNvSpPr txBox="1"/>
+                    <p:nvPr/>
+                  </p:nvSpPr>
+                  <p:spPr>
+                    <a:xfrm>
+                      <a:off x="2856760" y="2792559"/>
+                      <a:ext cx="290913" cy="430887"/>
+                    </a:xfrm>
+                    <a:prstGeom prst="rect">
+                      <a:avLst/>
+                    </a:prstGeom>
+                    <a:noFill/>
+                  </p:spPr>
+                  <p:txBody>
+                    <a:bodyPr wrap="square" lIns="0" tIns="0" rIns="0" bIns="0" rtlCol="0">
+                      <a:spAutoFit/>
+                    </a:bodyPr>
+                    <a:lstStyle/>
+                    <a:p>
+                      <a14:m>
+                        <m:oMathPara xmlns:m="http://schemas.openxmlformats.org/officeDocument/2006/math">
+                          <m:oMathParaPr>
+                            <m:jc m:val="centerGroup"/>
+                          </m:oMathParaPr>
+                          <m:oMath xmlns:m="http://schemas.openxmlformats.org/officeDocument/2006/math">
+                            <m:r>
+                              <a:rPr lang="en-AU" sz="2800" b="0" i="1" smtClean="0">
+                                <a:latin typeface="Cambria Math" panose="02040503050406030204" pitchFamily="18" charset="0"/>
+                              </a:rPr>
+                              <m:t>𝑎</m:t>
+                            </m:r>
+                          </m:oMath>
+                        </m:oMathPara>
+                      </a14:m>
+                      <a:endParaRPr lang="en-AU" sz="2800" dirty="0"/>
+                    </a:p>
+                  </p:txBody>
+                </p:sp>
+              </mc:Choice>
+              <mc:Fallback>
+                <p:sp>
+                  <p:nvSpPr>
+                    <p:cNvPr id="16" name="TextBox 15">
+                      <a:extLst>
+                        <a:ext uri="{FF2B5EF4-FFF2-40B4-BE49-F238E27FC236}">
+                          <a16:creationId xmlns:a16="http://schemas.microsoft.com/office/drawing/2014/main" id="{2BAEE327-17DD-423F-B47D-75050F4033EF}"/>
+                        </a:ext>
+                      </a:extLst>
+                    </p:cNvPr>
+                    <p:cNvSpPr txBox="1">
+                      <a:spLocks noRot="1" noChangeAspect="1" noMove="1" noResize="1" noEditPoints="1" noAdjustHandles="1" noChangeArrowheads="1" noChangeShapeType="1" noTextEdit="1"/>
+                    </p:cNvSpPr>
+                    <p:nvPr/>
+                  </p:nvSpPr>
+                  <p:spPr>
+                    <a:xfrm>
+                      <a:off x="2856760" y="2792559"/>
+                      <a:ext cx="290913" cy="430887"/>
+                    </a:xfrm>
+                    <a:prstGeom prst="rect">
+                      <a:avLst/>
+                    </a:prstGeom>
+                    <a:blipFill>
+                      <a:blip r:embed="rId2"/>
+                      <a:stretch>
+                        <a:fillRect/>
+                      </a:stretch>
+                    </a:blipFill>
+                  </p:spPr>
+                  <p:txBody>
+                    <a:bodyPr/>
+                    <a:lstStyle/>
+                    <a:p>
+                      <a:r>
+                        <a:rPr lang="en-AU">
+                          <a:noFill/>
+                        </a:rPr>
+                        <a:t> </a:t>
+                      </a:r>
+                    </a:p>
+                  </p:txBody>
+                </p:sp>
+              </mc:Fallback>
+            </mc:AlternateContent>
+          </p:grpSp>
+        </p:grpSp>
+        <p:grpSp>
+          <p:nvGrpSpPr>
+            <p:cNvPr id="22" name="Group 21">
+              <a:extLst>
+                <a:ext uri="{FF2B5EF4-FFF2-40B4-BE49-F238E27FC236}">
+                  <a16:creationId xmlns:a16="http://schemas.microsoft.com/office/drawing/2014/main" id="{B6DCAF91-7B03-4A49-A421-AE7B68A05B94}"/>
+                </a:ext>
+              </a:extLst>
+            </p:cNvPr>
+            <p:cNvGrpSpPr/>
+            <p:nvPr/>
+          </p:nvGrpSpPr>
+          <p:grpSpPr>
+            <a:xfrm>
+              <a:off x="6394450" y="1920875"/>
+              <a:ext cx="3016250" cy="3016250"/>
+              <a:chOff x="1625600" y="1920875"/>
+              <a:chExt cx="3016250" cy="3016250"/>
+            </a:xfrm>
+          </p:grpSpPr>
+          <p:sp>
+            <p:nvSpPr>
+              <p:cNvPr id="23" name="Rectangle 22">
+                <a:extLst>
+                  <a:ext uri="{FF2B5EF4-FFF2-40B4-BE49-F238E27FC236}">
+                    <a16:creationId xmlns:a16="http://schemas.microsoft.com/office/drawing/2014/main" id="{6C1E2DDD-404F-4DD0-A48B-122D28E0CDBB}"/>
+                  </a:ext>
+                </a:extLst>
+              </p:cNvPr>
+              <p:cNvSpPr/>
+              <p:nvPr/>
+            </p:nvSpPr>
+            <p:spPr>
+              <a:xfrm>
+                <a:off x="1625600" y="1920875"/>
+                <a:ext cx="3016250" cy="3016250"/>
+              </a:xfrm>
+              <a:prstGeom prst="rect">
+                <a:avLst/>
+              </a:prstGeom>
+              <a:noFill/>
+              <a:ln w="28575">
+                <a:solidFill>
+                  <a:schemeClr val="tx1"/>
+                </a:solidFill>
+              </a:ln>
+            </p:spPr>
+            <p:style>
+              <a:lnRef idx="2">
+                <a:schemeClr val="accent1">
+                  <a:shade val="50000"/>
+                </a:schemeClr>
+              </a:lnRef>
+              <a:fillRef idx="1">
+                <a:schemeClr val="accent1"/>
+              </a:fillRef>
+              <a:effectRef idx="0">
+                <a:schemeClr val="accent1"/>
+              </a:effectRef>
+              <a:fontRef idx="minor">
+                <a:schemeClr val="lt1"/>
+              </a:fontRef>
+            </p:style>
+            <p:txBody>
+              <a:bodyPr rtlCol="0" anchor="ctr"/>
+              <a:lstStyle/>
+              <a:p>
+                <a:pPr algn="ctr"/>
+                <a:endParaRPr lang="en-AU"/>
+              </a:p>
+            </p:txBody>
+          </p:sp>
+          <p:grpSp>
+            <p:nvGrpSpPr>
+              <p:cNvPr id="24" name="Group 23">
+                <a:extLst>
+                  <a:ext uri="{FF2B5EF4-FFF2-40B4-BE49-F238E27FC236}">
+                    <a16:creationId xmlns:a16="http://schemas.microsoft.com/office/drawing/2014/main" id="{C31784DD-2C0E-4893-8FD6-705CF3492649}"/>
+                  </a:ext>
+                </a:extLst>
+              </p:cNvPr>
+              <p:cNvGrpSpPr/>
+              <p:nvPr/>
+            </p:nvGrpSpPr>
+            <p:grpSpPr>
+              <a:xfrm>
+                <a:off x="1790699" y="2189860"/>
+                <a:ext cx="1624667" cy="1575476"/>
+                <a:chOff x="2332553" y="2450854"/>
+                <a:chExt cx="916933" cy="1140770"/>
+              </a:xfrm>
+            </p:grpSpPr>
+            <p:sp>
+              <p:nvSpPr>
+                <p:cNvPr id="25" name="Rectangle 24">
+                  <a:extLst>
+                    <a:ext uri="{FF2B5EF4-FFF2-40B4-BE49-F238E27FC236}">
+                      <a16:creationId xmlns:a16="http://schemas.microsoft.com/office/drawing/2014/main" id="{9FD5E8E3-788A-48FD-9CBC-E483C3CD6FA3}"/>
+                    </a:ext>
+                  </a:extLst>
+                </p:cNvPr>
+                <p:cNvSpPr/>
+                <p:nvPr/>
+              </p:nvSpPr>
+              <p:spPr>
+                <a:xfrm>
+                  <a:off x="2798436" y="2980436"/>
+                  <a:ext cx="451050" cy="611188"/>
+                </a:xfrm>
+                <a:prstGeom prst="rect">
+                  <a:avLst/>
+                </a:prstGeom>
+                <a:noFill/>
+                <a:ln w="28575">
+                  <a:solidFill>
+                    <a:schemeClr val="tx1"/>
+                  </a:solidFill>
+                </a:ln>
+              </p:spPr>
+              <p:style>
+                <a:lnRef idx="2">
+                  <a:schemeClr val="accent1">
+                    <a:shade val="50000"/>
+                  </a:schemeClr>
+                </a:lnRef>
+                <a:fillRef idx="1">
+                  <a:schemeClr val="accent1"/>
+                </a:fillRef>
+                <a:effectRef idx="0">
+                  <a:schemeClr val="accent1"/>
+                </a:effectRef>
+                <a:fontRef idx="minor">
+                  <a:schemeClr val="lt1"/>
+                </a:fontRef>
+              </p:style>
+              <p:txBody>
+                <a:bodyPr rtlCol="0" anchor="ctr"/>
+                <a:lstStyle/>
+                <a:p>
+                  <a:pPr algn="ctr"/>
+                  <a:endParaRPr lang="en-AU"/>
+                </a:p>
+              </p:txBody>
+            </p:sp>
+            <p:cxnSp>
+              <p:nvCxnSpPr>
+                <p:cNvPr id="26" name="Straight Arrow Connector 25">
+                  <a:extLst>
+                    <a:ext uri="{FF2B5EF4-FFF2-40B4-BE49-F238E27FC236}">
+                      <a16:creationId xmlns:a16="http://schemas.microsoft.com/office/drawing/2014/main" id="{9645615C-2BE1-42B3-884F-45B7780A0A06}"/>
+                    </a:ext>
+                  </a:extLst>
+                </p:cNvPr>
+                <p:cNvCxnSpPr>
+                  <a:cxnSpLocks/>
+                </p:cNvCxnSpPr>
+                <p:nvPr/>
+              </p:nvCxnSpPr>
+              <p:spPr>
+                <a:xfrm flipV="1">
+                  <a:off x="3023690" y="2450854"/>
+                  <a:ext cx="0" cy="524651"/>
+                </a:xfrm>
+                <a:prstGeom prst="straightConnector1">
+                  <a:avLst/>
+                </a:prstGeom>
+                <a:ln w="28575">
+                  <a:solidFill>
+                    <a:schemeClr val="tx1"/>
+                  </a:solidFill>
+                  <a:tailEnd type="triangle"/>
+                </a:ln>
+              </p:spPr>
+              <p:style>
+                <a:lnRef idx="1">
+                  <a:schemeClr val="accent1"/>
+                </a:lnRef>
+                <a:fillRef idx="0">
+                  <a:schemeClr val="accent1"/>
+                </a:fillRef>
+                <a:effectRef idx="0">
+                  <a:schemeClr val="accent1"/>
+                </a:effectRef>
+                <a:fontRef idx="minor">
+                  <a:schemeClr val="tx1"/>
+                </a:fontRef>
+              </p:style>
+            </p:cxnSp>
+            <p:cxnSp>
+              <p:nvCxnSpPr>
+                <p:cNvPr id="27" name="Straight Arrow Connector 26">
+                  <a:extLst>
+                    <a:ext uri="{FF2B5EF4-FFF2-40B4-BE49-F238E27FC236}">
+                      <a16:creationId xmlns:a16="http://schemas.microsoft.com/office/drawing/2014/main" id="{B53B6C71-2A91-4AC9-ACDE-DC24257F7FDE}"/>
+                    </a:ext>
+                  </a:extLst>
+                </p:cNvPr>
+                <p:cNvCxnSpPr>
+                  <a:cxnSpLocks/>
+                </p:cNvCxnSpPr>
+                <p:nvPr/>
+              </p:nvCxnSpPr>
+              <p:spPr>
+                <a:xfrm flipH="1">
+                  <a:off x="2332553" y="3286030"/>
+                  <a:ext cx="465883" cy="0"/>
+                </a:xfrm>
+                <a:prstGeom prst="straightConnector1">
+                  <a:avLst/>
+                </a:prstGeom>
+                <a:ln w="28575">
+                  <a:solidFill>
+                    <a:schemeClr val="tx1"/>
+                  </a:solidFill>
+                  <a:tailEnd type="triangle"/>
+                </a:ln>
+              </p:spPr>
+              <p:style>
+                <a:lnRef idx="1">
+                  <a:schemeClr val="accent1"/>
+                </a:lnRef>
+                <a:fillRef idx="0">
+                  <a:schemeClr val="accent1"/>
+                </a:fillRef>
+                <a:effectRef idx="0">
+                  <a:schemeClr val="accent1"/>
+                </a:effectRef>
+                <a:fontRef idx="minor">
+                  <a:schemeClr val="tx1"/>
+                </a:fontRef>
+              </p:style>
+            </p:cxnSp>
+            <mc:AlternateContent xmlns:mc="http://schemas.openxmlformats.org/markup-compatibility/2006">
+              <mc:Choice xmlns:a14="http://schemas.microsoft.com/office/drawing/2010/main" Requires="a14">
+                <p:sp>
+                  <p:nvSpPr>
+                    <p:cNvPr id="28" name="TextBox 27">
+                      <a:extLst>
+                        <a:ext uri="{FF2B5EF4-FFF2-40B4-BE49-F238E27FC236}">
+                          <a16:creationId xmlns:a16="http://schemas.microsoft.com/office/drawing/2014/main" id="{0E4EA594-E85A-40B5-B055-0474246B4F78}"/>
+                        </a:ext>
+                      </a:extLst>
+                    </p:cNvPr>
+                    <p:cNvSpPr txBox="1"/>
+                    <p:nvPr/>
+                  </p:nvSpPr>
+                  <p:spPr>
+                    <a:xfrm>
+                      <a:off x="2878504" y="3132296"/>
+                      <a:ext cx="290913" cy="311996"/>
+                    </a:xfrm>
+                    <a:prstGeom prst="rect">
+                      <a:avLst/>
+                    </a:prstGeom>
+                    <a:noFill/>
+                  </p:spPr>
+                  <p:txBody>
+                    <a:bodyPr wrap="square" lIns="0" tIns="0" rIns="0" bIns="0" rtlCol="0">
+                      <a:spAutoFit/>
+                    </a:bodyPr>
+                    <a:lstStyle/>
+                    <a:p>
+                      <a14:m>
+                        <m:oMathPara xmlns:m="http://schemas.openxmlformats.org/officeDocument/2006/math">
+                          <m:oMathParaPr>
+                            <m:jc m:val="centerGroup"/>
+                          </m:oMathParaPr>
+                          <m:oMath xmlns:m="http://schemas.openxmlformats.org/officeDocument/2006/math">
+                            <m:r>
+                              <a:rPr lang="en-AU" sz="2800" b="0" i="1" smtClean="0">
+                                <a:latin typeface="Cambria Math" panose="02040503050406030204" pitchFamily="18" charset="0"/>
+                              </a:rPr>
+                              <m:t>𝑏</m:t>
+                            </m:r>
+                          </m:oMath>
+                        </m:oMathPara>
+                      </a14:m>
+                      <a:endParaRPr lang="en-AU" sz="2800" dirty="0"/>
+                    </a:p>
+                  </p:txBody>
+                </p:sp>
+              </mc:Choice>
+              <mc:Fallback>
+                <p:sp>
+                  <p:nvSpPr>
+                    <p:cNvPr id="28" name="TextBox 27">
+                      <a:extLst>
+                        <a:ext uri="{FF2B5EF4-FFF2-40B4-BE49-F238E27FC236}">
+                          <a16:creationId xmlns:a16="http://schemas.microsoft.com/office/drawing/2014/main" id="{0E4EA594-E85A-40B5-B055-0474246B4F78}"/>
+                        </a:ext>
+                      </a:extLst>
+                    </p:cNvPr>
+                    <p:cNvSpPr txBox="1">
+                      <a:spLocks noRot="1" noChangeAspect="1" noMove="1" noResize="1" noEditPoints="1" noAdjustHandles="1" noChangeArrowheads="1" noChangeShapeType="1" noTextEdit="1"/>
+                    </p:cNvSpPr>
+                    <p:nvPr/>
+                  </p:nvSpPr>
+                  <p:spPr>
+                    <a:xfrm>
+                      <a:off x="2878504" y="3132296"/>
+                      <a:ext cx="290913" cy="311996"/>
+                    </a:xfrm>
+                    <a:prstGeom prst="rect">
+                      <a:avLst/>
+                    </a:prstGeom>
+                    <a:blipFill>
+                      <a:blip r:embed="rId3"/>
+                      <a:stretch>
+                        <a:fillRect/>
+                      </a:stretch>
+                    </a:blipFill>
+                  </p:spPr>
+                  <p:txBody>
+                    <a:bodyPr/>
+                    <a:lstStyle/>
+                    <a:p>
+                      <a:r>
+                        <a:rPr lang="en-AU">
+                          <a:noFill/>
+                        </a:rPr>
+                        <a:t> </a:t>
+                      </a:r>
+                    </a:p>
+                  </p:txBody>
+                </p:sp>
+              </mc:Fallback>
+            </mc:AlternateContent>
+          </p:grpSp>
+        </p:grpSp>
+        <mc:AlternateContent xmlns:mc="http://schemas.openxmlformats.org/markup-compatibility/2006">
+          <mc:Choice xmlns:a14="http://schemas.microsoft.com/office/drawing/2010/main" Requires="a14">
+            <p:sp>
+              <p:nvSpPr>
+                <p:cNvPr id="29" name="TextBox 28">
+                  <a:extLst>
+                    <a:ext uri="{FF2B5EF4-FFF2-40B4-BE49-F238E27FC236}">
+                      <a16:creationId xmlns:a16="http://schemas.microsoft.com/office/drawing/2014/main" id="{C3F62F55-57C5-4C80-ABC2-D243181454F1}"/>
+                    </a:ext>
+                  </a:extLst>
+                </p:cNvPr>
+                <p:cNvSpPr txBox="1"/>
+                <p:nvPr/>
+              </p:nvSpPr>
+              <p:spPr>
+                <a:xfrm>
+                  <a:off x="3549263" y="4568578"/>
+                  <a:ext cx="1092587" cy="306269"/>
+                </a:xfrm>
+                <a:prstGeom prst="rect">
+                  <a:avLst/>
+                </a:prstGeom>
+                <a:noFill/>
+              </p:spPr>
+              <p:txBody>
+                <a:bodyPr wrap="none" lIns="0" tIns="0" rIns="0" bIns="0" rtlCol="0">
+                  <a:spAutoFit/>
+                </a:bodyPr>
+                <a:lstStyle/>
+                <a:p>
+                  <a14:m>
+                    <m:oMathPara xmlns:m="http://schemas.openxmlformats.org/officeDocument/2006/math">
+                      <m:oMathParaPr>
+                        <m:jc m:val="centerGroup"/>
+                      </m:oMathParaPr>
+                      <m:oMath xmlns:m="http://schemas.openxmlformats.org/officeDocument/2006/math">
+                        <m:r>
+                          <a:rPr lang="en-AU" sz="2800" b="0" i="1" smtClean="0">
+                            <a:latin typeface="Cambria Math" panose="02040503050406030204" pitchFamily="18" charset="0"/>
+                          </a:rPr>
+                          <m:t>𝑎𝑝𝑒𝑟𝑡𝑢𝑟𝑒</m:t>
+                        </m:r>
+                      </m:oMath>
+                    </m:oMathPara>
+                  </a14:m>
+                  <a:endParaRPr lang="en-AU" sz="2800" b="0" dirty="0"/>
+                </a:p>
+              </p:txBody>
+            </p:sp>
+          </mc:Choice>
+          <mc:Fallback>
+            <p:sp>
+              <p:nvSpPr>
+                <p:cNvPr id="29" name="TextBox 28">
+                  <a:extLst>
+                    <a:ext uri="{FF2B5EF4-FFF2-40B4-BE49-F238E27FC236}">
+                      <a16:creationId xmlns:a16="http://schemas.microsoft.com/office/drawing/2014/main" id="{C3F62F55-57C5-4C80-ABC2-D243181454F1}"/>
+                    </a:ext>
+                  </a:extLst>
+                </p:cNvPr>
+                <p:cNvSpPr txBox="1">
+                  <a:spLocks noRot="1" noChangeAspect="1" noMove="1" noResize="1" noEditPoints="1" noAdjustHandles="1" noChangeArrowheads="1" noChangeShapeType="1" noTextEdit="1"/>
+                </p:cNvSpPr>
+                <p:nvPr/>
+              </p:nvSpPr>
+              <p:spPr>
+                <a:xfrm>
+                  <a:off x="3549263" y="4568578"/>
+                  <a:ext cx="1092587" cy="306269"/>
+                </a:xfrm>
+                <a:prstGeom prst="rect">
+                  <a:avLst/>
+                </a:prstGeom>
+                <a:blipFill>
+                  <a:blip r:embed="rId4"/>
+                  <a:stretch>
+                    <a:fillRect/>
+                  </a:stretch>
+                </a:blipFill>
+              </p:spPr>
+              <p:txBody>
+                <a:bodyPr/>
+                <a:lstStyle/>
+                <a:p>
+                  <a:r>
+                    <a:rPr lang="en-AU">
+                      <a:noFill/>
+                    </a:rPr>
+                    <a:t> </a:t>
+                  </a:r>
+                </a:p>
+              </p:txBody>
+            </p:sp>
+          </mc:Fallback>
+        </mc:AlternateContent>
+        <mc:AlternateContent xmlns:mc="http://schemas.openxmlformats.org/markup-compatibility/2006">
+          <mc:Choice xmlns:a14="http://schemas.microsoft.com/office/drawing/2010/main" Requires="a14">
+            <p:sp>
+              <p:nvSpPr>
+                <p:cNvPr id="37" name="TextBox 36">
+                  <a:extLst>
+                    <a:ext uri="{FF2B5EF4-FFF2-40B4-BE49-F238E27FC236}">
+                      <a16:creationId xmlns:a16="http://schemas.microsoft.com/office/drawing/2014/main" id="{AAB9E446-1F6E-427B-B339-CB03F5025BC4}"/>
+                    </a:ext>
+                  </a:extLst>
+                </p:cNvPr>
+                <p:cNvSpPr txBox="1"/>
+                <p:nvPr/>
+              </p:nvSpPr>
+              <p:spPr>
+                <a:xfrm>
+                  <a:off x="8285178" y="4568578"/>
+                  <a:ext cx="1092587" cy="306269"/>
+                </a:xfrm>
+                <a:prstGeom prst="rect">
+                  <a:avLst/>
+                </a:prstGeom>
+                <a:noFill/>
+              </p:spPr>
+              <p:txBody>
+                <a:bodyPr wrap="none" lIns="0" tIns="0" rIns="0" bIns="0" rtlCol="0">
+                  <a:spAutoFit/>
+                </a:bodyPr>
+                <a:lstStyle/>
+                <a:p>
+                  <a14:m>
+                    <m:oMathPara xmlns:m="http://schemas.openxmlformats.org/officeDocument/2006/math">
+                      <m:oMathParaPr>
+                        <m:jc m:val="centerGroup"/>
+                      </m:oMathParaPr>
+                      <m:oMath xmlns:m="http://schemas.openxmlformats.org/officeDocument/2006/math">
+                        <m:r>
+                          <a:rPr lang="en-AU" sz="2800" b="0" i="1" smtClean="0">
+                            <a:latin typeface="Cambria Math" panose="02040503050406030204" pitchFamily="18" charset="0"/>
+                          </a:rPr>
+                          <m:t>𝑎𝑝𝑒𝑟𝑡𝑢𝑟𝑒</m:t>
+                        </m:r>
+                      </m:oMath>
+                    </m:oMathPara>
+                  </a14:m>
+                  <a:endParaRPr lang="en-AU" sz="2800" b="0" dirty="0"/>
+                </a:p>
+              </p:txBody>
+            </p:sp>
+          </mc:Choice>
+          <mc:Fallback>
+            <p:sp>
+              <p:nvSpPr>
+                <p:cNvPr id="37" name="TextBox 36">
+                  <a:extLst>
+                    <a:ext uri="{FF2B5EF4-FFF2-40B4-BE49-F238E27FC236}">
+                      <a16:creationId xmlns:a16="http://schemas.microsoft.com/office/drawing/2014/main" id="{AAB9E446-1F6E-427B-B339-CB03F5025BC4}"/>
+                    </a:ext>
+                  </a:extLst>
+                </p:cNvPr>
+                <p:cNvSpPr txBox="1">
+                  <a:spLocks noRot="1" noChangeAspect="1" noMove="1" noResize="1" noEditPoints="1" noAdjustHandles="1" noChangeArrowheads="1" noChangeShapeType="1" noTextEdit="1"/>
+                </p:cNvSpPr>
+                <p:nvPr/>
+              </p:nvSpPr>
+              <p:spPr>
+                <a:xfrm>
+                  <a:off x="8285178" y="4568578"/>
+                  <a:ext cx="1092587" cy="306269"/>
+                </a:xfrm>
+                <a:prstGeom prst="rect">
+                  <a:avLst/>
+                </a:prstGeom>
+                <a:blipFill>
+                  <a:blip r:embed="rId5"/>
+                  <a:stretch>
+                    <a:fillRect/>
+                  </a:stretch>
+                </a:blipFill>
+              </p:spPr>
+              <p:txBody>
+                <a:bodyPr/>
+                <a:lstStyle/>
+                <a:p>
+                  <a:r>
+                    <a:rPr lang="en-AU">
+                      <a:noFill/>
+                    </a:rPr>
+                    <a:t> </a:t>
+                  </a:r>
+                </a:p>
+              </p:txBody>
+            </p:sp>
+          </mc:Fallback>
+        </mc:AlternateContent>
+        <mc:AlternateContent xmlns:mc="http://schemas.openxmlformats.org/markup-compatibility/2006">
+          <mc:Choice xmlns:a14="http://schemas.microsoft.com/office/drawing/2010/main" Requires="a14">
+            <p:sp>
+              <p:nvSpPr>
+                <p:cNvPr id="42" name="TextBox 41">
+                  <a:extLst>
+                    <a:ext uri="{FF2B5EF4-FFF2-40B4-BE49-F238E27FC236}">
+                      <a16:creationId xmlns:a16="http://schemas.microsoft.com/office/drawing/2014/main" id="{F4211388-9E5E-4A73-8BB8-6C53B11DE8FF}"/>
+                    </a:ext>
+                  </a:extLst>
+                </p:cNvPr>
+                <p:cNvSpPr txBox="1"/>
+                <p:nvPr/>
+              </p:nvSpPr>
+              <p:spPr>
+                <a:xfrm>
+                  <a:off x="6740914" y="3308252"/>
+                  <a:ext cx="297646" cy="430887"/>
+                </a:xfrm>
+                <a:prstGeom prst="rect">
+                  <a:avLst/>
+                </a:prstGeom>
+                <a:noFill/>
+              </p:spPr>
+              <p:txBody>
+                <a:bodyPr wrap="none" lIns="0" tIns="0" rIns="0" bIns="0" rtlCol="0">
+                  <a:spAutoFit/>
+                </a:bodyPr>
+                <a:lstStyle/>
+                <a:p>
+                  <a14:m>
+                    <m:oMathPara xmlns:m="http://schemas.openxmlformats.org/officeDocument/2006/math">
+                      <m:oMathParaPr>
+                        <m:jc m:val="centerGroup"/>
+                      </m:oMathParaPr>
+                      <m:oMath xmlns:m="http://schemas.openxmlformats.org/officeDocument/2006/math">
+                        <m:r>
+                          <a:rPr lang="en-AU" sz="2800" b="0" i="1" smtClean="0">
+                            <a:latin typeface="Cambria Math" panose="02040503050406030204" pitchFamily="18" charset="0"/>
+                          </a:rPr>
+                          <m:t>𝑢</m:t>
+                        </m:r>
+                      </m:oMath>
+                    </m:oMathPara>
+                  </a14:m>
+                  <a:endParaRPr lang="en-AU" sz="2800" dirty="0"/>
+                </a:p>
+              </p:txBody>
+            </p:sp>
+          </mc:Choice>
+          <mc:Fallback>
+            <p:sp>
+              <p:nvSpPr>
+                <p:cNvPr id="42" name="TextBox 41">
+                  <a:extLst>
+                    <a:ext uri="{FF2B5EF4-FFF2-40B4-BE49-F238E27FC236}">
+                      <a16:creationId xmlns:a16="http://schemas.microsoft.com/office/drawing/2014/main" id="{F4211388-9E5E-4A73-8BB8-6C53B11DE8FF}"/>
+                    </a:ext>
+                  </a:extLst>
+                </p:cNvPr>
+                <p:cNvSpPr txBox="1">
+                  <a:spLocks noRot="1" noChangeAspect="1" noMove="1" noResize="1" noEditPoints="1" noAdjustHandles="1" noChangeArrowheads="1" noChangeShapeType="1" noTextEdit="1"/>
+                </p:cNvSpPr>
+                <p:nvPr/>
+              </p:nvSpPr>
+              <p:spPr>
+                <a:xfrm>
+                  <a:off x="6740914" y="3308252"/>
+                  <a:ext cx="297646" cy="430887"/>
+                </a:xfrm>
+                <a:prstGeom prst="rect">
+                  <a:avLst/>
+                </a:prstGeom>
+                <a:blipFill>
+                  <a:blip r:embed="rId6"/>
+                  <a:stretch>
+                    <a:fillRect/>
+                  </a:stretch>
+                </a:blipFill>
+              </p:spPr>
+              <p:txBody>
+                <a:bodyPr/>
+                <a:lstStyle/>
+                <a:p>
+                  <a:r>
+                    <a:rPr lang="en-AU">
+                      <a:noFill/>
+                    </a:rPr>
+                    <a:t> </a:t>
+                  </a:r>
+                </a:p>
+              </p:txBody>
+            </p:sp>
+          </mc:Fallback>
+        </mc:AlternateContent>
+        <mc:AlternateContent xmlns:mc="http://schemas.openxmlformats.org/markup-compatibility/2006">
+          <mc:Choice xmlns:a14="http://schemas.microsoft.com/office/drawing/2010/main" Requires="a14">
+            <p:sp>
+              <p:nvSpPr>
+                <p:cNvPr id="43" name="TextBox 42">
+                  <a:extLst>
+                    <a:ext uri="{FF2B5EF4-FFF2-40B4-BE49-F238E27FC236}">
+                      <a16:creationId xmlns:a16="http://schemas.microsoft.com/office/drawing/2014/main" id="{0862B242-AB27-4EE2-BDF9-86737A1CEB3E}"/>
+                    </a:ext>
+                  </a:extLst>
+                </p:cNvPr>
+                <p:cNvSpPr txBox="1"/>
+                <p:nvPr/>
+              </p:nvSpPr>
+              <p:spPr>
+                <a:xfrm>
+                  <a:off x="7872010" y="2301112"/>
+                  <a:ext cx="287835" cy="430887"/>
+                </a:xfrm>
+                <a:prstGeom prst="rect">
+                  <a:avLst/>
+                </a:prstGeom>
+                <a:noFill/>
+              </p:spPr>
+              <p:txBody>
+                <a:bodyPr wrap="none" lIns="0" tIns="0" rIns="0" bIns="0" rtlCol="0">
+                  <a:spAutoFit/>
+                </a:bodyPr>
+                <a:lstStyle/>
+                <a:p>
+                  <a14:m>
+                    <m:oMathPara xmlns:m="http://schemas.openxmlformats.org/officeDocument/2006/math">
+                      <m:oMathParaPr>
+                        <m:jc m:val="centerGroup"/>
+                      </m:oMathParaPr>
+                      <m:oMath xmlns:m="http://schemas.openxmlformats.org/officeDocument/2006/math">
+                        <m:r>
+                          <a:rPr lang="en-AU" sz="2800" b="0" i="1" smtClean="0">
+                            <a:latin typeface="Cambria Math" panose="02040503050406030204" pitchFamily="18" charset="0"/>
+                          </a:rPr>
+                          <m:t>𝑣</m:t>
+                        </m:r>
+                      </m:oMath>
+                    </m:oMathPara>
+                  </a14:m>
+                  <a:endParaRPr lang="en-AU" sz="2800" dirty="0"/>
+                </a:p>
+              </p:txBody>
+            </p:sp>
+          </mc:Choice>
+          <mc:Fallback>
+            <p:sp>
+              <p:nvSpPr>
+                <p:cNvPr id="43" name="TextBox 42">
+                  <a:extLst>
+                    <a:ext uri="{FF2B5EF4-FFF2-40B4-BE49-F238E27FC236}">
+                      <a16:creationId xmlns:a16="http://schemas.microsoft.com/office/drawing/2014/main" id="{0862B242-AB27-4EE2-BDF9-86737A1CEB3E}"/>
+                    </a:ext>
+                  </a:extLst>
+                </p:cNvPr>
+                <p:cNvSpPr txBox="1">
+                  <a:spLocks noRot="1" noChangeAspect="1" noMove="1" noResize="1" noEditPoints="1" noAdjustHandles="1" noChangeArrowheads="1" noChangeShapeType="1" noTextEdit="1"/>
+                </p:cNvSpPr>
+                <p:nvPr/>
+              </p:nvSpPr>
+              <p:spPr>
+                <a:xfrm>
+                  <a:off x="7872010" y="2301112"/>
+                  <a:ext cx="287835" cy="430887"/>
+                </a:xfrm>
+                <a:prstGeom prst="rect">
+                  <a:avLst/>
+                </a:prstGeom>
+                <a:blipFill>
+                  <a:blip r:embed="rId7"/>
+                  <a:stretch>
+                    <a:fillRect/>
+                  </a:stretch>
+                </a:blipFill>
+              </p:spPr>
+              <p:txBody>
+                <a:bodyPr/>
+                <a:lstStyle/>
+                <a:p>
+                  <a:r>
+                    <a:rPr lang="en-AU">
+                      <a:noFill/>
+                    </a:rPr>
+                    <a:t> </a:t>
+                  </a:r>
+                </a:p>
+              </p:txBody>
+            </p:sp>
+          </mc:Fallback>
+        </mc:AlternateContent>
+        <mc:AlternateContent xmlns:mc="http://schemas.openxmlformats.org/markup-compatibility/2006">
+          <mc:Choice xmlns:a14="http://schemas.microsoft.com/office/drawing/2010/main" Requires="a14">
+            <p:sp>
+              <p:nvSpPr>
+                <p:cNvPr id="44" name="TextBox 43">
+                  <a:extLst>
+                    <a:ext uri="{FF2B5EF4-FFF2-40B4-BE49-F238E27FC236}">
+                      <a16:creationId xmlns:a16="http://schemas.microsoft.com/office/drawing/2014/main" id="{DC6BFAA4-996D-4E87-B8EF-B1F3CD7C2F3B}"/>
+                    </a:ext>
+                  </a:extLst>
+                </p:cNvPr>
+                <p:cNvSpPr txBox="1"/>
+                <p:nvPr/>
+              </p:nvSpPr>
+              <p:spPr>
+                <a:xfrm>
+                  <a:off x="3537766" y="2868725"/>
+                  <a:ext cx="799191" cy="430887"/>
+                </a:xfrm>
+                <a:prstGeom prst="rect">
+                  <a:avLst/>
+                </a:prstGeom>
+                <a:noFill/>
+              </p:spPr>
+              <p:txBody>
+                <a:bodyPr wrap="square" lIns="0" tIns="0" rIns="0" bIns="0" rtlCol="0">
+                  <a:spAutoFit/>
+                </a:bodyPr>
+                <a:lstStyle/>
+                <a:p>
+                  <a14:m>
+                    <m:oMathPara xmlns:m="http://schemas.openxmlformats.org/officeDocument/2006/math">
+                      <m:oMathParaPr>
+                        <m:jc m:val="centerGroup"/>
+                      </m:oMathParaPr>
+                      <m:oMath xmlns:m="http://schemas.openxmlformats.org/officeDocument/2006/math">
+                        <m:sSub>
+                          <m:sSubPr>
+                            <m:ctrlPr>
+                              <a:rPr lang="en-AU" sz="2800" b="0" i="1" smtClean="0">
+                                <a:latin typeface="Cambria Math" panose="02040503050406030204" pitchFamily="18" charset="0"/>
+                              </a:rPr>
+                            </m:ctrlPr>
+                          </m:sSubPr>
+                          <m:e>
+                            <m:r>
+                              <a:rPr lang="en-AU" sz="2800" b="0" i="1" smtClean="0">
+                                <a:latin typeface="Cambria Math" panose="02040503050406030204" pitchFamily="18" charset="0"/>
+                              </a:rPr>
+                              <m:t>&gt;</m:t>
+                            </m:r>
+                            <m:r>
+                              <a:rPr lang="en-AU" sz="2800" b="0" i="1" smtClean="0">
+                                <a:latin typeface="Cambria Math" panose="02040503050406030204" pitchFamily="18" charset="0"/>
+                              </a:rPr>
+                              <m:t>𝐼</m:t>
+                            </m:r>
+                          </m:e>
+                          <m:sub>
+                            <m:r>
+                              <a:rPr lang="en-AU" sz="2800" b="0" i="1" smtClean="0">
+                                <a:latin typeface="Cambria Math" panose="02040503050406030204" pitchFamily="18" charset="0"/>
+                              </a:rPr>
+                              <m:t>𝑥</m:t>
+                            </m:r>
+                          </m:sub>
+                        </m:sSub>
+                      </m:oMath>
+                    </m:oMathPara>
+                  </a14:m>
+                  <a:endParaRPr lang="en-AU" sz="2800" b="0" dirty="0"/>
+                </a:p>
+              </p:txBody>
+            </p:sp>
+          </mc:Choice>
+          <mc:Fallback>
+            <p:sp>
+              <p:nvSpPr>
+                <p:cNvPr id="44" name="TextBox 43">
+                  <a:extLst>
+                    <a:ext uri="{FF2B5EF4-FFF2-40B4-BE49-F238E27FC236}">
+                      <a16:creationId xmlns:a16="http://schemas.microsoft.com/office/drawing/2014/main" id="{DC6BFAA4-996D-4E87-B8EF-B1F3CD7C2F3B}"/>
+                    </a:ext>
+                  </a:extLst>
+                </p:cNvPr>
+                <p:cNvSpPr txBox="1">
+                  <a:spLocks noRot="1" noChangeAspect="1" noMove="1" noResize="1" noEditPoints="1" noAdjustHandles="1" noChangeArrowheads="1" noChangeShapeType="1" noTextEdit="1"/>
+                </p:cNvSpPr>
+                <p:nvPr/>
+              </p:nvSpPr>
+              <p:spPr>
+                <a:xfrm>
+                  <a:off x="3537766" y="2868725"/>
+                  <a:ext cx="799191" cy="430887"/>
+                </a:xfrm>
+                <a:prstGeom prst="rect">
+                  <a:avLst/>
+                </a:prstGeom>
+                <a:blipFill>
+                  <a:blip r:embed="rId8"/>
+                  <a:stretch>
+                    <a:fillRect/>
+                  </a:stretch>
+                </a:blipFill>
+              </p:spPr>
+              <p:txBody>
+                <a:bodyPr/>
+                <a:lstStyle/>
+                <a:p>
+                  <a:r>
+                    <a:rPr lang="en-AU">
+                      <a:noFill/>
+                    </a:rPr>
+                    <a:t> </a:t>
+                  </a:r>
+                </a:p>
+              </p:txBody>
+            </p:sp>
+          </mc:Fallback>
+        </mc:AlternateContent>
+        <mc:AlternateContent xmlns:mc="http://schemas.openxmlformats.org/markup-compatibility/2006">
+          <mc:Choice xmlns:a14="http://schemas.microsoft.com/office/drawing/2010/main" Requires="a14">
+            <p:sp>
+              <p:nvSpPr>
+                <p:cNvPr id="46" name="TextBox 45">
+                  <a:extLst>
+                    <a:ext uri="{FF2B5EF4-FFF2-40B4-BE49-F238E27FC236}">
+                      <a16:creationId xmlns:a16="http://schemas.microsoft.com/office/drawing/2014/main" id="{B9ECFC10-BCBA-4C19-8471-D325C3E5EFA3}"/>
+                    </a:ext>
+                  </a:extLst>
+                </p:cNvPr>
+                <p:cNvSpPr txBox="1"/>
+                <p:nvPr/>
+              </p:nvSpPr>
+              <p:spPr>
+                <a:xfrm>
+                  <a:off x="2235660" y="3523695"/>
+                  <a:ext cx="799191" cy="464871"/>
+                </a:xfrm>
+                <a:prstGeom prst="rect">
+                  <a:avLst/>
+                </a:prstGeom>
+                <a:noFill/>
+              </p:spPr>
+              <p:txBody>
+                <a:bodyPr wrap="square" lIns="0" tIns="0" rIns="0" bIns="0" rtlCol="0">
+                  <a:spAutoFit/>
+                </a:bodyPr>
+                <a:lstStyle/>
+                <a:p>
+                  <a14:m>
+                    <m:oMathPara xmlns:m="http://schemas.openxmlformats.org/officeDocument/2006/math">
+                      <m:oMathParaPr>
+                        <m:jc m:val="centerGroup"/>
+                      </m:oMathParaPr>
+                      <m:oMath xmlns:m="http://schemas.openxmlformats.org/officeDocument/2006/math">
+                        <m:sSub>
+                          <m:sSubPr>
+                            <m:ctrlPr>
+                              <a:rPr lang="en-AU" sz="2800" b="0" i="1" smtClean="0">
+                                <a:latin typeface="Cambria Math" panose="02040503050406030204" pitchFamily="18" charset="0"/>
+                              </a:rPr>
+                            </m:ctrlPr>
+                          </m:sSubPr>
+                          <m:e>
+                            <m:r>
+                              <a:rPr lang="en-AU" sz="2800" b="0" i="1" smtClean="0">
+                                <a:latin typeface="Cambria Math" panose="02040503050406030204" pitchFamily="18" charset="0"/>
+                              </a:rPr>
+                              <m:t>&gt;</m:t>
+                            </m:r>
+                            <m:r>
+                              <a:rPr lang="en-AU" sz="2800" b="0" i="1" smtClean="0">
+                                <a:latin typeface="Cambria Math" panose="02040503050406030204" pitchFamily="18" charset="0"/>
+                              </a:rPr>
+                              <m:t>𝐼</m:t>
+                            </m:r>
+                          </m:e>
+                          <m:sub>
+                            <m:r>
+                              <a:rPr lang="en-AU" sz="2800" b="0" i="1" smtClean="0">
+                                <a:latin typeface="Cambria Math" panose="02040503050406030204" pitchFamily="18" charset="0"/>
+                              </a:rPr>
+                              <m:t>𝑦</m:t>
+                            </m:r>
+                          </m:sub>
+                        </m:sSub>
+                      </m:oMath>
+                    </m:oMathPara>
+                  </a14:m>
+                  <a:endParaRPr lang="en-AU" sz="2800" b="0" dirty="0"/>
+                </a:p>
+              </p:txBody>
+            </p:sp>
+          </mc:Choice>
+          <mc:Fallback>
+            <p:sp>
+              <p:nvSpPr>
+                <p:cNvPr id="46" name="TextBox 45">
+                  <a:extLst>
+                    <a:ext uri="{FF2B5EF4-FFF2-40B4-BE49-F238E27FC236}">
+                      <a16:creationId xmlns:a16="http://schemas.microsoft.com/office/drawing/2014/main" id="{B9ECFC10-BCBA-4C19-8471-D325C3E5EFA3}"/>
+                    </a:ext>
+                  </a:extLst>
+                </p:cNvPr>
+                <p:cNvSpPr txBox="1">
+                  <a:spLocks noRot="1" noChangeAspect="1" noMove="1" noResize="1" noEditPoints="1" noAdjustHandles="1" noChangeArrowheads="1" noChangeShapeType="1" noTextEdit="1"/>
+                </p:cNvSpPr>
+                <p:nvPr/>
+              </p:nvSpPr>
+              <p:spPr>
+                <a:xfrm>
+                  <a:off x="2235660" y="3523695"/>
+                  <a:ext cx="799191" cy="464871"/>
+                </a:xfrm>
+                <a:prstGeom prst="rect">
+                  <a:avLst/>
+                </a:prstGeom>
+                <a:blipFill>
+                  <a:blip r:embed="rId9"/>
+                  <a:stretch>
+                    <a:fillRect/>
+                  </a:stretch>
+                </a:blipFill>
+              </p:spPr>
+              <p:txBody>
+                <a:bodyPr/>
+                <a:lstStyle/>
+                <a:p>
+                  <a:r>
+                    <a:rPr lang="en-AU">
+                      <a:noFill/>
+                    </a:rPr>
+                    <a:t> </a:t>
+                  </a:r>
+                </a:p>
+              </p:txBody>
+            </p:sp>
+          </mc:Fallback>
+        </mc:AlternateContent>
+        <mc:AlternateContent xmlns:mc="http://schemas.openxmlformats.org/markup-compatibility/2006">
+          <mc:Choice xmlns:a14="http://schemas.microsoft.com/office/drawing/2010/main" Requires="a14">
+            <p:sp>
+              <p:nvSpPr>
+                <p:cNvPr id="48" name="TextBox 47">
+                  <a:extLst>
+                    <a:ext uri="{FF2B5EF4-FFF2-40B4-BE49-F238E27FC236}">
+                      <a16:creationId xmlns:a16="http://schemas.microsoft.com/office/drawing/2014/main" id="{462DEAE8-E31D-4200-AC1C-EF650A0319C3}"/>
+                    </a:ext>
+                  </a:extLst>
+                </p:cNvPr>
+                <p:cNvSpPr txBox="1"/>
+                <p:nvPr/>
+              </p:nvSpPr>
+              <p:spPr>
+                <a:xfrm>
+                  <a:off x="6904277" y="1353411"/>
+                  <a:ext cx="1927194" cy="430887"/>
+                </a:xfrm>
+                <a:prstGeom prst="rect">
+                  <a:avLst/>
+                </a:prstGeom>
+                <a:noFill/>
+              </p:spPr>
+              <p:txBody>
+                <a:bodyPr wrap="none" lIns="0" tIns="0" rIns="0" bIns="0" rtlCol="0">
+                  <a:spAutoFit/>
+                </a:bodyPr>
+                <a:lstStyle/>
+                <a:p>
+                  <a14:m>
+                    <m:oMathPara xmlns:m="http://schemas.openxmlformats.org/officeDocument/2006/math">
+                      <m:oMathParaPr>
+                        <m:jc m:val="centerGroup"/>
+                      </m:oMathParaPr>
+                      <m:oMath xmlns:m="http://schemas.openxmlformats.org/officeDocument/2006/math">
+                        <m:r>
+                          <a:rPr lang="en-AU" sz="2800" b="0" i="1" smtClean="0">
+                            <a:latin typeface="Cambria Math" panose="02040503050406030204" pitchFamily="18" charset="0"/>
+                          </a:rPr>
+                          <m:t>𝐼𝑚𝑎𝑔𝑒</m:t>
+                        </m:r>
+                        <m:r>
+                          <a:rPr lang="en-AU" sz="2800" b="0" i="1" smtClean="0">
+                            <a:latin typeface="Cambria Math" panose="02040503050406030204" pitchFamily="18" charset="0"/>
+                          </a:rPr>
+                          <m:t> </m:t>
+                        </m:r>
+                        <m:r>
+                          <a:rPr lang="en-AU" sz="2800" b="0" i="1" smtClean="0">
+                            <a:latin typeface="Cambria Math" panose="02040503050406030204" pitchFamily="18" charset="0"/>
+                          </a:rPr>
+                          <m:t>𝑎𝑡</m:t>
+                        </m:r>
+                        <m:r>
+                          <a:rPr lang="en-AU" sz="2800" b="0" i="1" smtClean="0">
+                            <a:latin typeface="Cambria Math" panose="02040503050406030204" pitchFamily="18" charset="0"/>
+                          </a:rPr>
+                          <m:t> </m:t>
+                        </m:r>
+                        <m:sSub>
+                          <m:sSubPr>
+                            <m:ctrlPr>
+                              <a:rPr lang="en-AU" sz="2800" b="0" i="1" smtClean="0">
+                                <a:latin typeface="Cambria Math" panose="02040503050406030204" pitchFamily="18" charset="0"/>
+                              </a:rPr>
+                            </m:ctrlPr>
+                          </m:sSubPr>
+                          <m:e>
+                            <m:r>
+                              <a:rPr lang="en-AU" sz="2800" b="0" i="1" smtClean="0">
+                                <a:latin typeface="Cambria Math" panose="02040503050406030204" pitchFamily="18" charset="0"/>
+                              </a:rPr>
+                              <m:t>𝑡</m:t>
+                            </m:r>
+                          </m:e>
+                          <m:sub>
+                            <m:r>
+                              <a:rPr lang="en-AU" sz="2800" b="0" i="1" smtClean="0">
+                                <a:latin typeface="Cambria Math" panose="02040503050406030204" pitchFamily="18" charset="0"/>
+                              </a:rPr>
+                              <m:t>1</m:t>
+                            </m:r>
+                          </m:sub>
+                        </m:sSub>
+                      </m:oMath>
+                    </m:oMathPara>
+                  </a14:m>
+                  <a:endParaRPr lang="en-AU" sz="2800" b="0" dirty="0"/>
+                </a:p>
+              </p:txBody>
+            </p:sp>
+          </mc:Choice>
+          <mc:Fallback>
+            <p:sp>
+              <p:nvSpPr>
+                <p:cNvPr id="48" name="TextBox 47">
+                  <a:extLst>
+                    <a:ext uri="{FF2B5EF4-FFF2-40B4-BE49-F238E27FC236}">
+                      <a16:creationId xmlns:a16="http://schemas.microsoft.com/office/drawing/2014/main" id="{462DEAE8-E31D-4200-AC1C-EF650A0319C3}"/>
+                    </a:ext>
+                  </a:extLst>
+                </p:cNvPr>
+                <p:cNvSpPr txBox="1">
+                  <a:spLocks noRot="1" noChangeAspect="1" noMove="1" noResize="1" noEditPoints="1" noAdjustHandles="1" noChangeArrowheads="1" noChangeShapeType="1" noTextEdit="1"/>
+                </p:cNvSpPr>
+                <p:nvPr/>
+              </p:nvSpPr>
+              <p:spPr>
+                <a:xfrm>
+                  <a:off x="6904277" y="1353411"/>
+                  <a:ext cx="1927194" cy="430887"/>
+                </a:xfrm>
+                <a:prstGeom prst="rect">
+                  <a:avLst/>
+                </a:prstGeom>
+                <a:blipFill>
+                  <a:blip r:embed="rId10"/>
+                  <a:stretch>
+                    <a:fillRect/>
+                  </a:stretch>
+                </a:blipFill>
+              </p:spPr>
+              <p:txBody>
+                <a:bodyPr/>
+                <a:lstStyle/>
+                <a:p>
+                  <a:r>
+                    <a:rPr lang="en-AU">
+                      <a:noFill/>
+                    </a:rPr>
+                    <a:t> </a:t>
+                  </a:r>
+                </a:p>
+              </p:txBody>
+            </p:sp>
+          </mc:Fallback>
+        </mc:AlternateContent>
+        <mc:AlternateContent xmlns:mc="http://schemas.openxmlformats.org/markup-compatibility/2006">
+          <mc:Choice xmlns:a14="http://schemas.microsoft.com/office/drawing/2010/main" Requires="a14">
+            <p:sp>
+              <p:nvSpPr>
+                <p:cNvPr id="49" name="TextBox 48">
+                  <a:extLst>
+                    <a:ext uri="{FF2B5EF4-FFF2-40B4-BE49-F238E27FC236}">
+                      <a16:creationId xmlns:a16="http://schemas.microsoft.com/office/drawing/2014/main" id="{C3DC3FF5-7247-4548-BBCF-C48426E32FD9}"/>
+                    </a:ext>
+                  </a:extLst>
+                </p:cNvPr>
+                <p:cNvSpPr txBox="1"/>
+                <p:nvPr/>
+              </p:nvSpPr>
+              <p:spPr>
+                <a:xfrm>
+                  <a:off x="2165992" y="1360789"/>
+                  <a:ext cx="1935466" cy="430887"/>
+                </a:xfrm>
+                <a:prstGeom prst="rect">
+                  <a:avLst/>
+                </a:prstGeom>
+                <a:noFill/>
+              </p:spPr>
+              <p:txBody>
+                <a:bodyPr wrap="none" lIns="0" tIns="0" rIns="0" bIns="0" rtlCol="0">
+                  <a:spAutoFit/>
+                </a:bodyPr>
+                <a:lstStyle/>
+                <a:p>
+                  <a14:m>
+                    <m:oMathPara xmlns:m="http://schemas.openxmlformats.org/officeDocument/2006/math">
+                      <m:oMathParaPr>
+                        <m:jc m:val="centerGroup"/>
+                      </m:oMathParaPr>
+                      <m:oMath xmlns:m="http://schemas.openxmlformats.org/officeDocument/2006/math">
+                        <m:r>
+                          <a:rPr lang="en-AU" sz="2800" b="0" i="1" smtClean="0">
+                            <a:latin typeface="Cambria Math" panose="02040503050406030204" pitchFamily="18" charset="0"/>
+                          </a:rPr>
+                          <m:t>𝐼𝑚𝑎𝑔𝑒</m:t>
+                        </m:r>
+                        <m:r>
+                          <a:rPr lang="en-AU" sz="2800" b="0" i="1" smtClean="0">
+                            <a:latin typeface="Cambria Math" panose="02040503050406030204" pitchFamily="18" charset="0"/>
+                          </a:rPr>
+                          <m:t> </m:t>
+                        </m:r>
+                        <m:r>
+                          <a:rPr lang="en-AU" sz="2800" b="0" i="1" smtClean="0">
+                            <a:latin typeface="Cambria Math" panose="02040503050406030204" pitchFamily="18" charset="0"/>
+                          </a:rPr>
+                          <m:t>𝑎𝑡</m:t>
+                        </m:r>
+                        <m:r>
+                          <a:rPr lang="en-AU" sz="2800" b="0" i="1" smtClean="0">
+                            <a:latin typeface="Cambria Math" panose="02040503050406030204" pitchFamily="18" charset="0"/>
+                          </a:rPr>
+                          <m:t> </m:t>
+                        </m:r>
+                        <m:sSub>
+                          <m:sSubPr>
+                            <m:ctrlPr>
+                              <a:rPr lang="en-AU" sz="2800" b="0" i="1" smtClean="0">
+                                <a:latin typeface="Cambria Math" panose="02040503050406030204" pitchFamily="18" charset="0"/>
+                              </a:rPr>
+                            </m:ctrlPr>
+                          </m:sSubPr>
+                          <m:e>
+                            <m:r>
+                              <a:rPr lang="en-AU" sz="2800" b="0" i="1" smtClean="0">
+                                <a:latin typeface="Cambria Math" panose="02040503050406030204" pitchFamily="18" charset="0"/>
+                              </a:rPr>
+                              <m:t>𝑡</m:t>
+                            </m:r>
+                          </m:e>
+                          <m:sub>
+                            <m:r>
+                              <a:rPr lang="en-AU" sz="2800" b="0" i="1" smtClean="0">
+                                <a:latin typeface="Cambria Math" panose="02040503050406030204" pitchFamily="18" charset="0"/>
+                              </a:rPr>
+                              <m:t>0</m:t>
+                            </m:r>
+                          </m:sub>
+                        </m:sSub>
+                      </m:oMath>
+                    </m:oMathPara>
+                  </a14:m>
+                  <a:endParaRPr lang="en-AU" sz="2800" b="0" dirty="0"/>
+                </a:p>
+              </p:txBody>
+            </p:sp>
+          </mc:Choice>
+          <mc:Fallback>
+            <p:sp>
+              <p:nvSpPr>
+                <p:cNvPr id="49" name="TextBox 48">
+                  <a:extLst>
+                    <a:ext uri="{FF2B5EF4-FFF2-40B4-BE49-F238E27FC236}">
+                      <a16:creationId xmlns:a16="http://schemas.microsoft.com/office/drawing/2014/main" id="{C3DC3FF5-7247-4548-BBCF-C48426E32FD9}"/>
+                    </a:ext>
+                  </a:extLst>
+                </p:cNvPr>
+                <p:cNvSpPr txBox="1">
+                  <a:spLocks noRot="1" noChangeAspect="1" noMove="1" noResize="1" noEditPoints="1" noAdjustHandles="1" noChangeArrowheads="1" noChangeShapeType="1" noTextEdit="1"/>
+                </p:cNvSpPr>
+                <p:nvPr/>
+              </p:nvSpPr>
+              <p:spPr>
+                <a:xfrm>
+                  <a:off x="2165992" y="1360789"/>
+                  <a:ext cx="1935466" cy="430887"/>
+                </a:xfrm>
+                <a:prstGeom prst="rect">
+                  <a:avLst/>
+                </a:prstGeom>
+                <a:blipFill>
+                  <a:blip r:embed="rId11"/>
+                  <a:stretch>
+                    <a:fillRect/>
+                  </a:stretch>
+                </a:blipFill>
+              </p:spPr>
+              <p:txBody>
+                <a:bodyPr/>
+                <a:lstStyle/>
+                <a:p>
+                  <a:r>
+                    <a:rPr lang="en-AU">
+                      <a:noFill/>
+                    </a:rPr>
+                    <a:t> </a:t>
+                  </a:r>
+                </a:p>
+              </p:txBody>
+            </p:sp>
+          </mc:Fallback>
+        </mc:AlternateContent>
+      </p:grpSp>
+    </p:spTree>
+    <p:extLst>
+      <p:ext uri="{BB962C8B-B14F-4D97-AF65-F5344CB8AC3E}">
+        <p14:creationId xmlns:p14="http://schemas.microsoft.com/office/powerpoint/2010/main" val="7363787"/>
+      </p:ext>
+    </p:extLst>
+  </p:cSld>
+  <p:clrMapOvr>
+    <a:masterClrMapping/>
+  </p:clrMapOvr>
+</p:sld>
+</file>
+
 <file path=ppt/slides/slide2.xml><?xml version="1.0" encoding="utf-8"?>
 <p:sld xmlns:a="http://schemas.openxmlformats.org/drawingml/2006/main" xmlns:r="http://schemas.openxmlformats.org/officeDocument/2006/relationships" xmlns:p="http://schemas.openxmlformats.org/presentationml/2006/main">
   <p:cSld>
@@ -22857,6 +24465,298 @@
           </p:txBody>
         </p:sp>
       </p:grpSp>
+      <p:cxnSp>
+        <p:nvCxnSpPr>
+          <p:cNvPr id="3" name="Straight Arrow Connector 2">
+            <a:extLst>
+              <a:ext uri="{FF2B5EF4-FFF2-40B4-BE49-F238E27FC236}">
+                <a16:creationId xmlns:a16="http://schemas.microsoft.com/office/drawing/2014/main" id="{F3027607-8029-454C-949A-1234FD77C3FB}"/>
+              </a:ext>
+            </a:extLst>
+          </p:cNvPr>
+          <p:cNvCxnSpPr>
+            <a:cxnSpLocks/>
+          </p:cNvCxnSpPr>
+          <p:nvPr/>
+        </p:nvCxnSpPr>
+        <p:spPr>
+          <a:xfrm>
+            <a:off x="2901709" y="1409700"/>
+            <a:ext cx="1629879" cy="0"/>
+          </a:xfrm>
+          <a:prstGeom prst="straightConnector1">
+            <a:avLst/>
+          </a:prstGeom>
+          <a:ln w="28575">
+            <a:solidFill>
+              <a:schemeClr val="tx1"/>
+            </a:solidFill>
+            <a:headEnd type="triangle"/>
+            <a:tailEnd type="triangle"/>
+          </a:ln>
+        </p:spPr>
+        <p:style>
+          <a:lnRef idx="1">
+            <a:schemeClr val="accent1"/>
+          </a:lnRef>
+          <a:fillRef idx="0">
+            <a:schemeClr val="accent1"/>
+          </a:fillRef>
+          <a:effectRef idx="0">
+            <a:schemeClr val="accent1"/>
+          </a:effectRef>
+          <a:fontRef idx="minor">
+            <a:schemeClr val="tx1"/>
+          </a:fontRef>
+        </p:style>
+      </p:cxnSp>
+      <mc:AlternateContent xmlns:mc="http://schemas.openxmlformats.org/markup-compatibility/2006">
+        <mc:Choice xmlns:a14="http://schemas.microsoft.com/office/drawing/2010/main" Requires="a14">
+          <p:sp>
+            <p:nvSpPr>
+              <p:cNvPr id="7" name="TextBox 6">
+                <a:extLst>
+                  <a:ext uri="{FF2B5EF4-FFF2-40B4-BE49-F238E27FC236}">
+                    <a16:creationId xmlns:a16="http://schemas.microsoft.com/office/drawing/2014/main" id="{8027C623-EEE7-4633-951A-CB82B25B9C2D}"/>
+                  </a:ext>
+                </a:extLst>
+              </p:cNvPr>
+              <p:cNvSpPr txBox="1"/>
+              <p:nvPr/>
+            </p:nvSpPr>
+            <p:spPr>
+              <a:xfrm>
+                <a:off x="3390900" y="1034858"/>
+                <a:ext cx="885948" cy="369332"/>
+              </a:xfrm>
+              <a:prstGeom prst="rect">
+                <a:avLst/>
+              </a:prstGeom>
+              <a:noFill/>
+            </p:spPr>
+            <p:txBody>
+              <a:bodyPr wrap="none" rtlCol="0">
+                <a:spAutoFit/>
+              </a:bodyPr>
+              <a:lstStyle/>
+              <a:p>
+                <a14:m>
+                  <m:oMathPara xmlns:m="http://schemas.openxmlformats.org/officeDocument/2006/math">
+                    <m:oMathParaPr>
+                      <m:jc m:val="centerGroup"/>
+                    </m:oMathParaPr>
+                    <m:oMath xmlns:m="http://schemas.openxmlformats.org/officeDocument/2006/math">
+                      <m:r>
+                        <a:rPr lang="en-AU" b="0" i="1" smtClean="0">
+                          <a:latin typeface="Cambria Math" panose="02040503050406030204" pitchFamily="18" charset="0"/>
+                        </a:rPr>
+                        <m:t>30</m:t>
+                      </m:r>
+                      <m:r>
+                        <a:rPr lang="en-AU" b="0" i="1" smtClean="0">
+                          <a:latin typeface="Cambria Math" panose="02040503050406030204" pitchFamily="18" charset="0"/>
+                        </a:rPr>
+                        <m:t>𝑚𝑚</m:t>
+                      </m:r>
+                    </m:oMath>
+                  </m:oMathPara>
+                </a14:m>
+                <a:endParaRPr lang="en-AU" dirty="0"/>
+              </a:p>
+            </p:txBody>
+          </p:sp>
+        </mc:Choice>
+        <mc:Fallback>
+          <p:sp>
+            <p:nvSpPr>
+              <p:cNvPr id="7" name="TextBox 6">
+                <a:extLst>
+                  <a:ext uri="{FF2B5EF4-FFF2-40B4-BE49-F238E27FC236}">
+                    <a16:creationId xmlns:a16="http://schemas.microsoft.com/office/drawing/2014/main" id="{8027C623-EEE7-4633-951A-CB82B25B9C2D}"/>
+                  </a:ext>
+                </a:extLst>
+              </p:cNvPr>
+              <p:cNvSpPr txBox="1">
+                <a:spLocks noRot="1" noChangeAspect="1" noMove="1" noResize="1" noEditPoints="1" noAdjustHandles="1" noChangeArrowheads="1" noChangeShapeType="1" noTextEdit="1"/>
+              </p:cNvSpPr>
+              <p:nvPr/>
+            </p:nvSpPr>
+            <p:spPr>
+              <a:xfrm>
+                <a:off x="3390900" y="1034858"/>
+                <a:ext cx="885948" cy="369332"/>
+              </a:xfrm>
+              <a:prstGeom prst="rect">
+                <a:avLst/>
+              </a:prstGeom>
+              <a:blipFill>
+                <a:blip r:embed="rId2"/>
+                <a:stretch>
+                  <a:fillRect/>
+                </a:stretch>
+              </a:blipFill>
+            </p:spPr>
+            <p:txBody>
+              <a:bodyPr/>
+              <a:lstStyle/>
+              <a:p>
+                <a:r>
+                  <a:rPr lang="en-AU">
+                    <a:noFill/>
+                  </a:rPr>
+                  <a:t> </a:t>
+                </a:r>
+              </a:p>
+            </p:txBody>
+          </p:sp>
+        </mc:Fallback>
+      </mc:AlternateContent>
+      <mc:AlternateContent xmlns:mc="http://schemas.openxmlformats.org/markup-compatibility/2006">
+        <mc:Choice xmlns:a14="http://schemas.microsoft.com/office/drawing/2010/main" Requires="a14">
+          <p:sp>
+            <p:nvSpPr>
+              <p:cNvPr id="54" name="TextBox 53">
+                <a:extLst>
+                  <a:ext uri="{FF2B5EF4-FFF2-40B4-BE49-F238E27FC236}">
+                    <a16:creationId xmlns:a16="http://schemas.microsoft.com/office/drawing/2014/main" id="{7C2A4D67-CB19-4602-9147-DBC8E21CBF0F}"/>
+                  </a:ext>
+                </a:extLst>
+              </p:cNvPr>
+              <p:cNvSpPr txBox="1"/>
+              <p:nvPr/>
+            </p:nvSpPr>
+            <p:spPr>
+              <a:xfrm>
+                <a:off x="1583244" y="2393898"/>
+                <a:ext cx="885948" cy="369332"/>
+              </a:xfrm>
+              <a:prstGeom prst="rect">
+                <a:avLst/>
+              </a:prstGeom>
+              <a:noFill/>
+            </p:spPr>
+            <p:txBody>
+              <a:bodyPr wrap="none" rtlCol="0">
+                <a:spAutoFit/>
+              </a:bodyPr>
+              <a:lstStyle/>
+              <a:p>
+                <a14:m>
+                  <m:oMathPara xmlns:m="http://schemas.openxmlformats.org/officeDocument/2006/math">
+                    <m:oMathParaPr>
+                      <m:jc m:val="centerGroup"/>
+                    </m:oMathParaPr>
+                    <m:oMath xmlns:m="http://schemas.openxmlformats.org/officeDocument/2006/math">
+                      <m:r>
+                        <a:rPr lang="en-AU" b="0" i="1" smtClean="0">
+                          <a:latin typeface="Cambria Math" panose="02040503050406030204" pitchFamily="18" charset="0"/>
+                        </a:rPr>
+                        <m:t>30</m:t>
+                      </m:r>
+                      <m:r>
+                        <a:rPr lang="en-AU" b="0" i="1" smtClean="0">
+                          <a:latin typeface="Cambria Math" panose="02040503050406030204" pitchFamily="18" charset="0"/>
+                        </a:rPr>
+                        <m:t>𝑚𝑚</m:t>
+                      </m:r>
+                    </m:oMath>
+                  </m:oMathPara>
+                </a14:m>
+                <a:endParaRPr lang="en-AU" dirty="0"/>
+              </a:p>
+            </p:txBody>
+          </p:sp>
+        </mc:Choice>
+        <mc:Fallback>
+          <p:sp>
+            <p:nvSpPr>
+              <p:cNvPr id="54" name="TextBox 53">
+                <a:extLst>
+                  <a:ext uri="{FF2B5EF4-FFF2-40B4-BE49-F238E27FC236}">
+                    <a16:creationId xmlns:a16="http://schemas.microsoft.com/office/drawing/2014/main" id="{7C2A4D67-CB19-4602-9147-DBC8E21CBF0F}"/>
+                  </a:ext>
+                </a:extLst>
+              </p:cNvPr>
+              <p:cNvSpPr txBox="1">
+                <a:spLocks noRot="1" noChangeAspect="1" noMove="1" noResize="1" noEditPoints="1" noAdjustHandles="1" noChangeArrowheads="1" noChangeShapeType="1" noTextEdit="1"/>
+              </p:cNvSpPr>
+              <p:nvPr/>
+            </p:nvSpPr>
+            <p:spPr>
+              <a:xfrm>
+                <a:off x="1583244" y="2393898"/>
+                <a:ext cx="885948" cy="369332"/>
+              </a:xfrm>
+              <a:prstGeom prst="rect">
+                <a:avLst/>
+              </a:prstGeom>
+              <a:blipFill>
+                <a:blip r:embed="rId3"/>
+                <a:stretch>
+                  <a:fillRect/>
+                </a:stretch>
+              </a:blipFill>
+            </p:spPr>
+            <p:txBody>
+              <a:bodyPr/>
+              <a:lstStyle/>
+              <a:p>
+                <a:r>
+                  <a:rPr lang="en-AU">
+                    <a:noFill/>
+                  </a:rPr>
+                  <a:t> </a:t>
+                </a:r>
+              </a:p>
+            </p:txBody>
+          </p:sp>
+        </mc:Fallback>
+      </mc:AlternateContent>
+      <p:cxnSp>
+        <p:nvCxnSpPr>
+          <p:cNvPr id="55" name="Straight Arrow Connector 54">
+            <a:extLst>
+              <a:ext uri="{FF2B5EF4-FFF2-40B4-BE49-F238E27FC236}">
+                <a16:creationId xmlns:a16="http://schemas.microsoft.com/office/drawing/2014/main" id="{22596B82-D56A-4FBB-AA10-7D9A97F8114E}"/>
+              </a:ext>
+            </a:extLst>
+          </p:cNvPr>
+          <p:cNvCxnSpPr>
+            <a:cxnSpLocks/>
+          </p:cNvCxnSpPr>
+          <p:nvPr/>
+        </p:nvCxnSpPr>
+        <p:spPr>
+          <a:xfrm>
+            <a:off x="2393950" y="1832905"/>
+            <a:ext cx="0" cy="1564858"/>
+          </a:xfrm>
+          <a:prstGeom prst="straightConnector1">
+            <a:avLst/>
+          </a:prstGeom>
+          <a:ln w="28575">
+            <a:solidFill>
+              <a:schemeClr val="tx1"/>
+            </a:solidFill>
+            <a:headEnd type="triangle"/>
+            <a:tailEnd type="triangle"/>
+          </a:ln>
+        </p:spPr>
+        <p:style>
+          <a:lnRef idx="1">
+            <a:schemeClr val="accent1"/>
+          </a:lnRef>
+          <a:fillRef idx="0">
+            <a:schemeClr val="accent1"/>
+          </a:fillRef>
+          <a:effectRef idx="0">
+            <a:schemeClr val="accent1"/>
+          </a:effectRef>
+          <a:fontRef idx="minor">
+            <a:schemeClr val="tx1"/>
+          </a:fontRef>
+        </p:style>
+      </p:cxnSp>
     </p:spTree>
     <p:extLst>
       <p:ext uri="{BB962C8B-B14F-4D97-AF65-F5344CB8AC3E}">
